--- a/Study/IntelliJ.pptx
+++ b/Study/IntelliJ.pptx
@@ -207,7 +207,7 @@
           <a:p>
             <a:fld id="{860F6261-D752-47FA-9360-477C4FC813A0}" type="datetimeFigureOut">
               <a:rPr lang="ko-KR" altLang="en-US" smtClean="0"/>
-              <a:t>2018-12-04</a:t>
+              <a:t>2018-12-05</a:t>
             </a:fld>
             <a:endParaRPr lang="ko-KR" altLang="en-US"/>
           </a:p>
@@ -2774,7 +2774,7 @@
                 <a:ea typeface="+mn-ea"/>
                 <a:cs typeface="+mn-cs"/>
               </a:rPr>
-              <a:t>저는 인텔리</a:t>
+              <a:t>저는</a:t>
             </a:r>
             <a:r>
               <a:rPr lang="en-US" altLang="ko-KR" sz="1200" b="0" i="0" kern="1200" dirty="0">
@@ -2786,19 +2786,31 @@
                 <a:ea typeface="+mn-ea"/>
                 <a:cs typeface="+mn-cs"/>
               </a:rPr>
-              <a:t>J</a:t>
-            </a:r>
-            <a:r>
-              <a:rPr lang="ko-KR" altLang="en-US" sz="1200" b="0" i="0" kern="1200" dirty="0">
-                <a:solidFill>
-                  <a:schemeClr val="tx1"/>
-                </a:solidFill>
-                <a:effectLst/>
-                <a:latin typeface="+mn-lt"/>
-                <a:ea typeface="+mn-ea"/>
-                <a:cs typeface="+mn-cs"/>
-              </a:rPr>
-              <a:t>의 특징이나 장</a:t>
+              <a:t> IDE</a:t>
+            </a:r>
+            <a:r>
+              <a:rPr lang="ko-KR" altLang="en-US" sz="1200" b="0" i="0" kern="1200" dirty="0">
+                <a:solidFill>
+                  <a:schemeClr val="tx1"/>
+                </a:solidFill>
+                <a:effectLst/>
+                <a:latin typeface="+mn-lt"/>
+                <a:ea typeface="+mn-ea"/>
+                <a:cs typeface="+mn-cs"/>
+              </a:rPr>
+              <a:t>를 이용했을 때 개발 퍼포먼스가 </a:t>
+            </a:r>
+            <a:r>
+              <a:rPr lang="ko-KR" altLang="en-US" sz="1200" b="0" i="0" kern="1200" dirty="0" err="1">
+                <a:solidFill>
+                  <a:schemeClr val="tx1"/>
+                </a:solidFill>
+                <a:effectLst/>
+                <a:latin typeface="+mn-lt"/>
+                <a:ea typeface="+mn-ea"/>
+                <a:cs typeface="+mn-cs"/>
+              </a:rPr>
+              <a:t>향상된다던지</a:t>
             </a:r>
             <a:r>
               <a:rPr lang="en-US" altLang="ko-KR" sz="1200" b="0" i="0" kern="1200" dirty="0">
@@ -2810,130 +2822,6 @@
                 <a:ea typeface="+mn-ea"/>
                 <a:cs typeface="+mn-cs"/>
               </a:rPr>
-              <a:t>,</a:t>
-            </a:r>
-            <a:r>
-              <a:rPr lang="ko-KR" altLang="en-US" sz="1200" b="0" i="0" kern="1200" dirty="0">
-                <a:solidFill>
-                  <a:schemeClr val="tx1"/>
-                </a:solidFill>
-                <a:effectLst/>
-                <a:latin typeface="+mn-lt"/>
-                <a:ea typeface="+mn-ea"/>
-                <a:cs typeface="+mn-cs"/>
-              </a:rPr>
-              <a:t>단점에 대해 생각하면서 한가지 이상한 점이 있었습니다</a:t>
-            </a:r>
-            <a:r>
-              <a:rPr lang="en-US" altLang="ko-KR" sz="1200" b="0" i="0" kern="1200" dirty="0">
-                <a:solidFill>
-                  <a:schemeClr val="tx1"/>
-                </a:solidFill>
-                <a:effectLst/>
-                <a:latin typeface="+mn-lt"/>
-                <a:ea typeface="+mn-ea"/>
-                <a:cs typeface="+mn-cs"/>
-              </a:rPr>
-              <a:t>.</a:t>
-            </a:r>
-          </a:p>
-          <a:p>
-            <a:r>
-              <a:rPr lang="ko-KR" altLang="en-US" sz="1200" b="0" i="0" kern="1200" dirty="0">
-                <a:solidFill>
-                  <a:schemeClr val="tx1"/>
-                </a:solidFill>
-                <a:effectLst/>
-                <a:latin typeface="+mn-lt"/>
-                <a:ea typeface="+mn-ea"/>
-                <a:cs typeface="+mn-cs"/>
-              </a:rPr>
-              <a:t>그것은 처음에 제가 조사하고 생각한 내용들은 인텔리</a:t>
-            </a:r>
-            <a:r>
-              <a:rPr lang="en-US" altLang="ko-KR" sz="1200" b="0" i="0" kern="1200" dirty="0">
-                <a:solidFill>
-                  <a:schemeClr val="tx1"/>
-                </a:solidFill>
-                <a:effectLst/>
-                <a:latin typeface="+mn-lt"/>
-                <a:ea typeface="+mn-ea"/>
-                <a:cs typeface="+mn-cs"/>
-              </a:rPr>
-              <a:t>J</a:t>
-            </a:r>
-            <a:r>
-              <a:rPr lang="ko-KR" altLang="en-US" sz="1200" b="0" i="0" kern="1200" dirty="0">
-                <a:solidFill>
-                  <a:schemeClr val="tx1"/>
-                </a:solidFill>
-                <a:effectLst/>
-                <a:latin typeface="+mn-lt"/>
-                <a:ea typeface="+mn-ea"/>
-                <a:cs typeface="+mn-cs"/>
-              </a:rPr>
-              <a:t>만의 특징이 아닌 </a:t>
-            </a:r>
-            <a:r>
-              <a:rPr lang="en-US" altLang="ko-KR" sz="1200" b="0" i="0" kern="1200" dirty="0">
-                <a:solidFill>
-                  <a:schemeClr val="tx1"/>
-                </a:solidFill>
-                <a:effectLst/>
-                <a:latin typeface="+mn-lt"/>
-                <a:ea typeface="+mn-ea"/>
-                <a:cs typeface="+mn-cs"/>
-              </a:rPr>
-              <a:t>IDE</a:t>
-            </a:r>
-            <a:r>
-              <a:rPr lang="ko-KR" altLang="en-US" sz="1200" b="0" i="0" kern="1200" dirty="0">
-                <a:solidFill>
-                  <a:schemeClr val="tx1"/>
-                </a:solidFill>
-                <a:effectLst/>
-                <a:latin typeface="+mn-lt"/>
-                <a:ea typeface="+mn-ea"/>
-                <a:cs typeface="+mn-cs"/>
-              </a:rPr>
-              <a:t>의 특징 이였던 것인데요</a:t>
-            </a:r>
-            <a:r>
-              <a:rPr lang="en-US" altLang="ko-KR" sz="1200" b="0" i="0" kern="1200" dirty="0">
-                <a:solidFill>
-                  <a:schemeClr val="tx1"/>
-                </a:solidFill>
-                <a:effectLst/>
-                <a:latin typeface="+mn-lt"/>
-                <a:ea typeface="+mn-ea"/>
-                <a:cs typeface="+mn-cs"/>
-              </a:rPr>
-              <a:t>.</a:t>
-            </a:r>
-          </a:p>
-          <a:p>
-            <a:r>
-              <a:rPr lang="ko-KR" altLang="en-US" sz="1200" b="0" i="0" kern="1200" dirty="0">
-                <a:solidFill>
-                  <a:schemeClr val="tx1"/>
-                </a:solidFill>
-                <a:effectLst/>
-                <a:latin typeface="+mn-lt"/>
-                <a:ea typeface="+mn-ea"/>
-                <a:cs typeface="+mn-cs"/>
-              </a:rPr>
-              <a:t>예를 들어</a:t>
-            </a:r>
-            <a:r>
-              <a:rPr lang="en-US" altLang="ko-KR" sz="1200" b="0" i="0" kern="1200" dirty="0">
-                <a:solidFill>
-                  <a:schemeClr val="tx1"/>
-                </a:solidFill>
-                <a:effectLst/>
-                <a:latin typeface="+mn-lt"/>
-                <a:ea typeface="+mn-ea"/>
-                <a:cs typeface="+mn-cs"/>
-              </a:rPr>
               <a:t>, </a:t>
             </a:r>
             <a:r>
@@ -2946,31 +2834,7 @@
                 <a:ea typeface="+mn-ea"/>
                 <a:cs typeface="+mn-cs"/>
               </a:rPr>
-              <a:t>텍스트 에디터와 쉘</a:t>
-            </a:r>
-            <a:r>
-              <a:rPr lang="en-US" altLang="ko-KR" sz="1200" b="0" i="0" kern="1200" dirty="0">
-                <a:solidFill>
-                  <a:schemeClr val="tx1"/>
-                </a:solidFill>
-                <a:effectLst/>
-                <a:latin typeface="+mn-lt"/>
-                <a:ea typeface="+mn-ea"/>
-                <a:cs typeface="+mn-cs"/>
-              </a:rPr>
-              <a:t> </a:t>
-            </a:r>
-            <a:r>
-              <a:rPr lang="ko-KR" altLang="en-US" sz="1200" b="0" i="0" kern="1200" dirty="0">
-                <a:solidFill>
-                  <a:schemeClr val="tx1"/>
-                </a:solidFill>
-                <a:effectLst/>
-                <a:latin typeface="+mn-lt"/>
-                <a:ea typeface="+mn-ea"/>
-                <a:cs typeface="+mn-cs"/>
-              </a:rPr>
-              <a:t>등을 이용하여 작업하는 것에 비해 개발 퍼포먼스가 훨씬 </a:t>
+              <a:t>디버깅이 훨씬 </a:t>
             </a:r>
             <a:r>
               <a:rPr lang="ko-KR" altLang="en-US" sz="1200" b="0" i="0" kern="1200" dirty="0" err="1">
@@ -2982,84 +2846,8 @@
                 <a:ea typeface="+mn-ea"/>
                 <a:cs typeface="+mn-cs"/>
               </a:rPr>
-              <a:t>향상된다던지</a:t>
-            </a:r>
-            <a:r>
-              <a:rPr lang="en-US" altLang="ko-KR" sz="1200" b="0" i="0" kern="1200" dirty="0">
-                <a:solidFill>
-                  <a:schemeClr val="tx1"/>
-                </a:solidFill>
-                <a:effectLst/>
-                <a:latin typeface="+mn-lt"/>
-                <a:ea typeface="+mn-ea"/>
-                <a:cs typeface="+mn-cs"/>
-              </a:rPr>
-              <a:t>,</a:t>
-            </a:r>
-          </a:p>
-          <a:p>
-            <a:r>
-              <a:rPr lang="ko-KR" altLang="en-US" sz="1200" b="0" i="0" kern="1200" dirty="0">
-                <a:solidFill>
-                  <a:schemeClr val="tx1"/>
-                </a:solidFill>
-                <a:effectLst/>
-                <a:latin typeface="+mn-lt"/>
-                <a:ea typeface="+mn-ea"/>
-                <a:cs typeface="+mn-cs"/>
-              </a:rPr>
-              <a:t>디버깅이 </a:t>
-            </a:r>
-            <a:r>
-              <a:rPr lang="ko-KR" altLang="en-US" sz="1200" b="0" i="0" kern="1200" dirty="0" err="1">
-                <a:solidFill>
-                  <a:schemeClr val="tx1"/>
-                </a:solidFill>
-                <a:effectLst/>
-                <a:latin typeface="+mn-lt"/>
-                <a:ea typeface="+mn-ea"/>
-                <a:cs typeface="+mn-cs"/>
-              </a:rPr>
-              <a:t>편리하다던지</a:t>
-            </a:r>
-            <a:r>
-              <a:rPr lang="en-US" altLang="ko-KR" sz="1200" b="0" i="0" kern="1200" dirty="0">
-                <a:solidFill>
-                  <a:schemeClr val="tx1"/>
-                </a:solidFill>
-                <a:effectLst/>
-                <a:latin typeface="+mn-lt"/>
-                <a:ea typeface="+mn-ea"/>
-                <a:cs typeface="+mn-cs"/>
-              </a:rPr>
-              <a:t>.. </a:t>
-            </a:r>
-            <a:r>
-              <a:rPr lang="ko-KR" altLang="en-US" sz="1200" b="0" i="0" kern="1200" dirty="0">
-                <a:solidFill>
-                  <a:schemeClr val="tx1"/>
-                </a:solidFill>
-                <a:effectLst/>
-                <a:latin typeface="+mn-lt"/>
-                <a:ea typeface="+mn-ea"/>
-                <a:cs typeface="+mn-cs"/>
-              </a:rPr>
-              <a:t>이런 내용은 전부 뺐습니다</a:t>
-            </a:r>
-            <a:r>
-              <a:rPr lang="en-US" altLang="ko-KR" sz="1200" b="0" i="0" kern="1200" dirty="0">
-                <a:solidFill>
-                  <a:schemeClr val="tx1"/>
-                </a:solidFill>
-                <a:effectLst/>
-                <a:latin typeface="+mn-lt"/>
-                <a:ea typeface="+mn-ea"/>
-                <a:cs typeface="+mn-cs"/>
-              </a:rPr>
-              <a:t>.</a:t>
-            </a:r>
-          </a:p>
-          <a:p>
+              <a:t>수월하다던지</a:t>
+            </a:r>
             <a:endParaRPr lang="en-US" altLang="ko-KR" sz="1200" b="0" i="0" kern="1200" dirty="0">
               <a:solidFill>
                 <a:schemeClr val="tx1"/>
@@ -3069,6 +2857,32 @@
               <a:ea typeface="+mn-ea"/>
               <a:cs typeface="+mn-cs"/>
             </a:endParaRPr>
+          </a:p>
+          <a:p>
+            <a:r>
+              <a:rPr lang="ko-KR" altLang="en-US" sz="1200" b="0" i="0" kern="1200" dirty="0">
+                <a:solidFill>
+                  <a:schemeClr val="tx1"/>
+                </a:solidFill>
+                <a:effectLst/>
+                <a:latin typeface="+mn-lt"/>
+                <a:ea typeface="+mn-ea"/>
+                <a:cs typeface="+mn-cs"/>
+              </a:rPr>
+              <a:t>이런 공통적인 내용은 담지 않았습니다</a:t>
+            </a:r>
+            <a:r>
+              <a:rPr lang="en-US" altLang="ko-KR" sz="1200" b="0" i="0" kern="1200" dirty="0">
+                <a:solidFill>
+                  <a:schemeClr val="tx1"/>
+                </a:solidFill>
+                <a:effectLst/>
+                <a:latin typeface="+mn-lt"/>
+                <a:ea typeface="+mn-ea"/>
+                <a:cs typeface="+mn-cs"/>
+              </a:rPr>
+              <a:t>.</a:t>
+            </a:r>
           </a:p>
           <a:p>
             <a:r>
@@ -3851,7 +3665,31 @@
                 <a:ea typeface="+mn-ea"/>
                 <a:cs typeface="+mn-cs"/>
               </a:rPr>
-              <a:t>바쁘게 코딩하다가 다른 클래스 파일을 보고 코딩하고 </a:t>
+              <a:t>바쁘게 코딩하다가 다른 파일을 보고</a:t>
+            </a:r>
+            <a:r>
+              <a:rPr lang="en-US" altLang="ko-KR" sz="1200" b="0" i="0" kern="1200" dirty="0">
+                <a:solidFill>
+                  <a:schemeClr val="tx1"/>
+                </a:solidFill>
+                <a:effectLst/>
+                <a:latin typeface="+mn-lt"/>
+                <a:ea typeface="+mn-ea"/>
+                <a:cs typeface="+mn-cs"/>
+              </a:rPr>
+              <a:t>… </a:t>
+            </a:r>
+            <a:r>
+              <a:rPr lang="ko-KR" altLang="en-US" sz="1200" b="0" i="0" kern="1200" dirty="0">
+                <a:solidFill>
+                  <a:schemeClr val="tx1"/>
+                </a:solidFill>
+                <a:effectLst/>
+                <a:latin typeface="+mn-lt"/>
+                <a:ea typeface="+mn-ea"/>
+                <a:cs typeface="+mn-cs"/>
+              </a:rPr>
+              <a:t>다시 </a:t>
             </a:r>
             <a:r>
               <a:rPr lang="ko-KR" altLang="en-US" sz="1200" b="0" i="0" kern="1200" dirty="0" err="1">
@@ -3863,19 +3701,7 @@
                 <a:ea typeface="+mn-ea"/>
                 <a:cs typeface="+mn-cs"/>
               </a:rPr>
-              <a:t>리팩토링</a:t>
-            </a:r>
-            <a:r>
-              <a:rPr lang="ko-KR" altLang="en-US" sz="1200" b="0" i="0" kern="1200" dirty="0">
-                <a:solidFill>
-                  <a:schemeClr val="tx1"/>
-                </a:solidFill>
-                <a:effectLst/>
-                <a:latin typeface="+mn-lt"/>
-                <a:ea typeface="+mn-ea"/>
-                <a:cs typeface="+mn-cs"/>
-              </a:rPr>
-              <a:t> 하고</a:t>
+              <a:t>코딩을하고</a:t>
             </a:r>
             <a:r>
               <a:rPr lang="en-US" altLang="ko-KR" sz="1200" b="0" i="0" kern="1200" dirty="0">
@@ -3887,7 +3713,7 @@
                 <a:ea typeface="+mn-ea"/>
                 <a:cs typeface="+mn-cs"/>
               </a:rPr>
-              <a:t>… </a:t>
+              <a:t>…</a:t>
             </a:r>
             <a:r>
               <a:rPr lang="ko-KR" altLang="en-US" sz="1200" b="0" i="0" kern="1200" dirty="0">
@@ -3949,7 +3775,7 @@
                 <a:ea typeface="+mn-ea"/>
                 <a:cs typeface="+mn-cs"/>
               </a:rPr>
-              <a:t>는 마우스에 손을 올릴 일이 많지 않습니다</a:t>
+              <a:t>는 마우스에 손을 올릴 일을 현저히 줄여줍니다</a:t>
             </a:r>
             <a:r>
               <a:rPr lang="en-US" altLang="ko-KR" sz="1200" b="0" i="0" kern="1200" dirty="0">
@@ -4878,107 +4704,31 @@
                 <a:ea typeface="+mn-ea"/>
                 <a:cs typeface="+mn-cs"/>
               </a:rPr>
-              <a:t>어떤 언어를 사용하든 동일하게 자동 완성 기능을 사용할 수 있습니다</a:t>
-            </a:r>
-            <a:r>
-              <a:rPr lang="en-US" altLang="ko-KR" sz="1200" b="0" i="0" kern="1200" dirty="0">
-                <a:solidFill>
-                  <a:schemeClr val="tx1"/>
-                </a:solidFill>
-                <a:effectLst/>
-                <a:latin typeface="+mn-lt"/>
-                <a:ea typeface="+mn-ea"/>
-                <a:cs typeface="+mn-cs"/>
-              </a:rPr>
-              <a:t>.</a:t>
-            </a:r>
-          </a:p>
-          <a:p>
-            <a:r>
-              <a:rPr lang="ko-KR" altLang="en-US" sz="1200" b="0" i="0" kern="1200" dirty="0">
-                <a:solidFill>
-                  <a:schemeClr val="tx1"/>
-                </a:solidFill>
-                <a:effectLst/>
-                <a:latin typeface="+mn-lt"/>
-                <a:ea typeface="+mn-ea"/>
-                <a:cs typeface="+mn-cs"/>
-              </a:rPr>
-              <a:t>이는 다른 </a:t>
-            </a:r>
-            <a:r>
-              <a:rPr lang="en-US" altLang="ko-KR" sz="1200" b="0" i="0" kern="1200" dirty="0">
-                <a:solidFill>
-                  <a:schemeClr val="tx1"/>
-                </a:solidFill>
-                <a:effectLst/>
-                <a:latin typeface="+mn-lt"/>
-                <a:ea typeface="+mn-ea"/>
-                <a:cs typeface="+mn-cs"/>
-              </a:rPr>
-              <a:t>IDE</a:t>
-            </a:r>
-            <a:r>
-              <a:rPr lang="ko-KR" altLang="en-US" sz="1200" b="0" i="0" kern="1200" dirty="0">
-                <a:solidFill>
-                  <a:schemeClr val="tx1"/>
-                </a:solidFill>
-                <a:effectLst/>
-                <a:latin typeface="+mn-lt"/>
-                <a:ea typeface="+mn-ea"/>
-                <a:cs typeface="+mn-cs"/>
-              </a:rPr>
-              <a:t>에서는 조금 불편한데요</a:t>
-            </a:r>
-            <a:r>
-              <a:rPr lang="en-US" altLang="ko-KR" sz="1200" b="0" i="0" kern="1200" dirty="0">
-                <a:solidFill>
-                  <a:schemeClr val="tx1"/>
-                </a:solidFill>
-                <a:effectLst/>
-                <a:latin typeface="+mn-lt"/>
-                <a:ea typeface="+mn-ea"/>
-                <a:cs typeface="+mn-cs"/>
-              </a:rPr>
-              <a:t>. </a:t>
-            </a:r>
-            <a:r>
-              <a:rPr lang="ko-KR" altLang="en-US" sz="1200" b="0" i="0" kern="1200" dirty="0">
-                <a:solidFill>
-                  <a:schemeClr val="tx1"/>
-                </a:solidFill>
-                <a:effectLst/>
-                <a:latin typeface="+mn-lt"/>
-                <a:ea typeface="+mn-ea"/>
-                <a:cs typeface="+mn-cs"/>
-              </a:rPr>
-              <a:t>대표적으로 이클립스에서는 자바스크립트같은 파일은 기본적으로 자동 완성기능을 사용할 수 없습니다</a:t>
-            </a:r>
-            <a:r>
-              <a:rPr lang="en-US" altLang="ko-KR" sz="1200" b="0" i="0" kern="1200" dirty="0">
-                <a:solidFill>
-                  <a:schemeClr val="tx1"/>
-                </a:solidFill>
-                <a:effectLst/>
-                <a:latin typeface="+mn-lt"/>
-                <a:ea typeface="+mn-ea"/>
-                <a:cs typeface="+mn-cs"/>
-              </a:rPr>
-              <a:t>.</a:t>
-            </a:r>
-          </a:p>
-          <a:p>
-            <a:r>
-              <a:rPr lang="ko-KR" altLang="en-US" sz="1200" b="0" i="0" kern="1200" dirty="0">
-                <a:solidFill>
-                  <a:schemeClr val="tx1"/>
-                </a:solidFill>
-                <a:effectLst/>
-                <a:latin typeface="+mn-lt"/>
-                <a:ea typeface="+mn-ea"/>
-                <a:cs typeface="+mn-cs"/>
-              </a:rPr>
-              <a:t>별도의 플러그인을 설치해야 가능합니다</a:t>
+              <a:t>지원되는 수많은 </a:t>
+            </a:r>
+            <a:r>
+              <a:rPr lang="ko-KR" altLang="en-US" sz="1200" b="0" i="0" kern="1200" dirty="0" err="1">
+                <a:solidFill>
+                  <a:schemeClr val="tx1"/>
+                </a:solidFill>
+                <a:effectLst/>
+                <a:latin typeface="+mn-lt"/>
+                <a:ea typeface="+mn-ea"/>
+                <a:cs typeface="+mn-cs"/>
+              </a:rPr>
+              <a:t>언어중</a:t>
+            </a:r>
+            <a:r>
+              <a:rPr lang="ko-KR" altLang="en-US" sz="1200" b="0" i="0" kern="1200" dirty="0">
+                <a:solidFill>
+                  <a:schemeClr val="tx1"/>
+                </a:solidFill>
+                <a:effectLst/>
+                <a:latin typeface="+mn-lt"/>
+                <a:ea typeface="+mn-ea"/>
+                <a:cs typeface="+mn-cs"/>
+              </a:rPr>
+              <a:t> 하나이기만 하면 동일하게 자동 완성 기능을 사용할 수 있습니다</a:t>
             </a:r>
             <a:r>
               <a:rPr lang="en-US" altLang="ko-KR" sz="1200" b="0" i="0" kern="1200" dirty="0">
@@ -5373,7 +5123,7 @@
           <a:p>
             <a:fld id="{7375CF92-EF9A-4E7C-8197-9037C088131F}" type="datetimeFigureOut">
               <a:rPr lang="ko-KR" altLang="en-US" smtClean="0"/>
-              <a:t>2018-12-04</a:t>
+              <a:t>2018-12-05</a:t>
             </a:fld>
             <a:endParaRPr lang="ko-KR" altLang="en-US"/>
           </a:p>
@@ -5571,7 +5321,7 @@
           <a:p>
             <a:fld id="{7375CF92-EF9A-4E7C-8197-9037C088131F}" type="datetimeFigureOut">
               <a:rPr lang="ko-KR" altLang="en-US" smtClean="0"/>
-              <a:t>2018-12-04</a:t>
+              <a:t>2018-12-05</a:t>
             </a:fld>
             <a:endParaRPr lang="ko-KR" altLang="en-US"/>
           </a:p>
@@ -5779,7 +5529,7 @@
           <a:p>
             <a:fld id="{7375CF92-EF9A-4E7C-8197-9037C088131F}" type="datetimeFigureOut">
               <a:rPr lang="ko-KR" altLang="en-US" smtClean="0"/>
-              <a:t>2018-12-04</a:t>
+              <a:t>2018-12-05</a:t>
             </a:fld>
             <a:endParaRPr lang="ko-KR" altLang="en-US"/>
           </a:p>
@@ -5977,7 +5727,7 @@
           <a:p>
             <a:fld id="{7375CF92-EF9A-4E7C-8197-9037C088131F}" type="datetimeFigureOut">
               <a:rPr lang="ko-KR" altLang="en-US" smtClean="0"/>
-              <a:t>2018-12-04</a:t>
+              <a:t>2018-12-05</a:t>
             </a:fld>
             <a:endParaRPr lang="ko-KR" altLang="en-US"/>
           </a:p>
@@ -6252,7 +6002,7 @@
           <a:p>
             <a:fld id="{7375CF92-EF9A-4E7C-8197-9037C088131F}" type="datetimeFigureOut">
               <a:rPr lang="ko-KR" altLang="en-US" smtClean="0"/>
-              <a:t>2018-12-04</a:t>
+              <a:t>2018-12-05</a:t>
             </a:fld>
             <a:endParaRPr lang="ko-KR" altLang="en-US"/>
           </a:p>
@@ -6517,7 +6267,7 @@
           <a:p>
             <a:fld id="{7375CF92-EF9A-4E7C-8197-9037C088131F}" type="datetimeFigureOut">
               <a:rPr lang="ko-KR" altLang="en-US" smtClean="0"/>
-              <a:t>2018-12-04</a:t>
+              <a:t>2018-12-05</a:t>
             </a:fld>
             <a:endParaRPr lang="ko-KR" altLang="en-US"/>
           </a:p>
@@ -6929,7 +6679,7 @@
           <a:p>
             <a:fld id="{7375CF92-EF9A-4E7C-8197-9037C088131F}" type="datetimeFigureOut">
               <a:rPr lang="ko-KR" altLang="en-US" smtClean="0"/>
-              <a:t>2018-12-04</a:t>
+              <a:t>2018-12-05</a:t>
             </a:fld>
             <a:endParaRPr lang="ko-KR" altLang="en-US"/>
           </a:p>
@@ -7070,7 +6820,7 @@
           <a:p>
             <a:fld id="{7375CF92-EF9A-4E7C-8197-9037C088131F}" type="datetimeFigureOut">
               <a:rPr lang="ko-KR" altLang="en-US" smtClean="0"/>
-              <a:t>2018-12-04</a:t>
+              <a:t>2018-12-05</a:t>
             </a:fld>
             <a:endParaRPr lang="ko-KR" altLang="en-US"/>
           </a:p>
@@ -7183,7 +6933,7 @@
           <a:p>
             <a:fld id="{7375CF92-EF9A-4E7C-8197-9037C088131F}" type="datetimeFigureOut">
               <a:rPr lang="ko-KR" altLang="en-US" smtClean="0"/>
-              <a:t>2018-12-04</a:t>
+              <a:t>2018-12-05</a:t>
             </a:fld>
             <a:endParaRPr lang="ko-KR" altLang="en-US"/>
           </a:p>
@@ -7494,7 +7244,7 @@
           <a:p>
             <a:fld id="{7375CF92-EF9A-4E7C-8197-9037C088131F}" type="datetimeFigureOut">
               <a:rPr lang="ko-KR" altLang="en-US" smtClean="0"/>
-              <a:t>2018-12-04</a:t>
+              <a:t>2018-12-05</a:t>
             </a:fld>
             <a:endParaRPr lang="ko-KR" altLang="en-US"/>
           </a:p>
@@ -7782,7 +7532,7 @@
           <a:p>
             <a:fld id="{7375CF92-EF9A-4E7C-8197-9037C088131F}" type="datetimeFigureOut">
               <a:rPr lang="ko-KR" altLang="en-US" smtClean="0"/>
-              <a:t>2018-12-04</a:t>
+              <a:t>2018-12-05</a:t>
             </a:fld>
             <a:endParaRPr lang="ko-KR" altLang="en-US"/>
           </a:p>
@@ -8023,7 +7773,7 @@
           <a:p>
             <a:fld id="{7375CF92-EF9A-4E7C-8197-9037C088131F}" type="datetimeFigureOut">
               <a:rPr lang="ko-KR" altLang="en-US" smtClean="0"/>
-              <a:t>2018-12-04</a:t>
+              <a:t>2018-12-05</a:t>
             </a:fld>
             <a:endParaRPr lang="ko-KR" altLang="en-US"/>
           </a:p>

--- a/Study/IntelliJ.pptx
+++ b/Study/IntelliJ.pptx
@@ -207,7 +207,7 @@
           <a:p>
             <a:fld id="{860F6261-D752-47FA-9360-477C4FC813A0}" type="datetimeFigureOut">
               <a:rPr lang="ko-KR" altLang="en-US" smtClean="0"/>
-              <a:t>2018-12-05</a:t>
+              <a:t>2018-12-06</a:t>
             </a:fld>
             <a:endParaRPr lang="ko-KR" altLang="en-US"/>
           </a:p>
@@ -5123,7 +5123,7 @@
           <a:p>
             <a:fld id="{7375CF92-EF9A-4E7C-8197-9037C088131F}" type="datetimeFigureOut">
               <a:rPr lang="ko-KR" altLang="en-US" smtClean="0"/>
-              <a:t>2018-12-05</a:t>
+              <a:t>2018-12-06</a:t>
             </a:fld>
             <a:endParaRPr lang="ko-KR" altLang="en-US"/>
           </a:p>
@@ -5321,7 +5321,7 @@
           <a:p>
             <a:fld id="{7375CF92-EF9A-4E7C-8197-9037C088131F}" type="datetimeFigureOut">
               <a:rPr lang="ko-KR" altLang="en-US" smtClean="0"/>
-              <a:t>2018-12-05</a:t>
+              <a:t>2018-12-06</a:t>
             </a:fld>
             <a:endParaRPr lang="ko-KR" altLang="en-US"/>
           </a:p>
@@ -5529,7 +5529,7 @@
           <a:p>
             <a:fld id="{7375CF92-EF9A-4E7C-8197-9037C088131F}" type="datetimeFigureOut">
               <a:rPr lang="ko-KR" altLang="en-US" smtClean="0"/>
-              <a:t>2018-12-05</a:t>
+              <a:t>2018-12-06</a:t>
             </a:fld>
             <a:endParaRPr lang="ko-KR" altLang="en-US"/>
           </a:p>
@@ -5727,7 +5727,7 @@
           <a:p>
             <a:fld id="{7375CF92-EF9A-4E7C-8197-9037C088131F}" type="datetimeFigureOut">
               <a:rPr lang="ko-KR" altLang="en-US" smtClean="0"/>
-              <a:t>2018-12-05</a:t>
+              <a:t>2018-12-06</a:t>
             </a:fld>
             <a:endParaRPr lang="ko-KR" altLang="en-US"/>
           </a:p>
@@ -6002,7 +6002,7 @@
           <a:p>
             <a:fld id="{7375CF92-EF9A-4E7C-8197-9037C088131F}" type="datetimeFigureOut">
               <a:rPr lang="ko-KR" altLang="en-US" smtClean="0"/>
-              <a:t>2018-12-05</a:t>
+              <a:t>2018-12-06</a:t>
             </a:fld>
             <a:endParaRPr lang="ko-KR" altLang="en-US"/>
           </a:p>
@@ -6267,7 +6267,7 @@
           <a:p>
             <a:fld id="{7375CF92-EF9A-4E7C-8197-9037C088131F}" type="datetimeFigureOut">
               <a:rPr lang="ko-KR" altLang="en-US" smtClean="0"/>
-              <a:t>2018-12-05</a:t>
+              <a:t>2018-12-06</a:t>
             </a:fld>
             <a:endParaRPr lang="ko-KR" altLang="en-US"/>
           </a:p>
@@ -6679,7 +6679,7 @@
           <a:p>
             <a:fld id="{7375CF92-EF9A-4E7C-8197-9037C088131F}" type="datetimeFigureOut">
               <a:rPr lang="ko-KR" altLang="en-US" smtClean="0"/>
-              <a:t>2018-12-05</a:t>
+              <a:t>2018-12-06</a:t>
             </a:fld>
             <a:endParaRPr lang="ko-KR" altLang="en-US"/>
           </a:p>
@@ -6820,7 +6820,7 @@
           <a:p>
             <a:fld id="{7375CF92-EF9A-4E7C-8197-9037C088131F}" type="datetimeFigureOut">
               <a:rPr lang="ko-KR" altLang="en-US" smtClean="0"/>
-              <a:t>2018-12-05</a:t>
+              <a:t>2018-12-06</a:t>
             </a:fld>
             <a:endParaRPr lang="ko-KR" altLang="en-US"/>
           </a:p>
@@ -6933,7 +6933,7 @@
           <a:p>
             <a:fld id="{7375CF92-EF9A-4E7C-8197-9037C088131F}" type="datetimeFigureOut">
               <a:rPr lang="ko-KR" altLang="en-US" smtClean="0"/>
-              <a:t>2018-12-05</a:t>
+              <a:t>2018-12-06</a:t>
             </a:fld>
             <a:endParaRPr lang="ko-KR" altLang="en-US"/>
           </a:p>
@@ -7244,7 +7244,7 @@
           <a:p>
             <a:fld id="{7375CF92-EF9A-4E7C-8197-9037C088131F}" type="datetimeFigureOut">
               <a:rPr lang="ko-KR" altLang="en-US" smtClean="0"/>
-              <a:t>2018-12-05</a:t>
+              <a:t>2018-12-06</a:t>
             </a:fld>
             <a:endParaRPr lang="ko-KR" altLang="en-US"/>
           </a:p>
@@ -7532,7 +7532,7 @@
           <a:p>
             <a:fld id="{7375CF92-EF9A-4E7C-8197-9037C088131F}" type="datetimeFigureOut">
               <a:rPr lang="ko-KR" altLang="en-US" smtClean="0"/>
-              <a:t>2018-12-05</a:t>
+              <a:t>2018-12-06</a:t>
             </a:fld>
             <a:endParaRPr lang="ko-KR" altLang="en-US"/>
           </a:p>
@@ -7773,7 +7773,7 @@
           <a:p>
             <a:fld id="{7375CF92-EF9A-4E7C-8197-9037C088131F}" type="datetimeFigureOut">
               <a:rPr lang="ko-KR" altLang="en-US" smtClean="0"/>
-              <a:t>2018-12-05</a:t>
+              <a:t>2018-12-06</a:t>
             </a:fld>
             <a:endParaRPr lang="ko-KR" altLang="en-US"/>
           </a:p>
@@ -8532,6 +8532,52 @@
           </a:p>
         </p:txBody>
       </p:sp>
+      <p:sp>
+        <p:nvSpPr>
+          <p:cNvPr id="7" name="직사각형 6">
+            <a:extLst>
+              <a:ext uri="{FF2B5EF4-FFF2-40B4-BE49-F238E27FC236}">
+                <a16:creationId xmlns:a16="http://schemas.microsoft.com/office/drawing/2014/main" id="{6C845C4B-389B-4CAE-AEB4-96A8514D302C}"/>
+              </a:ext>
+            </a:extLst>
+          </p:cNvPr>
+          <p:cNvSpPr/>
+          <p:nvPr/>
+        </p:nvSpPr>
+        <p:spPr>
+          <a:xfrm>
+            <a:off x="1586143" y="6121769"/>
+            <a:ext cx="9268287" cy="115409"/>
+          </a:xfrm>
+          <a:prstGeom prst="rect">
+            <a:avLst/>
+          </a:prstGeom>
+        </p:spPr>
+        <p:style>
+          <a:lnRef idx="2">
+            <a:schemeClr val="accent1">
+              <a:shade val="50000"/>
+            </a:schemeClr>
+          </a:lnRef>
+          <a:fillRef idx="1">
+            <a:schemeClr val="accent1"/>
+          </a:fillRef>
+          <a:effectRef idx="0">
+            <a:schemeClr val="accent1"/>
+          </a:effectRef>
+          <a:fontRef idx="minor">
+            <a:schemeClr val="lt1"/>
+          </a:fontRef>
+        </p:style>
+        <p:txBody>
+          <a:bodyPr rtlCol="0" anchor="ctr"/>
+          <a:lstStyle/>
+          <a:p>
+            <a:pPr algn="ctr"/>
+            <a:endParaRPr lang="ko-KR" altLang="en-US"/>
+          </a:p>
+        </p:txBody>
+      </p:sp>
     </p:spTree>
     <p:extLst>
       <p:ext uri="{BB962C8B-B14F-4D97-AF65-F5344CB8AC3E}">
@@ -8679,6 +8725,52 @@
           </a:prstGeom>
         </p:spPr>
       </p:pic>
+      <p:sp>
+        <p:nvSpPr>
+          <p:cNvPr id="7" name="직사각형 6">
+            <a:extLst>
+              <a:ext uri="{FF2B5EF4-FFF2-40B4-BE49-F238E27FC236}">
+                <a16:creationId xmlns:a16="http://schemas.microsoft.com/office/drawing/2014/main" id="{837BFADF-0A78-4389-BFBA-2AAA9E0E5D7C}"/>
+              </a:ext>
+            </a:extLst>
+          </p:cNvPr>
+          <p:cNvSpPr/>
+          <p:nvPr/>
+        </p:nvSpPr>
+        <p:spPr>
+          <a:xfrm>
+            <a:off x="1586143" y="6121769"/>
+            <a:ext cx="9268287" cy="115409"/>
+          </a:xfrm>
+          <a:prstGeom prst="rect">
+            <a:avLst/>
+          </a:prstGeom>
+        </p:spPr>
+        <p:style>
+          <a:lnRef idx="2">
+            <a:schemeClr val="accent1">
+              <a:shade val="50000"/>
+            </a:schemeClr>
+          </a:lnRef>
+          <a:fillRef idx="1">
+            <a:schemeClr val="accent1"/>
+          </a:fillRef>
+          <a:effectRef idx="0">
+            <a:schemeClr val="accent1"/>
+          </a:effectRef>
+          <a:fontRef idx="minor">
+            <a:schemeClr val="lt1"/>
+          </a:fontRef>
+        </p:style>
+        <p:txBody>
+          <a:bodyPr rtlCol="0" anchor="ctr"/>
+          <a:lstStyle/>
+          <a:p>
+            <a:pPr algn="ctr"/>
+            <a:endParaRPr lang="ko-KR" altLang="en-US" dirty="0"/>
+          </a:p>
+        </p:txBody>
+      </p:sp>
     </p:spTree>
     <p:extLst>
       <p:ext uri="{BB962C8B-B14F-4D97-AF65-F5344CB8AC3E}">
@@ -8837,6 +8929,52 @@
               <a:t>)</a:t>
             </a:r>
             <a:endParaRPr lang="ko-KR" altLang="en-US" sz="2000" dirty="0"/>
+          </a:p>
+        </p:txBody>
+      </p:sp>
+      <p:sp>
+        <p:nvSpPr>
+          <p:cNvPr id="7" name="직사각형 6">
+            <a:extLst>
+              <a:ext uri="{FF2B5EF4-FFF2-40B4-BE49-F238E27FC236}">
+                <a16:creationId xmlns:a16="http://schemas.microsoft.com/office/drawing/2014/main" id="{FA9FB72D-7117-4A17-A800-B0079FB1928B}"/>
+              </a:ext>
+            </a:extLst>
+          </p:cNvPr>
+          <p:cNvSpPr/>
+          <p:nvPr/>
+        </p:nvSpPr>
+        <p:spPr>
+          <a:xfrm>
+            <a:off x="1586143" y="6121769"/>
+            <a:ext cx="9268287" cy="115409"/>
+          </a:xfrm>
+          <a:prstGeom prst="rect">
+            <a:avLst/>
+          </a:prstGeom>
+        </p:spPr>
+        <p:style>
+          <a:lnRef idx="2">
+            <a:schemeClr val="accent1">
+              <a:shade val="50000"/>
+            </a:schemeClr>
+          </a:lnRef>
+          <a:fillRef idx="1">
+            <a:schemeClr val="accent1"/>
+          </a:fillRef>
+          <a:effectRef idx="0">
+            <a:schemeClr val="accent1"/>
+          </a:effectRef>
+          <a:fontRef idx="minor">
+            <a:schemeClr val="lt1"/>
+          </a:fontRef>
+        </p:style>
+        <p:txBody>
+          <a:bodyPr rtlCol="0" anchor="ctr"/>
+          <a:lstStyle/>
+          <a:p>
+            <a:pPr algn="ctr"/>
+            <a:endParaRPr lang="ko-KR" altLang="en-US"/>
           </a:p>
         </p:txBody>
       </p:sp>
@@ -9363,6 +9501,52 @@
           </a:graphicData>
         </a:graphic>
       </p:graphicFrame>
+      <p:sp>
+        <p:nvSpPr>
+          <p:cNvPr id="7" name="직사각형 6">
+            <a:extLst>
+              <a:ext uri="{FF2B5EF4-FFF2-40B4-BE49-F238E27FC236}">
+                <a16:creationId xmlns:a16="http://schemas.microsoft.com/office/drawing/2014/main" id="{86C4387F-7F43-425B-BAF3-3613F768910D}"/>
+              </a:ext>
+            </a:extLst>
+          </p:cNvPr>
+          <p:cNvSpPr/>
+          <p:nvPr/>
+        </p:nvSpPr>
+        <p:spPr>
+          <a:xfrm>
+            <a:off x="1586143" y="6121769"/>
+            <a:ext cx="9268287" cy="115409"/>
+          </a:xfrm>
+          <a:prstGeom prst="rect">
+            <a:avLst/>
+          </a:prstGeom>
+        </p:spPr>
+        <p:style>
+          <a:lnRef idx="2">
+            <a:schemeClr val="accent1">
+              <a:shade val="50000"/>
+            </a:schemeClr>
+          </a:lnRef>
+          <a:fillRef idx="1">
+            <a:schemeClr val="accent1"/>
+          </a:fillRef>
+          <a:effectRef idx="0">
+            <a:schemeClr val="accent1"/>
+          </a:effectRef>
+          <a:fontRef idx="minor">
+            <a:schemeClr val="lt1"/>
+          </a:fontRef>
+        </p:style>
+        <p:txBody>
+          <a:bodyPr rtlCol="0" anchor="ctr"/>
+          <a:lstStyle/>
+          <a:p>
+            <a:pPr algn="ctr"/>
+            <a:endParaRPr lang="ko-KR" altLang="en-US"/>
+          </a:p>
+        </p:txBody>
+      </p:sp>
     </p:spTree>
     <p:extLst>
       <p:ext uri="{BB962C8B-B14F-4D97-AF65-F5344CB8AC3E}">
@@ -9527,6 +9711,52 @@
           </a:p>
         </p:txBody>
       </p:sp>
+      <p:sp>
+        <p:nvSpPr>
+          <p:cNvPr id="7" name="직사각형 6">
+            <a:extLst>
+              <a:ext uri="{FF2B5EF4-FFF2-40B4-BE49-F238E27FC236}">
+                <a16:creationId xmlns:a16="http://schemas.microsoft.com/office/drawing/2014/main" id="{5F71F490-0F2B-416B-B54F-4126C1C56AE3}"/>
+              </a:ext>
+            </a:extLst>
+          </p:cNvPr>
+          <p:cNvSpPr/>
+          <p:nvPr/>
+        </p:nvSpPr>
+        <p:spPr>
+          <a:xfrm>
+            <a:off x="1586143" y="6121769"/>
+            <a:ext cx="9268287" cy="115409"/>
+          </a:xfrm>
+          <a:prstGeom prst="rect">
+            <a:avLst/>
+          </a:prstGeom>
+        </p:spPr>
+        <p:style>
+          <a:lnRef idx="2">
+            <a:schemeClr val="accent1">
+              <a:shade val="50000"/>
+            </a:schemeClr>
+          </a:lnRef>
+          <a:fillRef idx="1">
+            <a:schemeClr val="accent1"/>
+          </a:fillRef>
+          <a:effectRef idx="0">
+            <a:schemeClr val="accent1"/>
+          </a:effectRef>
+          <a:fontRef idx="minor">
+            <a:schemeClr val="lt1"/>
+          </a:fontRef>
+        </p:style>
+        <p:txBody>
+          <a:bodyPr rtlCol="0" anchor="ctr"/>
+          <a:lstStyle/>
+          <a:p>
+            <a:pPr algn="ctr"/>
+            <a:endParaRPr lang="ko-KR" altLang="en-US"/>
+          </a:p>
+        </p:txBody>
+      </p:sp>
     </p:spTree>
     <p:extLst>
       <p:ext uri="{BB962C8B-B14F-4D97-AF65-F5344CB8AC3E}">
@@ -9673,6 +9903,52 @@
               <a:t>“Developer ergonomics”</a:t>
             </a:r>
             <a:endParaRPr lang="ko-KR" altLang="en-US" sz="3600" b="1" dirty="0"/>
+          </a:p>
+        </p:txBody>
+      </p:sp>
+      <p:sp>
+        <p:nvSpPr>
+          <p:cNvPr id="7" name="직사각형 6">
+            <a:extLst>
+              <a:ext uri="{FF2B5EF4-FFF2-40B4-BE49-F238E27FC236}">
+                <a16:creationId xmlns:a16="http://schemas.microsoft.com/office/drawing/2014/main" id="{9980C155-9057-404C-B658-08BBA2F28798}"/>
+              </a:ext>
+            </a:extLst>
+          </p:cNvPr>
+          <p:cNvSpPr/>
+          <p:nvPr/>
+        </p:nvSpPr>
+        <p:spPr>
+          <a:xfrm>
+            <a:off x="1586143" y="6121769"/>
+            <a:ext cx="9268287" cy="115409"/>
+          </a:xfrm>
+          <a:prstGeom prst="rect">
+            <a:avLst/>
+          </a:prstGeom>
+        </p:spPr>
+        <p:style>
+          <a:lnRef idx="2">
+            <a:schemeClr val="accent1">
+              <a:shade val="50000"/>
+            </a:schemeClr>
+          </a:lnRef>
+          <a:fillRef idx="1">
+            <a:schemeClr val="accent1"/>
+          </a:fillRef>
+          <a:effectRef idx="0">
+            <a:schemeClr val="accent1"/>
+          </a:effectRef>
+          <a:fontRef idx="minor">
+            <a:schemeClr val="lt1"/>
+          </a:fontRef>
+        </p:style>
+        <p:txBody>
+          <a:bodyPr rtlCol="0" anchor="ctr"/>
+          <a:lstStyle/>
+          <a:p>
+            <a:pPr algn="ctr"/>
+            <a:endParaRPr lang="ko-KR" altLang="en-US"/>
           </a:p>
         </p:txBody>
       </p:sp>
@@ -9824,6 +10100,52 @@
           </a:prstGeom>
         </p:spPr>
       </p:pic>
+      <p:sp>
+        <p:nvSpPr>
+          <p:cNvPr id="7" name="직사각형 6">
+            <a:extLst>
+              <a:ext uri="{FF2B5EF4-FFF2-40B4-BE49-F238E27FC236}">
+                <a16:creationId xmlns:a16="http://schemas.microsoft.com/office/drawing/2014/main" id="{23A36690-CEED-42E6-85E5-8F2EA2B5F20B}"/>
+              </a:ext>
+            </a:extLst>
+          </p:cNvPr>
+          <p:cNvSpPr/>
+          <p:nvPr/>
+        </p:nvSpPr>
+        <p:spPr>
+          <a:xfrm>
+            <a:off x="1586143" y="6121769"/>
+            <a:ext cx="9268287" cy="115409"/>
+          </a:xfrm>
+          <a:prstGeom prst="rect">
+            <a:avLst/>
+          </a:prstGeom>
+        </p:spPr>
+        <p:style>
+          <a:lnRef idx="2">
+            <a:schemeClr val="accent1">
+              <a:shade val="50000"/>
+            </a:schemeClr>
+          </a:lnRef>
+          <a:fillRef idx="1">
+            <a:schemeClr val="accent1"/>
+          </a:fillRef>
+          <a:effectRef idx="0">
+            <a:schemeClr val="accent1"/>
+          </a:effectRef>
+          <a:fontRef idx="minor">
+            <a:schemeClr val="lt1"/>
+          </a:fontRef>
+        </p:style>
+        <p:txBody>
+          <a:bodyPr rtlCol="0" anchor="ctr"/>
+          <a:lstStyle/>
+          <a:p>
+            <a:pPr algn="ctr"/>
+            <a:endParaRPr lang="ko-KR" altLang="en-US"/>
+          </a:p>
+        </p:txBody>
+      </p:sp>
     </p:spTree>
     <p:extLst>
       <p:ext uri="{BB962C8B-B14F-4D97-AF65-F5344CB8AC3E}">
@@ -9972,6 +10294,52 @@
           </a:prstGeom>
         </p:spPr>
       </p:pic>
+      <p:sp>
+        <p:nvSpPr>
+          <p:cNvPr id="7" name="직사각형 6">
+            <a:extLst>
+              <a:ext uri="{FF2B5EF4-FFF2-40B4-BE49-F238E27FC236}">
+                <a16:creationId xmlns:a16="http://schemas.microsoft.com/office/drawing/2014/main" id="{2B937B94-77CF-4FEE-B0DB-21D822DF2143}"/>
+              </a:ext>
+            </a:extLst>
+          </p:cNvPr>
+          <p:cNvSpPr/>
+          <p:nvPr/>
+        </p:nvSpPr>
+        <p:spPr>
+          <a:xfrm>
+            <a:off x="1586143" y="6121769"/>
+            <a:ext cx="9268287" cy="115409"/>
+          </a:xfrm>
+          <a:prstGeom prst="rect">
+            <a:avLst/>
+          </a:prstGeom>
+        </p:spPr>
+        <p:style>
+          <a:lnRef idx="2">
+            <a:schemeClr val="accent1">
+              <a:shade val="50000"/>
+            </a:schemeClr>
+          </a:lnRef>
+          <a:fillRef idx="1">
+            <a:schemeClr val="accent1"/>
+          </a:fillRef>
+          <a:effectRef idx="0">
+            <a:schemeClr val="accent1"/>
+          </a:effectRef>
+          <a:fontRef idx="minor">
+            <a:schemeClr val="lt1"/>
+          </a:fontRef>
+        </p:style>
+        <p:txBody>
+          <a:bodyPr rtlCol="0" anchor="ctr"/>
+          <a:lstStyle/>
+          <a:p>
+            <a:pPr algn="ctr"/>
+            <a:endParaRPr lang="ko-KR" altLang="en-US"/>
+          </a:p>
+        </p:txBody>
+      </p:sp>
     </p:spTree>
     <p:extLst>
       <p:ext uri="{BB962C8B-B14F-4D97-AF65-F5344CB8AC3E}">
@@ -10120,6 +10488,52 @@
           </a:prstGeom>
         </p:spPr>
       </p:pic>
+      <p:sp>
+        <p:nvSpPr>
+          <p:cNvPr id="7" name="직사각형 6">
+            <a:extLst>
+              <a:ext uri="{FF2B5EF4-FFF2-40B4-BE49-F238E27FC236}">
+                <a16:creationId xmlns:a16="http://schemas.microsoft.com/office/drawing/2014/main" id="{AE3126A5-FBD8-40B6-B1DE-3C8A227FEE1F}"/>
+              </a:ext>
+            </a:extLst>
+          </p:cNvPr>
+          <p:cNvSpPr/>
+          <p:nvPr/>
+        </p:nvSpPr>
+        <p:spPr>
+          <a:xfrm>
+            <a:off x="1586143" y="6121769"/>
+            <a:ext cx="9268287" cy="115409"/>
+          </a:xfrm>
+          <a:prstGeom prst="rect">
+            <a:avLst/>
+          </a:prstGeom>
+        </p:spPr>
+        <p:style>
+          <a:lnRef idx="2">
+            <a:schemeClr val="accent1">
+              <a:shade val="50000"/>
+            </a:schemeClr>
+          </a:lnRef>
+          <a:fillRef idx="1">
+            <a:schemeClr val="accent1"/>
+          </a:fillRef>
+          <a:effectRef idx="0">
+            <a:schemeClr val="accent1"/>
+          </a:effectRef>
+          <a:fontRef idx="minor">
+            <a:schemeClr val="lt1"/>
+          </a:fontRef>
+        </p:style>
+        <p:txBody>
+          <a:bodyPr rtlCol="0" anchor="ctr"/>
+          <a:lstStyle/>
+          <a:p>
+            <a:pPr algn="ctr"/>
+            <a:endParaRPr lang="ko-KR" altLang="en-US"/>
+          </a:p>
+        </p:txBody>
+      </p:sp>
     </p:spTree>
     <p:extLst>
       <p:ext uri="{BB962C8B-B14F-4D97-AF65-F5344CB8AC3E}">
@@ -10245,7 +10659,7 @@
         </p:nvSpPr>
         <p:spPr>
           <a:xfrm>
-            <a:off x="2286047" y="1421042"/>
+            <a:off x="2402140" y="1136341"/>
             <a:ext cx="7868478" cy="5341975"/>
           </a:xfrm>
           <a:prstGeom prst="rect">
@@ -10409,6 +10823,52 @@
               <a:buChar char="•"/>
             </a:pPr>
             <a:endParaRPr lang="en-US" altLang="ko-KR" sz="2000" dirty="0"/>
+          </a:p>
+        </p:txBody>
+      </p:sp>
+      <p:sp>
+        <p:nvSpPr>
+          <p:cNvPr id="7" name="직사각형 6">
+            <a:extLst>
+              <a:ext uri="{FF2B5EF4-FFF2-40B4-BE49-F238E27FC236}">
+                <a16:creationId xmlns:a16="http://schemas.microsoft.com/office/drawing/2014/main" id="{387AE9CB-0A1A-40AF-A86E-405314B40DD5}"/>
+              </a:ext>
+            </a:extLst>
+          </p:cNvPr>
+          <p:cNvSpPr/>
+          <p:nvPr/>
+        </p:nvSpPr>
+        <p:spPr>
+          <a:xfrm>
+            <a:off x="1586143" y="6121769"/>
+            <a:ext cx="9268287" cy="115409"/>
+          </a:xfrm>
+          <a:prstGeom prst="rect">
+            <a:avLst/>
+          </a:prstGeom>
+        </p:spPr>
+        <p:style>
+          <a:lnRef idx="2">
+            <a:schemeClr val="accent1">
+              <a:shade val="50000"/>
+            </a:schemeClr>
+          </a:lnRef>
+          <a:fillRef idx="1">
+            <a:schemeClr val="accent1"/>
+          </a:fillRef>
+          <a:effectRef idx="0">
+            <a:schemeClr val="accent1"/>
+          </a:effectRef>
+          <a:fontRef idx="minor">
+            <a:schemeClr val="lt1"/>
+          </a:fontRef>
+        </p:style>
+        <p:txBody>
+          <a:bodyPr rtlCol="0" anchor="ctr"/>
+          <a:lstStyle/>
+          <a:p>
+            <a:pPr algn="ctr"/>
+            <a:endParaRPr lang="ko-KR" altLang="en-US"/>
           </a:p>
         </p:txBody>
       </p:sp>

--- a/Study/IntelliJ.pptx
+++ b/Study/IntelliJ.pptx
@@ -627,530 +627,6 @@
             </a:endParaRPr>
           </a:p>
           <a:p>
-            <a:r>
-              <a:rPr lang="ko-KR" altLang="en-US" sz="1200" b="0" i="0" kern="1200" dirty="0">
-                <a:solidFill>
-                  <a:schemeClr val="tx1"/>
-                </a:solidFill>
-                <a:effectLst/>
-                <a:latin typeface="+mn-lt"/>
-                <a:ea typeface="+mn-ea"/>
-                <a:cs typeface="+mn-cs"/>
-              </a:rPr>
-              <a:t>하지만 자바로만 개발할 수 있는 것은 아닙니다</a:t>
-            </a:r>
-            <a:r>
-              <a:rPr lang="en-US" altLang="ko-KR" sz="1200" b="0" i="0" kern="1200" dirty="0">
-                <a:solidFill>
-                  <a:schemeClr val="tx1"/>
-                </a:solidFill>
-                <a:effectLst/>
-                <a:latin typeface="+mn-lt"/>
-                <a:ea typeface="+mn-ea"/>
-                <a:cs typeface="+mn-cs"/>
-              </a:rPr>
-              <a:t>.</a:t>
-            </a:r>
-          </a:p>
-          <a:p>
-            <a:r>
-              <a:rPr lang="ko-KR" altLang="en-US" sz="1200" b="0" i="0" kern="1200" dirty="0">
-                <a:solidFill>
-                  <a:schemeClr val="tx1"/>
-                </a:solidFill>
-                <a:effectLst/>
-                <a:latin typeface="+mn-lt"/>
-                <a:ea typeface="+mn-ea"/>
-                <a:cs typeface="+mn-cs"/>
-              </a:rPr>
-              <a:t>스칼라</a:t>
-            </a:r>
-            <a:r>
-              <a:rPr lang="en-US" altLang="ko-KR" sz="1200" b="0" i="0" kern="1200" dirty="0">
-                <a:solidFill>
-                  <a:schemeClr val="tx1"/>
-                </a:solidFill>
-                <a:effectLst/>
-                <a:latin typeface="+mn-lt"/>
-                <a:ea typeface="+mn-ea"/>
-                <a:cs typeface="+mn-cs"/>
-              </a:rPr>
-              <a:t>, </a:t>
-            </a:r>
-            <a:r>
-              <a:rPr lang="ko-KR" altLang="en-US" sz="1200" b="0" i="0" kern="1200" dirty="0" err="1">
-                <a:solidFill>
-                  <a:schemeClr val="tx1"/>
-                </a:solidFill>
-                <a:effectLst/>
-                <a:latin typeface="+mn-lt"/>
-                <a:ea typeface="+mn-ea"/>
-                <a:cs typeface="+mn-cs"/>
-              </a:rPr>
-              <a:t>코틀린</a:t>
-            </a:r>
-            <a:endParaRPr lang="en-US" altLang="ko-KR" sz="1200" b="0" i="0" kern="1200" dirty="0">
-              <a:solidFill>
-                <a:schemeClr val="tx1"/>
-              </a:solidFill>
-              <a:effectLst/>
-              <a:latin typeface="+mn-lt"/>
-              <a:ea typeface="+mn-ea"/>
-              <a:cs typeface="+mn-cs"/>
-            </a:endParaRPr>
-          </a:p>
-          <a:p>
-            <a:r>
-              <a:rPr lang="ko-KR" altLang="en-US" sz="1200" b="0" i="0" kern="1200" dirty="0">
-                <a:solidFill>
-                  <a:schemeClr val="tx1"/>
-                </a:solidFill>
-                <a:effectLst/>
-                <a:latin typeface="+mn-lt"/>
-                <a:ea typeface="+mn-ea"/>
-                <a:cs typeface="+mn-cs"/>
-              </a:rPr>
-              <a:t>웹개발에 있어서는 </a:t>
-            </a:r>
-            <a:r>
-              <a:rPr lang="en-US" altLang="ko-KR" sz="1200" b="0" i="0" kern="1200" dirty="0">
-                <a:solidFill>
-                  <a:schemeClr val="tx1"/>
-                </a:solidFill>
-                <a:effectLst/>
-                <a:latin typeface="+mn-lt"/>
-                <a:ea typeface="+mn-ea"/>
-                <a:cs typeface="+mn-cs"/>
-              </a:rPr>
-              <a:t>html </a:t>
-            </a:r>
-            <a:r>
-              <a:rPr lang="en-US" altLang="ko-KR" sz="1200" b="0" i="0" kern="1200" dirty="0" err="1">
-                <a:solidFill>
-                  <a:schemeClr val="tx1"/>
-                </a:solidFill>
-                <a:effectLst/>
-                <a:latin typeface="+mn-lt"/>
-                <a:ea typeface="+mn-ea"/>
-                <a:cs typeface="+mn-cs"/>
-              </a:rPr>
-              <a:t>css</a:t>
-            </a:r>
-            <a:r>
-              <a:rPr lang="ko-KR" altLang="en-US" sz="1200" b="0" i="0" kern="1200" dirty="0">
-                <a:solidFill>
-                  <a:schemeClr val="tx1"/>
-                </a:solidFill>
-                <a:effectLst/>
-                <a:latin typeface="+mn-lt"/>
-                <a:ea typeface="+mn-ea"/>
-                <a:cs typeface="+mn-cs"/>
-              </a:rPr>
-              <a:t>같은 </a:t>
-            </a:r>
-            <a:r>
-              <a:rPr lang="ko-KR" altLang="en-US" sz="1200" b="0" i="0" kern="1200" dirty="0" err="1">
-                <a:solidFill>
-                  <a:schemeClr val="tx1"/>
-                </a:solidFill>
-                <a:effectLst/>
-                <a:latin typeface="+mn-lt"/>
-                <a:ea typeface="+mn-ea"/>
-                <a:cs typeface="+mn-cs"/>
-              </a:rPr>
-              <a:t>마크업언어와</a:t>
-            </a:r>
-            <a:r>
-              <a:rPr lang="ko-KR" altLang="en-US" sz="1200" b="0" i="0" kern="1200" dirty="0">
-                <a:solidFill>
-                  <a:schemeClr val="tx1"/>
-                </a:solidFill>
-                <a:effectLst/>
-                <a:latin typeface="+mn-lt"/>
-                <a:ea typeface="+mn-ea"/>
-                <a:cs typeface="+mn-cs"/>
-              </a:rPr>
-              <a:t> </a:t>
-            </a:r>
-            <a:r>
-              <a:rPr lang="en-US" altLang="ko-KR" sz="1200" b="0" i="0" kern="1200" dirty="0" err="1">
-                <a:solidFill>
-                  <a:schemeClr val="tx1"/>
-                </a:solidFill>
-                <a:effectLst/>
-                <a:latin typeface="+mn-lt"/>
-                <a:ea typeface="+mn-ea"/>
-                <a:cs typeface="+mn-cs"/>
-              </a:rPr>
-              <a:t>jsp,php</a:t>
-            </a:r>
-            <a:r>
-              <a:rPr lang="en-US" altLang="ko-KR" sz="1200" b="0" i="0" kern="1200" dirty="0">
-                <a:solidFill>
-                  <a:schemeClr val="tx1"/>
-                </a:solidFill>
-                <a:effectLst/>
-                <a:latin typeface="+mn-lt"/>
-                <a:ea typeface="+mn-ea"/>
-                <a:cs typeface="+mn-cs"/>
-              </a:rPr>
-              <a:t> </a:t>
-            </a:r>
-            <a:r>
-              <a:rPr lang="ko-KR" altLang="en-US" sz="1200" b="0" i="0" kern="1200" dirty="0">
-                <a:solidFill>
-                  <a:schemeClr val="tx1"/>
-                </a:solidFill>
-                <a:effectLst/>
-                <a:latin typeface="+mn-lt"/>
-                <a:ea typeface="+mn-ea"/>
-                <a:cs typeface="+mn-cs"/>
-              </a:rPr>
-              <a:t>들도 자동으로 인식해주고</a:t>
-            </a:r>
-            <a:endParaRPr lang="en-US" altLang="ko-KR" sz="1200" b="0" i="0" kern="1200" dirty="0">
-              <a:solidFill>
-                <a:schemeClr val="tx1"/>
-              </a:solidFill>
-              <a:effectLst/>
-              <a:latin typeface="+mn-lt"/>
-              <a:ea typeface="+mn-ea"/>
-              <a:cs typeface="+mn-cs"/>
-            </a:endParaRPr>
-          </a:p>
-          <a:p>
-            <a:r>
-              <a:rPr lang="en-US" altLang="ko-KR" sz="1200" b="0" i="0" kern="1200" dirty="0">
-                <a:solidFill>
-                  <a:schemeClr val="tx1"/>
-                </a:solidFill>
-                <a:effectLst/>
-                <a:latin typeface="+mn-lt"/>
-                <a:ea typeface="+mn-ea"/>
-                <a:cs typeface="+mn-cs"/>
-              </a:rPr>
-              <a:t>Go, </a:t>
-            </a:r>
-            <a:r>
-              <a:rPr lang="ko-KR" altLang="en-US" sz="1200" b="0" i="0" kern="1200" dirty="0">
-                <a:solidFill>
-                  <a:schemeClr val="tx1"/>
-                </a:solidFill>
-                <a:effectLst/>
-                <a:latin typeface="+mn-lt"/>
-                <a:ea typeface="+mn-ea"/>
-                <a:cs typeface="+mn-cs"/>
-              </a:rPr>
-              <a:t>자바스크립트</a:t>
-            </a:r>
-            <a:r>
-              <a:rPr lang="en-US" altLang="ko-KR" sz="1200" b="0" i="0" kern="1200" dirty="0">
-                <a:solidFill>
-                  <a:schemeClr val="tx1"/>
-                </a:solidFill>
-                <a:effectLst/>
-                <a:latin typeface="+mn-lt"/>
-                <a:ea typeface="+mn-ea"/>
-                <a:cs typeface="+mn-cs"/>
-              </a:rPr>
-              <a:t>, </a:t>
-            </a:r>
-            <a:r>
-              <a:rPr lang="ko-KR" altLang="en-US" sz="1200" b="0" i="0" kern="1200" dirty="0">
-                <a:solidFill>
-                  <a:schemeClr val="tx1"/>
-                </a:solidFill>
-                <a:effectLst/>
-                <a:latin typeface="+mn-lt"/>
-                <a:ea typeface="+mn-ea"/>
-                <a:cs typeface="+mn-cs"/>
-              </a:rPr>
-              <a:t>타입스크립트 심지어 </a:t>
-            </a:r>
-            <a:r>
-              <a:rPr lang="en-US" altLang="ko-KR" sz="1200" b="0" i="0" kern="1200" dirty="0">
-                <a:solidFill>
-                  <a:schemeClr val="tx1"/>
-                </a:solidFill>
-                <a:effectLst/>
-                <a:latin typeface="+mn-lt"/>
-                <a:ea typeface="+mn-ea"/>
-                <a:cs typeface="+mn-cs"/>
-              </a:rPr>
-              <a:t>SQL </a:t>
-            </a:r>
-            <a:r>
-              <a:rPr lang="ko-KR" altLang="en-US" sz="1200" b="0" i="0" kern="1200" dirty="0">
-                <a:solidFill>
-                  <a:schemeClr val="tx1"/>
-                </a:solidFill>
-                <a:effectLst/>
-                <a:latin typeface="+mn-lt"/>
-                <a:ea typeface="+mn-ea"/>
-                <a:cs typeface="+mn-cs"/>
-              </a:rPr>
-              <a:t>쿼리문까지 인식합니다</a:t>
-            </a:r>
-            <a:r>
-              <a:rPr lang="en-US" altLang="ko-KR" sz="1200" b="0" i="0" kern="1200" dirty="0">
-                <a:solidFill>
-                  <a:schemeClr val="tx1"/>
-                </a:solidFill>
-                <a:effectLst/>
-                <a:latin typeface="+mn-lt"/>
-                <a:ea typeface="+mn-ea"/>
-                <a:cs typeface="+mn-cs"/>
-              </a:rPr>
-              <a:t>.</a:t>
-            </a:r>
-          </a:p>
-          <a:p>
-            <a:endParaRPr lang="en-US" altLang="ko-KR" sz="1200" b="0" i="0" kern="1200" dirty="0">
-              <a:solidFill>
-                <a:schemeClr val="tx1"/>
-              </a:solidFill>
-              <a:effectLst/>
-              <a:latin typeface="+mn-lt"/>
-              <a:ea typeface="+mn-ea"/>
-              <a:cs typeface="+mn-cs"/>
-            </a:endParaRPr>
-          </a:p>
-          <a:p>
-            <a:pPr marL="0" indent="0">
-              <a:buNone/>
-            </a:pPr>
-            <a:r>
-              <a:rPr lang="ko-KR" altLang="en-US" sz="1200" b="0" i="0" kern="1200" dirty="0">
-                <a:solidFill>
-                  <a:schemeClr val="tx1"/>
-                </a:solidFill>
-                <a:effectLst/>
-                <a:latin typeface="+mn-lt"/>
-                <a:ea typeface="+mn-ea"/>
-                <a:cs typeface="+mn-cs"/>
-              </a:rPr>
-              <a:t>라이선스 같은 경우는 누구나 사용할 수 있는 커뮤니티 에디션과</a:t>
-            </a:r>
-            <a:endParaRPr lang="en-US" altLang="ko-KR" sz="1200" b="0" i="0" kern="1200" dirty="0">
-              <a:solidFill>
-                <a:schemeClr val="tx1"/>
-              </a:solidFill>
-              <a:effectLst/>
-              <a:latin typeface="+mn-lt"/>
-              <a:ea typeface="+mn-ea"/>
-              <a:cs typeface="+mn-cs"/>
-            </a:endParaRPr>
-          </a:p>
-          <a:p>
-            <a:pPr marL="0" indent="0">
-              <a:buNone/>
-            </a:pPr>
-            <a:r>
-              <a:rPr lang="ko-KR" altLang="en-US" sz="1200" b="0" i="0" kern="1200" dirty="0">
-                <a:solidFill>
-                  <a:schemeClr val="tx1"/>
-                </a:solidFill>
-                <a:effectLst/>
-                <a:latin typeface="+mn-lt"/>
-                <a:ea typeface="+mn-ea"/>
-                <a:cs typeface="+mn-cs"/>
-              </a:rPr>
-              <a:t>커뮤니티 에디션보다 훨씬 더 고도화된 기능들이 내장된 </a:t>
-            </a:r>
-            <a:r>
-              <a:rPr lang="ko-KR" altLang="en-US" sz="1200" b="0" i="0" kern="1200" dirty="0" err="1">
-                <a:solidFill>
-                  <a:schemeClr val="tx1"/>
-                </a:solidFill>
-                <a:effectLst/>
-                <a:latin typeface="+mn-lt"/>
-                <a:ea typeface="+mn-ea"/>
-                <a:cs typeface="+mn-cs"/>
-              </a:rPr>
-              <a:t>얼티메이트</a:t>
-            </a:r>
-            <a:r>
-              <a:rPr lang="ko-KR" altLang="en-US" sz="1200" b="0" i="0" kern="1200" dirty="0">
-                <a:solidFill>
-                  <a:schemeClr val="tx1"/>
-                </a:solidFill>
-                <a:effectLst/>
-                <a:latin typeface="+mn-lt"/>
-                <a:ea typeface="+mn-ea"/>
-                <a:cs typeface="+mn-cs"/>
-              </a:rPr>
-              <a:t> 에디션이 있습니다</a:t>
-            </a:r>
-            <a:r>
-              <a:rPr lang="en-US" altLang="ko-KR" sz="1200" b="0" i="0" kern="1200" dirty="0">
-                <a:solidFill>
-                  <a:schemeClr val="tx1"/>
-                </a:solidFill>
-                <a:effectLst/>
-                <a:latin typeface="+mn-lt"/>
-                <a:ea typeface="+mn-ea"/>
-                <a:cs typeface="+mn-cs"/>
-              </a:rPr>
-              <a:t>.</a:t>
-            </a:r>
-          </a:p>
-          <a:p>
-            <a:pPr marL="0" indent="0">
-              <a:buNone/>
-            </a:pPr>
-            <a:endParaRPr lang="en-US" altLang="ko-KR" sz="1200" b="0" i="0" kern="1200" dirty="0">
-              <a:solidFill>
-                <a:schemeClr val="tx1"/>
-              </a:solidFill>
-              <a:effectLst/>
-              <a:latin typeface="+mn-lt"/>
-              <a:ea typeface="+mn-ea"/>
-              <a:cs typeface="+mn-cs"/>
-            </a:endParaRPr>
-          </a:p>
-          <a:p>
-            <a:pPr marL="0" indent="0">
-              <a:buNone/>
-            </a:pPr>
-            <a:r>
-              <a:rPr lang="ko-KR" altLang="en-US" sz="1200" b="0" i="0" kern="1200" dirty="0">
-                <a:solidFill>
-                  <a:schemeClr val="tx1"/>
-                </a:solidFill>
-                <a:effectLst/>
-                <a:latin typeface="+mn-lt"/>
-                <a:ea typeface="+mn-ea"/>
-                <a:cs typeface="+mn-cs"/>
-              </a:rPr>
-              <a:t>커뮤니티 에디션은 아파치</a:t>
-            </a:r>
-            <a:r>
-              <a:rPr lang="en-US" altLang="ko-KR" sz="1200" b="0" i="0" kern="1200" dirty="0">
-                <a:solidFill>
-                  <a:schemeClr val="tx1"/>
-                </a:solidFill>
-                <a:effectLst/>
-                <a:latin typeface="+mn-lt"/>
-                <a:ea typeface="+mn-ea"/>
-                <a:cs typeface="+mn-cs"/>
-              </a:rPr>
-              <a:t>2.0</a:t>
-            </a:r>
-            <a:r>
-              <a:rPr lang="ko-KR" altLang="en-US" sz="1200" b="0" i="0" kern="1200" dirty="0">
-                <a:solidFill>
-                  <a:schemeClr val="tx1"/>
-                </a:solidFill>
-                <a:effectLst/>
-                <a:latin typeface="+mn-lt"/>
-                <a:ea typeface="+mn-ea"/>
-                <a:cs typeface="+mn-cs"/>
-              </a:rPr>
-              <a:t>라이센스를 </a:t>
-            </a:r>
-            <a:r>
-              <a:rPr lang="ko-KR" altLang="en-US" sz="1200" b="0" i="0" kern="1200" dirty="0" err="1">
-                <a:solidFill>
-                  <a:schemeClr val="tx1"/>
-                </a:solidFill>
-                <a:effectLst/>
-                <a:latin typeface="+mn-lt"/>
-                <a:ea typeface="+mn-ea"/>
-                <a:cs typeface="+mn-cs"/>
-              </a:rPr>
-              <a:t>따르기</a:t>
-            </a:r>
-            <a:r>
-              <a:rPr lang="ko-KR" altLang="en-US" sz="1200" b="0" i="0" kern="1200" dirty="0">
-                <a:solidFill>
-                  <a:schemeClr val="tx1"/>
-                </a:solidFill>
-                <a:effectLst/>
-                <a:latin typeface="+mn-lt"/>
-                <a:ea typeface="+mn-ea"/>
-                <a:cs typeface="+mn-cs"/>
-              </a:rPr>
-              <a:t> 때문에 개인에게도 무료이고 기업에게도 오픈소스에 한정하여 무료입니다</a:t>
-            </a:r>
-            <a:r>
-              <a:rPr lang="en-US" altLang="ko-KR" sz="1200" b="0" i="0" kern="1200" dirty="0">
-                <a:solidFill>
-                  <a:schemeClr val="tx1"/>
-                </a:solidFill>
-                <a:effectLst/>
-                <a:latin typeface="+mn-lt"/>
-                <a:ea typeface="+mn-ea"/>
-                <a:cs typeface="+mn-cs"/>
-              </a:rPr>
-              <a:t>.</a:t>
-            </a:r>
-          </a:p>
-          <a:p>
-            <a:pPr marL="0" indent="0">
-              <a:buNone/>
-            </a:pPr>
-            <a:r>
-              <a:rPr lang="ko-KR" altLang="en-US" sz="1200" b="0" i="0" kern="1200" dirty="0" err="1">
-                <a:solidFill>
-                  <a:schemeClr val="tx1"/>
-                </a:solidFill>
-                <a:effectLst/>
-                <a:latin typeface="+mn-lt"/>
-                <a:ea typeface="+mn-ea"/>
-                <a:cs typeface="+mn-cs"/>
-              </a:rPr>
-              <a:t>얼티메이트</a:t>
-            </a:r>
-            <a:r>
-              <a:rPr lang="ko-KR" altLang="en-US" sz="1200" b="0" i="0" kern="1200" dirty="0">
-                <a:solidFill>
-                  <a:schemeClr val="tx1"/>
-                </a:solidFill>
-                <a:effectLst/>
-                <a:latin typeface="+mn-lt"/>
-                <a:ea typeface="+mn-ea"/>
-                <a:cs typeface="+mn-cs"/>
-              </a:rPr>
-              <a:t> 에디션은 커뮤니티 에디션보다 더 많은 기능들이 있지만 개인에게도</a:t>
-            </a:r>
-            <a:r>
-              <a:rPr lang="en-US" altLang="ko-KR" sz="1200" b="0" i="0" kern="1200" dirty="0">
-                <a:solidFill>
-                  <a:schemeClr val="tx1"/>
-                </a:solidFill>
-                <a:effectLst/>
-                <a:latin typeface="+mn-lt"/>
-                <a:ea typeface="+mn-ea"/>
-                <a:cs typeface="+mn-cs"/>
-              </a:rPr>
-              <a:t>, </a:t>
-            </a:r>
-            <a:r>
-              <a:rPr lang="ko-KR" altLang="en-US" sz="1200" b="0" i="0" kern="1200" dirty="0">
-                <a:solidFill>
-                  <a:schemeClr val="tx1"/>
-                </a:solidFill>
-                <a:effectLst/>
-                <a:latin typeface="+mn-lt"/>
-                <a:ea typeface="+mn-ea"/>
-                <a:cs typeface="+mn-cs"/>
-              </a:rPr>
-              <a:t>기업에게도 전부 유료입니다</a:t>
-            </a:r>
-            <a:r>
-              <a:rPr lang="en-US" altLang="ko-KR" sz="1200" b="0" i="0" kern="1200" dirty="0">
-                <a:solidFill>
-                  <a:schemeClr val="tx1"/>
-                </a:solidFill>
-                <a:effectLst/>
-                <a:latin typeface="+mn-lt"/>
-                <a:ea typeface="+mn-ea"/>
-                <a:cs typeface="+mn-cs"/>
-              </a:rPr>
-              <a:t>.</a:t>
-            </a:r>
-          </a:p>
-          <a:p>
             <a:pPr marL="0" indent="0">
               <a:buNone/>
             </a:pPr>
@@ -2037,40 +1513,54 @@
           <a:lstStyle/>
           <a:p>
             <a:r>
-              <a:rPr lang="ko-KR" altLang="ko-KR" sz="1200" b="0" i="0" kern="1200" dirty="0" err="1">
-                <a:solidFill>
-                  <a:schemeClr val="tx1"/>
-                </a:solidFill>
-                <a:effectLst/>
-                <a:latin typeface="+mn-lt"/>
-                <a:ea typeface="+mn-ea"/>
-                <a:cs typeface="+mn-cs"/>
-              </a:rPr>
-              <a:t>IntelliJ</a:t>
-            </a:r>
-            <a:r>
-              <a:rPr lang="ko-KR" altLang="ko-KR" sz="1200" b="0" i="0" kern="1200" dirty="0">
-                <a:solidFill>
-                  <a:schemeClr val="tx1"/>
-                </a:solidFill>
-                <a:effectLst/>
-                <a:latin typeface="+mn-lt"/>
-                <a:ea typeface="+mn-ea"/>
-                <a:cs typeface="+mn-cs"/>
-              </a:rPr>
-              <a:t> </a:t>
-            </a:r>
-            <a:r>
-              <a:rPr lang="ko-KR" altLang="ko-KR" sz="1200" b="0" i="0" kern="1200" dirty="0" err="1">
-                <a:solidFill>
-                  <a:schemeClr val="tx1"/>
-                </a:solidFill>
-                <a:effectLst/>
-                <a:latin typeface="+mn-lt"/>
-                <a:ea typeface="+mn-ea"/>
-                <a:cs typeface="+mn-cs"/>
-              </a:rPr>
-              <a:t>IDEA</a:t>
+              <a:rPr lang="ko-KR" altLang="en-US" sz="1200" b="0" i="0" kern="1200" dirty="0">
+                <a:solidFill>
+                  <a:schemeClr val="tx1"/>
+                </a:solidFill>
+                <a:effectLst/>
+                <a:latin typeface="+mn-lt"/>
+                <a:ea typeface="+mn-ea"/>
+                <a:cs typeface="+mn-cs"/>
+              </a:rPr>
+              <a:t>하지만 자바로만 개발할 수 있는 것은 아닙니다</a:t>
+            </a:r>
+            <a:r>
+              <a:rPr lang="en-US" altLang="ko-KR" sz="1200" b="0" i="0" kern="1200" dirty="0">
+                <a:solidFill>
+                  <a:schemeClr val="tx1"/>
+                </a:solidFill>
+                <a:effectLst/>
+                <a:latin typeface="+mn-lt"/>
+                <a:ea typeface="+mn-ea"/>
+                <a:cs typeface="+mn-cs"/>
+              </a:rPr>
+              <a:t>.</a:t>
+            </a:r>
+          </a:p>
+          <a:p>
+            <a:r>
+              <a:rPr lang="ko-KR" altLang="en-US" sz="1200" b="0" i="0" kern="1200" dirty="0">
+                <a:solidFill>
+                  <a:schemeClr val="tx1"/>
+                </a:solidFill>
+                <a:effectLst/>
+                <a:latin typeface="+mn-lt"/>
+                <a:ea typeface="+mn-ea"/>
+                <a:cs typeface="+mn-cs"/>
+              </a:rPr>
+              <a:t>스칼라</a:t>
+            </a:r>
+            <a:r>
+              <a:rPr lang="en-US" altLang="ko-KR" sz="1200" b="0" i="0" kern="1200" dirty="0">
+                <a:solidFill>
+                  <a:schemeClr val="tx1"/>
+                </a:solidFill>
+                <a:effectLst/>
+                <a:latin typeface="+mn-lt"/>
+                <a:ea typeface="+mn-ea"/>
+                <a:cs typeface="+mn-cs"/>
+              </a:rPr>
+              <a:t>, </a:t>
             </a:r>
             <a:r>
               <a:rPr lang="ko-KR" altLang="en-US" sz="1200" b="0" i="0" kern="1200" dirty="0" err="1">
@@ -2082,58 +1572,8 @@
                 <a:ea typeface="+mn-ea"/>
                 <a:cs typeface="+mn-cs"/>
               </a:rPr>
-              <a:t>는</a:t>
-            </a:r>
-            <a:r>
-              <a:rPr lang="ko-KR" altLang="en-US" sz="1200" b="0" i="0" kern="1200" dirty="0">
-                <a:solidFill>
-                  <a:schemeClr val="tx1"/>
-                </a:solidFill>
-                <a:effectLst/>
-                <a:latin typeface="+mn-lt"/>
-                <a:ea typeface="+mn-ea"/>
-                <a:cs typeface="+mn-cs"/>
-              </a:rPr>
-              <a:t> </a:t>
-            </a:r>
-            <a:r>
-              <a:rPr lang="en-US" altLang="ko-KR" sz="1200" b="0" i="0" kern="1200" dirty="0">
-                <a:solidFill>
-                  <a:schemeClr val="tx1"/>
-                </a:solidFill>
-                <a:effectLst/>
-                <a:latin typeface="+mn-lt"/>
-                <a:ea typeface="+mn-ea"/>
-                <a:cs typeface="+mn-cs"/>
-              </a:rPr>
-              <a:t>JetBrains </a:t>
-            </a:r>
-            <a:r>
-              <a:rPr lang="ko-KR" altLang="en-US" sz="1200" b="0" i="0" kern="1200" dirty="0">
-                <a:solidFill>
-                  <a:schemeClr val="tx1"/>
-                </a:solidFill>
-                <a:effectLst/>
-                <a:latin typeface="+mn-lt"/>
-                <a:ea typeface="+mn-ea"/>
-                <a:cs typeface="+mn-cs"/>
-              </a:rPr>
-              <a:t>사에서 만든 자바 통합 개발 환경</a:t>
-            </a:r>
-            <a:r>
-              <a:rPr lang="en-US" altLang="ko-KR" sz="1200" b="0" i="0" kern="1200" dirty="0">
-                <a:solidFill>
-                  <a:schemeClr val="tx1"/>
-                </a:solidFill>
-                <a:effectLst/>
-                <a:latin typeface="+mn-lt"/>
-                <a:ea typeface="+mn-ea"/>
-                <a:cs typeface="+mn-cs"/>
-              </a:rPr>
-              <a:t>.</a:t>
-            </a:r>
-          </a:p>
-          <a:p>
+              <a:t>코틀린</a:t>
+            </a:r>
             <a:endParaRPr lang="en-US" altLang="ko-KR" sz="1200" b="0" i="0" kern="1200" dirty="0">
               <a:solidFill>
                 <a:schemeClr val="tx1"/>
@@ -2155,7 +1595,7 @@
                 <a:ea typeface="+mn-ea"/>
                 <a:cs typeface="+mn-cs"/>
               </a:rPr>
-              <a:t>하지만 자바로만 개발할 수 있는 것은 아닙니다</a:t>
+              <a:t>웹개발에 있어서는 </a:t>
             </a:r>
             <a:r>
               <a:rPr lang="en-US" altLang="ko-KR" sz="1200" b="0" i="0" kern="1200" dirty="0">
@@ -2167,10 +1607,20 @@
                 <a:ea typeface="+mn-ea"/>
                 <a:cs typeface="+mn-cs"/>
               </a:rPr>
-              <a:t>.</a:t>
-            </a:r>
-          </a:p>
-          <a:p>
+              <a:t>html </a:t>
+            </a:r>
+            <a:r>
+              <a:rPr lang="en-US" altLang="ko-KR" sz="1200" b="0" i="0" kern="1200" dirty="0" err="1">
+                <a:solidFill>
+                  <a:schemeClr val="tx1"/>
+                </a:solidFill>
+                <a:effectLst/>
+                <a:latin typeface="+mn-lt"/>
+                <a:ea typeface="+mn-ea"/>
+                <a:cs typeface="+mn-cs"/>
+              </a:rPr>
+              <a:t>css</a:t>
+            </a:r>
             <a:r>
               <a:rPr lang="ko-KR" altLang="en-US" sz="1200" b="0" i="0" kern="1200" dirty="0">
                 <a:solidFill>
@@ -2181,7 +1631,43 @@
                 <a:ea typeface="+mn-ea"/>
                 <a:cs typeface="+mn-cs"/>
               </a:rPr>
-              <a:t>스칼라</a:t>
+              <a:t>같은 </a:t>
+            </a:r>
+            <a:r>
+              <a:rPr lang="ko-KR" altLang="en-US" sz="1200" b="0" i="0" kern="1200" dirty="0" err="1">
+                <a:solidFill>
+                  <a:schemeClr val="tx1"/>
+                </a:solidFill>
+                <a:effectLst/>
+                <a:latin typeface="+mn-lt"/>
+                <a:ea typeface="+mn-ea"/>
+                <a:cs typeface="+mn-cs"/>
+              </a:rPr>
+              <a:t>마크업언어와</a:t>
+            </a:r>
+            <a:r>
+              <a:rPr lang="ko-KR" altLang="en-US" sz="1200" b="0" i="0" kern="1200" dirty="0">
+                <a:solidFill>
+                  <a:schemeClr val="tx1"/>
+                </a:solidFill>
+                <a:effectLst/>
+                <a:latin typeface="+mn-lt"/>
+                <a:ea typeface="+mn-ea"/>
+                <a:cs typeface="+mn-cs"/>
+              </a:rPr>
+              <a:t> </a:t>
+            </a:r>
+            <a:r>
+              <a:rPr lang="en-US" altLang="ko-KR" sz="1200" b="0" i="0" kern="1200" dirty="0" err="1">
+                <a:solidFill>
+                  <a:schemeClr val="tx1"/>
+                </a:solidFill>
+                <a:effectLst/>
+                <a:latin typeface="+mn-lt"/>
+                <a:ea typeface="+mn-ea"/>
+                <a:cs typeface="+mn-cs"/>
+              </a:rPr>
+              <a:t>jsp,php</a:t>
             </a:r>
             <a:r>
               <a:rPr lang="en-US" altLang="ko-KR" sz="1200" b="0" i="0" kern="1200" dirty="0">
@@ -2193,31 +1679,8 @@
                 <a:ea typeface="+mn-ea"/>
                 <a:cs typeface="+mn-cs"/>
               </a:rPr>
-              <a:t>, </a:t>
-            </a:r>
-            <a:r>
-              <a:rPr lang="ko-KR" altLang="en-US" sz="1200" b="0" i="0" kern="1200" dirty="0" err="1">
-                <a:solidFill>
-                  <a:schemeClr val="tx1"/>
-                </a:solidFill>
-                <a:effectLst/>
-                <a:latin typeface="+mn-lt"/>
-                <a:ea typeface="+mn-ea"/>
-                <a:cs typeface="+mn-cs"/>
-              </a:rPr>
-              <a:t>코틀린</a:t>
-            </a:r>
-            <a:endParaRPr lang="en-US" altLang="ko-KR" sz="1200" b="0" i="0" kern="1200" dirty="0">
-              <a:solidFill>
-                <a:schemeClr val="tx1"/>
-              </a:solidFill>
-              <a:effectLst/>
-              <a:latin typeface="+mn-lt"/>
-              <a:ea typeface="+mn-ea"/>
-              <a:cs typeface="+mn-cs"/>
-            </a:endParaRPr>
-          </a:p>
-          <a:p>
+              <a:t> </a:t>
+            </a:r>
             <a:r>
               <a:rPr lang="ko-KR" altLang="en-US" sz="1200" b="0" i="0" kern="1200" dirty="0">
                 <a:solidFill>
@@ -2228,103 +1691,7 @@
                 <a:ea typeface="+mn-ea"/>
                 <a:cs typeface="+mn-cs"/>
               </a:rPr>
-              <a:t>웹개발에 있어서는 </a:t>
-            </a:r>
-            <a:r>
-              <a:rPr lang="en-US" altLang="ko-KR" sz="1200" b="0" i="0" kern="1200" dirty="0">
-                <a:solidFill>
-                  <a:schemeClr val="tx1"/>
-                </a:solidFill>
-                <a:effectLst/>
-                <a:latin typeface="+mn-lt"/>
-                <a:ea typeface="+mn-ea"/>
-                <a:cs typeface="+mn-cs"/>
-              </a:rPr>
-              <a:t>html </a:t>
-            </a:r>
-            <a:r>
-              <a:rPr lang="en-US" altLang="ko-KR" sz="1200" b="0" i="0" kern="1200" dirty="0" err="1">
-                <a:solidFill>
-                  <a:schemeClr val="tx1"/>
-                </a:solidFill>
-                <a:effectLst/>
-                <a:latin typeface="+mn-lt"/>
-                <a:ea typeface="+mn-ea"/>
-                <a:cs typeface="+mn-cs"/>
-              </a:rPr>
-              <a:t>css</a:t>
-            </a:r>
-            <a:r>
-              <a:rPr lang="ko-KR" altLang="en-US" sz="1200" b="0" i="0" kern="1200" dirty="0">
-                <a:solidFill>
-                  <a:schemeClr val="tx1"/>
-                </a:solidFill>
-                <a:effectLst/>
-                <a:latin typeface="+mn-lt"/>
-                <a:ea typeface="+mn-ea"/>
-                <a:cs typeface="+mn-cs"/>
-              </a:rPr>
-              <a:t>같은 </a:t>
-            </a:r>
-            <a:r>
-              <a:rPr lang="ko-KR" altLang="en-US" sz="1200" b="0" i="0" kern="1200" dirty="0" err="1">
-                <a:solidFill>
-                  <a:schemeClr val="tx1"/>
-                </a:solidFill>
-                <a:effectLst/>
-                <a:latin typeface="+mn-lt"/>
-                <a:ea typeface="+mn-ea"/>
-                <a:cs typeface="+mn-cs"/>
-              </a:rPr>
-              <a:t>마크업언어와</a:t>
-            </a:r>
-            <a:r>
-              <a:rPr lang="ko-KR" altLang="en-US" sz="1200" b="0" i="0" kern="1200" dirty="0">
-                <a:solidFill>
-                  <a:schemeClr val="tx1"/>
-                </a:solidFill>
-                <a:effectLst/>
-                <a:latin typeface="+mn-lt"/>
-                <a:ea typeface="+mn-ea"/>
-                <a:cs typeface="+mn-cs"/>
-              </a:rPr>
-              <a:t> </a:t>
-            </a:r>
-            <a:r>
-              <a:rPr lang="en-US" altLang="ko-KR" sz="1200" b="0" i="0" kern="1200" dirty="0" err="1">
-                <a:solidFill>
-                  <a:schemeClr val="tx1"/>
-                </a:solidFill>
-                <a:effectLst/>
-                <a:latin typeface="+mn-lt"/>
-                <a:ea typeface="+mn-ea"/>
-                <a:cs typeface="+mn-cs"/>
-              </a:rPr>
-              <a:t>jsp,php</a:t>
-            </a:r>
-            <a:r>
-              <a:rPr lang="en-US" altLang="ko-KR" sz="1200" b="0" i="0" kern="1200" dirty="0">
-                <a:solidFill>
-                  <a:schemeClr val="tx1"/>
-                </a:solidFill>
-                <a:effectLst/>
-                <a:latin typeface="+mn-lt"/>
-                <a:ea typeface="+mn-ea"/>
-                <a:cs typeface="+mn-cs"/>
-              </a:rPr>
-              <a:t> </a:t>
-            </a:r>
-            <a:r>
-              <a:rPr lang="ko-KR" altLang="en-US" sz="1200" b="0" i="0" kern="1200" dirty="0">
-                <a:solidFill>
-                  <a:schemeClr val="tx1"/>
-                </a:solidFill>
-                <a:effectLst/>
-                <a:latin typeface="+mn-lt"/>
-                <a:ea typeface="+mn-ea"/>
-                <a:cs typeface="+mn-cs"/>
-              </a:rPr>
-              <a:t>들도 자동으로 인식해주고</a:t>
+              <a:t>들도 인식해주고</a:t>
             </a:r>
             <a:endParaRPr lang="en-US" altLang="ko-KR" sz="1200" b="0" i="0" kern="1200" dirty="0">
               <a:solidFill>
@@ -3216,19 +2583,7 @@
                 <a:ea typeface="+mn-ea"/>
                 <a:cs typeface="+mn-cs"/>
               </a:rPr>
-              <a:t>가 개발자 인체공학적으로 만들었다고 생각하는 차별화된 특징에 대해 </a:t>
-            </a:r>
-            <a:r>
-              <a:rPr lang="ko-KR" altLang="en-US" sz="1200" b="0" i="0" kern="1200" dirty="0" err="1">
-                <a:solidFill>
-                  <a:schemeClr val="tx1"/>
-                </a:solidFill>
-                <a:effectLst/>
-                <a:latin typeface="+mn-lt"/>
-                <a:ea typeface="+mn-ea"/>
-                <a:cs typeface="+mn-cs"/>
-              </a:rPr>
-              <a:t>설명드리겠습니다</a:t>
+              <a:t>가 개발자 인체공학적으로 만들었다고 생각하는 몇가지 특징에 대해 조사하였습니다</a:t>
             </a:r>
             <a:r>
               <a:rPr lang="en-US" altLang="ko-KR" sz="1200" b="0" i="0" kern="1200" dirty="0">
@@ -3383,7 +2738,7 @@
                 <a:ea typeface="+mn-ea"/>
                 <a:cs typeface="+mn-cs"/>
               </a:rPr>
-              <a:t>의 모든 기능은 마우스 없이 이용할 수 있습니다</a:t>
+              <a:t>의 거의 모든 기능은 단축키를 통해서 마우스 없이 이용할 수 있습니다</a:t>
             </a:r>
             <a:r>
               <a:rPr lang="en-US" altLang="ko-KR" sz="1200" b="0" i="0" kern="1200" dirty="0">
@@ -3395,7 +2750,7 @@
                 <a:ea typeface="+mn-ea"/>
                 <a:cs typeface="+mn-cs"/>
               </a:rPr>
-              <a:t>.</a:t>
+              <a:t>. </a:t>
             </a:r>
           </a:p>
           <a:p>
@@ -8432,8 +7787,8 @@
         </p:nvSpPr>
         <p:spPr>
           <a:xfrm>
-            <a:off x="2286047" y="2418193"/>
-            <a:ext cx="7868478" cy="3033651"/>
+            <a:off x="3249433" y="3429000"/>
+            <a:ext cx="7868478" cy="2264210"/>
           </a:xfrm>
           <a:prstGeom prst="rect">
             <a:avLst/>
@@ -8455,36 +7810,19 @@
             </a:pPr>
             <a:r>
               <a:rPr lang="ko-KR" altLang="en-US" sz="2000" dirty="0"/>
-              <a:t>다른 </a:t>
+              <a:t>진입 장벽이 높음</a:t>
             </a:r>
             <a:r>
               <a:rPr lang="en-US" altLang="ko-KR" sz="2000" dirty="0"/>
-              <a:t>IDE</a:t>
+              <a:t>. (</a:t>
             </a:r>
             <a:r>
               <a:rPr lang="ko-KR" altLang="en-US" sz="2000" dirty="0"/>
-              <a:t>에 비해 레퍼런스가 적음</a:t>
+              <a:t>개인적</a:t>
             </a:r>
             <a:r>
               <a:rPr lang="en-US" altLang="ko-KR" sz="2000" dirty="0"/>
-              <a:t>.</a:t>
-            </a:r>
-          </a:p>
-          <a:p>
-            <a:pPr marL="342900" indent="-342900">
-              <a:lnSpc>
-                <a:spcPct val="250000"/>
-              </a:lnSpc>
-              <a:buFont typeface="Arial" panose="020B0604020202020204" pitchFamily="34" charset="0"/>
-              <a:buChar char="•"/>
-            </a:pPr>
-            <a:r>
-              <a:rPr lang="ko-KR" altLang="en-US" sz="2000" dirty="0"/>
-              <a:t>한번에 여러 개의 프로젝트를 열 수 없음</a:t>
-            </a:r>
-            <a:r>
-              <a:rPr lang="en-US" altLang="ko-KR" sz="2000" dirty="0"/>
-              <a:t>.</a:t>
+              <a:t>)</a:t>
             </a:r>
           </a:p>
           <a:p>
@@ -8578,6 +7916,85 @@
           </a:p>
         </p:txBody>
       </p:sp>
+      <p:sp>
+        <p:nvSpPr>
+          <p:cNvPr id="8" name="TextBox 7">
+            <a:extLst>
+              <a:ext uri="{FF2B5EF4-FFF2-40B4-BE49-F238E27FC236}">
+                <a16:creationId xmlns:a16="http://schemas.microsoft.com/office/drawing/2014/main" id="{3C4EB4A8-88AB-4A7C-97EE-1B9104CBF092}"/>
+              </a:ext>
+            </a:extLst>
+          </p:cNvPr>
+          <p:cNvSpPr txBox="1"/>
+          <p:nvPr/>
+        </p:nvSpPr>
+        <p:spPr>
+          <a:xfrm>
+            <a:off x="3249433" y="1846693"/>
+            <a:ext cx="7868478" cy="2264210"/>
+          </a:xfrm>
+          <a:prstGeom prst="rect">
+            <a:avLst/>
+          </a:prstGeom>
+          <a:noFill/>
+        </p:spPr>
+        <p:txBody>
+          <a:bodyPr wrap="square" rtlCol="0">
+            <a:spAutoFit/>
+          </a:bodyPr>
+          <a:lstStyle/>
+          <a:p>
+            <a:pPr marL="342900" indent="-342900">
+              <a:lnSpc>
+                <a:spcPct val="250000"/>
+              </a:lnSpc>
+              <a:buFont typeface="Arial" panose="020B0604020202020204" pitchFamily="34" charset="0"/>
+              <a:buChar char="•"/>
+            </a:pPr>
+            <a:r>
+              <a:rPr lang="ko-KR" altLang="en-US" sz="2000" dirty="0"/>
+              <a:t>다른 </a:t>
+            </a:r>
+            <a:r>
+              <a:rPr lang="en-US" altLang="ko-KR" sz="2000" dirty="0"/>
+              <a:t>IDE</a:t>
+            </a:r>
+            <a:r>
+              <a:rPr lang="ko-KR" altLang="en-US" sz="2000" dirty="0"/>
+              <a:t>에 비해 레퍼런스가 적음</a:t>
+            </a:r>
+            <a:r>
+              <a:rPr lang="en-US" altLang="ko-KR" sz="2000" dirty="0"/>
+              <a:t>.</a:t>
+            </a:r>
+          </a:p>
+          <a:p>
+            <a:pPr marL="342900" indent="-342900">
+              <a:lnSpc>
+                <a:spcPct val="250000"/>
+              </a:lnSpc>
+              <a:buFont typeface="Arial" panose="020B0604020202020204" pitchFamily="34" charset="0"/>
+              <a:buChar char="•"/>
+            </a:pPr>
+            <a:r>
+              <a:rPr lang="ko-KR" altLang="en-US" sz="2000" dirty="0"/>
+              <a:t>한번에 여러 개의 프로젝트를 열 수 없음</a:t>
+            </a:r>
+            <a:r>
+              <a:rPr lang="en-US" altLang="ko-KR" sz="2000" dirty="0"/>
+              <a:t>.</a:t>
+            </a:r>
+          </a:p>
+          <a:p>
+            <a:pPr>
+              <a:lnSpc>
+                <a:spcPct val="250000"/>
+              </a:lnSpc>
+            </a:pPr>
+            <a:endParaRPr lang="en-US" altLang="ko-KR" sz="2000" dirty="0"/>
+          </a:p>
+        </p:txBody>
+      </p:sp>
     </p:spTree>
     <p:extLst>
       <p:ext uri="{BB962C8B-B14F-4D97-AF65-F5344CB8AC3E}">
@@ -8588,6 +8005,146 @@
   <p:clrMapOvr>
     <a:masterClrMapping/>
   </p:clrMapOvr>
+  <p:timing>
+    <p:tnLst>
+      <p:par>
+        <p:cTn id="1" dur="indefinite" restart="never" nodeType="tmRoot">
+          <p:childTnLst>
+            <p:seq concurrent="1" nextAc="seek">
+              <p:cTn id="2" dur="indefinite" nodeType="mainSeq">
+                <p:childTnLst>
+                  <p:par>
+                    <p:cTn id="3" fill="hold">
+                      <p:stCondLst>
+                        <p:cond delay="indefinite"/>
+                      </p:stCondLst>
+                      <p:childTnLst>
+                        <p:par>
+                          <p:cTn id="4" fill="hold">
+                            <p:stCondLst>
+                              <p:cond delay="0"/>
+                            </p:stCondLst>
+                            <p:childTnLst>
+                              <p:par>
+                                <p:cTn id="5" presetID="10" presetClass="entr" presetSubtype="0" fill="hold" grpId="0" nodeType="clickEffect">
+                                  <p:stCondLst>
+                                    <p:cond delay="0"/>
+                                  </p:stCondLst>
+                                  <p:childTnLst>
+                                    <p:set>
+                                      <p:cBhvr>
+                                        <p:cTn id="6" dur="1" fill="hold">
+                                          <p:stCondLst>
+                                            <p:cond delay="0"/>
+                                          </p:stCondLst>
+                                        </p:cTn>
+                                        <p:tgtEl>
+                                          <p:spTgt spid="8"/>
+                                        </p:tgtEl>
+                                        <p:attrNameLst>
+                                          <p:attrName>style.visibility</p:attrName>
+                                        </p:attrNameLst>
+                                      </p:cBhvr>
+                                      <p:to>
+                                        <p:strVal val="visible"/>
+                                      </p:to>
+                                    </p:set>
+                                    <p:animEffect transition="in" filter="fade">
+                                      <p:cBhvr>
+                                        <p:cTn id="7" dur="500"/>
+                                        <p:tgtEl>
+                                          <p:spTgt spid="8"/>
+                                        </p:tgtEl>
+                                      </p:cBhvr>
+                                    </p:animEffect>
+                                  </p:childTnLst>
+                                </p:cTn>
+                              </p:par>
+                            </p:childTnLst>
+                          </p:cTn>
+                        </p:par>
+                      </p:childTnLst>
+                    </p:cTn>
+                  </p:par>
+                  <p:par>
+                    <p:cTn id="8" fill="hold">
+                      <p:stCondLst>
+                        <p:cond delay="indefinite"/>
+                      </p:stCondLst>
+                      <p:childTnLst>
+                        <p:par>
+                          <p:cTn id="9" fill="hold">
+                            <p:stCondLst>
+                              <p:cond delay="0"/>
+                            </p:stCondLst>
+                            <p:childTnLst>
+                              <p:par>
+                                <p:cTn id="10" presetID="10" presetClass="entr" presetSubtype="0" fill="hold" grpId="0" nodeType="clickEffect">
+                                  <p:stCondLst>
+                                    <p:cond delay="0"/>
+                                  </p:stCondLst>
+                                  <p:childTnLst>
+                                    <p:set>
+                                      <p:cBhvr>
+                                        <p:cTn id="11" dur="1" fill="hold">
+                                          <p:stCondLst>
+                                            <p:cond delay="0"/>
+                                          </p:stCondLst>
+                                        </p:cTn>
+                                        <p:tgtEl>
+                                          <p:spTgt spid="10"/>
+                                        </p:tgtEl>
+                                        <p:attrNameLst>
+                                          <p:attrName>style.visibility</p:attrName>
+                                        </p:attrNameLst>
+                                      </p:cBhvr>
+                                      <p:to>
+                                        <p:strVal val="visible"/>
+                                      </p:to>
+                                    </p:set>
+                                    <p:animEffect transition="in" filter="fade">
+                                      <p:cBhvr>
+                                        <p:cTn id="12" dur="500"/>
+                                        <p:tgtEl>
+                                          <p:spTgt spid="10"/>
+                                        </p:tgtEl>
+                                      </p:cBhvr>
+                                    </p:animEffect>
+                                  </p:childTnLst>
+                                </p:cTn>
+                              </p:par>
+                            </p:childTnLst>
+                          </p:cTn>
+                        </p:par>
+                      </p:childTnLst>
+                    </p:cTn>
+                  </p:par>
+                </p:childTnLst>
+              </p:cTn>
+              <p:prevCondLst>
+                <p:cond evt="onPrev" delay="0">
+                  <p:tgtEl>
+                    <p:sldTgt/>
+                  </p:tgtEl>
+                </p:cond>
+              </p:prevCondLst>
+              <p:nextCondLst>
+                <p:cond evt="onNext" delay="0">
+                  <p:tgtEl>
+                    <p:sldTgt/>
+                  </p:tgtEl>
+                </p:cond>
+              </p:nextCondLst>
+            </p:seq>
+          </p:childTnLst>
+        </p:cTn>
+      </p:par>
+    </p:tnLst>
+    <p:bldLst>
+      <p:bldP spid="10" grpId="0"/>
+      <p:bldP spid="8" grpId="0"/>
+    </p:bldLst>
+  </p:timing>
 </p:sld>
 </file>
 
@@ -8897,8 +8454,8 @@
         </p:nvSpPr>
         <p:spPr>
           <a:xfrm>
-            <a:off x="4398263" y="3228945"/>
-            <a:ext cx="3395481" cy="400110"/>
+            <a:off x="3755459" y="3228945"/>
+            <a:ext cx="4681090" cy="523220"/>
           </a:xfrm>
           <a:prstGeom prst="rect">
             <a:avLst/>
@@ -8913,22 +8470,30 @@
           <a:p>
             <a:pPr algn="ctr"/>
             <a:r>
-              <a:rPr lang="ko-KR" altLang="en-US" sz="2000" dirty="0"/>
-              <a:t>자바의 </a:t>
-            </a:r>
-            <a:r>
-              <a:rPr lang="en-US" altLang="ko-KR" sz="2000" dirty="0"/>
+              <a:rPr lang="ko-KR" altLang="en-US" sz="2800" dirty="0"/>
+              <a:t>자바</a:t>
+            </a:r>
+            <a:r>
+              <a:rPr lang="en-US" altLang="ko-KR" sz="2800" dirty="0"/>
+              <a:t>	</a:t>
+            </a:r>
+            <a:r>
+              <a:rPr lang="ko-KR" altLang="en-US" sz="2800" dirty="0"/>
+              <a:t>의 </a:t>
+            </a:r>
+            <a:r>
+              <a:rPr lang="en-US" altLang="ko-KR" sz="2800" dirty="0"/>
               <a:t>IDE (</a:t>
             </a:r>
             <a:r>
-              <a:rPr lang="ko-KR" altLang="en-US" sz="2000" dirty="0"/>
+              <a:rPr lang="ko-KR" altLang="en-US" sz="2800" dirty="0"/>
               <a:t>통합 개발 환경</a:t>
             </a:r>
             <a:r>
-              <a:rPr lang="en-US" altLang="ko-KR" sz="2000" dirty="0"/>
+              <a:rPr lang="en-US" altLang="ko-KR" sz="2800" dirty="0"/>
               <a:t>)</a:t>
             </a:r>
-            <a:endParaRPr lang="ko-KR" altLang="en-US" sz="2000" dirty="0"/>
+            <a:endParaRPr lang="ko-KR" altLang="en-US" sz="2800" dirty="0"/>
           </a:p>
         </p:txBody>
       </p:sp>
@@ -9105,14 +8670,14 @@
           <p:nvPr>
             <p:extLst>
               <p:ext uri="{D42A27DB-BD31-4B8C-83A1-F6EECF244321}">
-                <p14:modId xmlns:p14="http://schemas.microsoft.com/office/powerpoint/2010/main" val="561096416"/>
+                <p14:modId xmlns:p14="http://schemas.microsoft.com/office/powerpoint/2010/main" val="2007664454"/>
               </p:ext>
             </p:extLst>
           </p:nvPr>
         </p:nvGraphicFramePr>
         <p:xfrm>
-          <a:off x="2032000" y="1803548"/>
-          <a:ext cx="8127999" cy="4033520"/>
+          <a:off x="2032000" y="1421042"/>
+          <a:ext cx="8127999" cy="4273637"/>
         </p:xfrm>
         <a:graphic>
           <a:graphicData uri="http://schemas.openxmlformats.org/drawingml/2006/table">
@@ -9143,7 +8708,7 @@
                   </a:extLst>
                 </a:gridCol>
               </a:tblGrid>
-              <a:tr h="370840">
+              <a:tr h="392916">
                 <a:tc>
                   <a:txBody>
                     <a:bodyPr/>
@@ -9199,7 +8764,7 @@
                   </a:ext>
                 </a:extLst>
               </a:tr>
-              <a:tr h="370840">
+              <a:tr h="1259485">
                 <a:tc>
                   <a:txBody>
                     <a:bodyPr/>
@@ -9287,7 +8852,7 @@
                   </a:ext>
                 </a:extLst>
               </a:tr>
-              <a:tr h="370840">
+              <a:tr h="1550136">
                 <a:tc>
                   <a:txBody>
                     <a:bodyPr/>
@@ -9365,7 +8930,7 @@
                   </a:ext>
                 </a:extLst>
               </a:tr>
-              <a:tr h="370840">
+              <a:tr h="678184">
                 <a:tc>
                   <a:txBody>
                     <a:bodyPr/>
@@ -9448,7 +9013,7 @@
                   </a:ext>
                 </a:extLst>
               </a:tr>
-              <a:tr h="370840">
+              <a:tr h="392916">
                 <a:tc>
                   <a:txBody>
                     <a:bodyPr/>
@@ -9673,8 +9238,8 @@
         </p:nvSpPr>
         <p:spPr>
           <a:xfrm>
-            <a:off x="2955036" y="3228945"/>
-            <a:ext cx="6281977" cy="400110"/>
+            <a:off x="1732362" y="3228945"/>
+            <a:ext cx="8727326" cy="523220"/>
           </a:xfrm>
           <a:prstGeom prst="rect">
             <a:avLst/>
@@ -9689,23 +9254,23 @@
           <a:p>
             <a:pPr algn="ctr"/>
             <a:r>
-              <a:rPr lang="ko-KR" altLang="en-US" sz="2000" dirty="0"/>
+              <a:rPr lang="ko-KR" altLang="en-US" sz="2800" dirty="0"/>
               <a:t>공통적인 </a:t>
             </a:r>
             <a:r>
-              <a:rPr lang="en-US" altLang="ko-KR" sz="2000" dirty="0"/>
+              <a:rPr lang="en-US" altLang="ko-KR" sz="2800" dirty="0"/>
               <a:t>IDE</a:t>
             </a:r>
             <a:r>
-              <a:rPr lang="ko-KR" altLang="en-US" sz="2000" dirty="0"/>
+              <a:rPr lang="ko-KR" altLang="en-US" sz="2800" dirty="0"/>
               <a:t>의 특징이 아닌 </a:t>
             </a:r>
             <a:r>
-              <a:rPr lang="en-US" altLang="ko-KR" sz="2000" dirty="0"/>
+              <a:rPr lang="en-US" altLang="ko-KR" sz="2800" dirty="0"/>
               <a:t>IntelliJ </a:t>
             </a:r>
             <a:r>
-              <a:rPr lang="ko-KR" altLang="en-US" sz="2000" dirty="0"/>
+              <a:rPr lang="ko-KR" altLang="en-US" sz="2800" dirty="0"/>
               <a:t>만의 특징에 집중</a:t>
             </a:r>
           </a:p>
@@ -10659,8 +10224,8 @@
         </p:nvSpPr>
         <p:spPr>
           <a:xfrm>
-            <a:off x="2402140" y="1136341"/>
-            <a:ext cx="7868478" cy="5341975"/>
+            <a:off x="2402140" y="4238432"/>
+            <a:ext cx="7868478" cy="2264210"/>
           </a:xfrm>
           <a:prstGeom prst="rect">
             <a:avLst/>
@@ -10681,24 +10246,20 @@
               <a:buChar char="•"/>
             </a:pPr>
             <a:r>
+              <a:rPr lang="ko-KR" altLang="en-US" sz="2000" dirty="0"/>
+              <a:t>실행은 오래 걸리지만 실행 이후의 모든 작업이 쾌적함</a:t>
+            </a:r>
+            <a:r>
               <a:rPr lang="en-US" altLang="ko-KR" sz="2000" dirty="0"/>
-              <a:t>Git, SVN</a:t>
+              <a:t>. (</a:t>
             </a:r>
             <a:r>
               <a:rPr lang="ko-KR" altLang="en-US" sz="2000" dirty="0"/>
-              <a:t>같은 협업 및 버전관리 기능이 </a:t>
+              <a:t>개인적</a:t>
             </a:r>
             <a:r>
               <a:rPr lang="en-US" altLang="ko-KR" sz="2000" dirty="0"/>
-              <a:t>IDE </a:t>
-            </a:r>
-            <a:r>
-              <a:rPr lang="ko-KR" altLang="en-US" sz="2000" dirty="0"/>
-              <a:t>에 포함</a:t>
-            </a:r>
-            <a:r>
-              <a:rPr lang="en-US" altLang="ko-KR" sz="2000" dirty="0"/>
-              <a:t>.</a:t>
+              <a:t>)</a:t>
             </a:r>
           </a:p>
           <a:p>
@@ -10710,96 +10271,12 @@
               <a:buChar char="•"/>
             </a:pPr>
             <a:r>
+              <a:rPr lang="en-US" altLang="ko-KR" sz="2000" dirty="0"/>
+              <a:t>IDE</a:t>
+            </a:r>
+            <a:r>
               <a:rPr lang="ko-KR" altLang="en-US" sz="2000" dirty="0"/>
-              <a:t>이클립스에서 만든 프로젝트도 </a:t>
-            </a:r>
-            <a:r>
-              <a:rPr lang="en-US" altLang="ko-KR" sz="2000" dirty="0"/>
-              <a:t>import </a:t>
-            </a:r>
-            <a:r>
-              <a:rPr lang="ko-KR" altLang="en-US" sz="2000" dirty="0"/>
-              <a:t>시킬 수 있음</a:t>
-            </a:r>
-            <a:r>
-              <a:rPr lang="en-US" altLang="ko-KR" sz="2000" dirty="0"/>
-              <a:t>.</a:t>
-            </a:r>
-          </a:p>
-          <a:p>
-            <a:pPr marL="342900" indent="-342900">
-              <a:lnSpc>
-                <a:spcPct val="250000"/>
-              </a:lnSpc>
-              <a:buFont typeface="Arial" panose="020B0604020202020204" pitchFamily="34" charset="0"/>
-              <a:buChar char="•"/>
-            </a:pPr>
-            <a:r>
-              <a:rPr lang="en-US" altLang="ko-KR" sz="2000" dirty="0"/>
-              <a:t>IDE </a:t>
-            </a:r>
-            <a:r>
-              <a:rPr lang="ko-KR" altLang="en-US" sz="2000" dirty="0"/>
-              <a:t>내에 별도의 터미널이 존재</a:t>
-            </a:r>
-            <a:r>
-              <a:rPr lang="en-US" altLang="ko-KR" sz="2000" dirty="0"/>
-              <a:t>.</a:t>
-            </a:r>
-          </a:p>
-          <a:p>
-            <a:pPr marL="342900" indent="-342900">
-              <a:lnSpc>
-                <a:spcPct val="250000"/>
-              </a:lnSpc>
-              <a:buFont typeface="Arial" panose="020B0604020202020204" pitchFamily="34" charset="0"/>
-              <a:buChar char="•"/>
-            </a:pPr>
-            <a:r>
-              <a:rPr lang="ko-KR" altLang="en-US" sz="2000" dirty="0"/>
-              <a:t>이클립스처럼 과도하게 플러그인에 의존적이지 않음</a:t>
-            </a:r>
-            <a:r>
-              <a:rPr lang="en-US" altLang="ko-KR" sz="2000" dirty="0"/>
-              <a:t>.</a:t>
-            </a:r>
-          </a:p>
-          <a:p>
-            <a:pPr marL="342900" indent="-342900">
-              <a:lnSpc>
-                <a:spcPct val="250000"/>
-              </a:lnSpc>
-              <a:buFont typeface="Arial" panose="020B0604020202020204" pitchFamily="34" charset="0"/>
-              <a:buChar char="•"/>
-            </a:pPr>
-            <a:r>
-              <a:rPr lang="ko-KR" altLang="en-US" sz="2000" dirty="0"/>
-              <a:t>실행은 오래 걸리지만 실행 이후의 모든 작업은 쾌적함</a:t>
-            </a:r>
-            <a:r>
-              <a:rPr lang="en-US" altLang="ko-KR" sz="2000" dirty="0"/>
-              <a:t>. (</a:t>
-            </a:r>
-            <a:r>
-              <a:rPr lang="ko-KR" altLang="en-US" sz="2000" dirty="0"/>
-              <a:t>개인적</a:t>
-            </a:r>
-            <a:r>
-              <a:rPr lang="en-US" altLang="ko-KR" sz="2000" dirty="0"/>
-              <a:t>)</a:t>
-            </a:r>
-          </a:p>
-          <a:p>
-            <a:pPr marL="342900" indent="-342900">
-              <a:lnSpc>
-                <a:spcPct val="250000"/>
-              </a:lnSpc>
-              <a:buFont typeface="Arial" panose="020B0604020202020204" pitchFamily="34" charset="0"/>
-              <a:buChar char="•"/>
-            </a:pPr>
-            <a:r>
-              <a:rPr lang="ko-KR" altLang="en-US" sz="2000" dirty="0"/>
-              <a:t>개발자들이 사용자들과 소통을 자주 함</a:t>
+              <a:t>상의 문제로 일어나는 잔 오류가 없음</a:t>
             </a:r>
             <a:r>
               <a:rPr lang="en-US" altLang="ko-KR" sz="2000" dirty="0"/>
@@ -10872,6 +10349,137 @@
           </a:p>
         </p:txBody>
       </p:sp>
+      <p:sp>
+        <p:nvSpPr>
+          <p:cNvPr id="8" name="TextBox 7">
+            <a:extLst>
+              <a:ext uri="{FF2B5EF4-FFF2-40B4-BE49-F238E27FC236}">
+                <a16:creationId xmlns:a16="http://schemas.microsoft.com/office/drawing/2014/main" id="{96BEBA13-9F3B-497E-9F01-D277B9E75760}"/>
+              </a:ext>
+            </a:extLst>
+          </p:cNvPr>
+          <p:cNvSpPr txBox="1"/>
+          <p:nvPr/>
+        </p:nvSpPr>
+        <p:spPr>
+          <a:xfrm>
+            <a:off x="2402140" y="1136340"/>
+            <a:ext cx="7868478" cy="3803092"/>
+          </a:xfrm>
+          <a:prstGeom prst="rect">
+            <a:avLst/>
+          </a:prstGeom>
+          <a:noFill/>
+        </p:spPr>
+        <p:txBody>
+          <a:bodyPr wrap="square" rtlCol="0">
+            <a:spAutoFit/>
+          </a:bodyPr>
+          <a:lstStyle/>
+          <a:p>
+            <a:pPr marL="342900" indent="-342900">
+              <a:lnSpc>
+                <a:spcPct val="250000"/>
+              </a:lnSpc>
+              <a:buFont typeface="Arial" panose="020B0604020202020204" pitchFamily="34" charset="0"/>
+              <a:buChar char="•"/>
+            </a:pPr>
+            <a:r>
+              <a:rPr lang="en-US" altLang="ko-KR" sz="2000" dirty="0"/>
+              <a:t>Git, SVN</a:t>
+            </a:r>
+            <a:r>
+              <a:rPr lang="ko-KR" altLang="en-US" sz="2000" dirty="0"/>
+              <a:t>같은 협업 및 버전관리 기능이 </a:t>
+            </a:r>
+            <a:r>
+              <a:rPr lang="en-US" altLang="ko-KR" sz="2000" dirty="0"/>
+              <a:t>IDE </a:t>
+            </a:r>
+            <a:r>
+              <a:rPr lang="ko-KR" altLang="en-US" sz="2000" dirty="0"/>
+              <a:t>에 포함</a:t>
+            </a:r>
+            <a:r>
+              <a:rPr lang="en-US" altLang="ko-KR" sz="2000" dirty="0"/>
+              <a:t>.</a:t>
+            </a:r>
+          </a:p>
+          <a:p>
+            <a:pPr marL="342900" indent="-342900">
+              <a:lnSpc>
+                <a:spcPct val="250000"/>
+              </a:lnSpc>
+              <a:buFont typeface="Arial" panose="020B0604020202020204" pitchFamily="34" charset="0"/>
+              <a:buChar char="•"/>
+            </a:pPr>
+            <a:r>
+              <a:rPr lang="ko-KR" altLang="en-US" sz="2000" dirty="0"/>
+              <a:t>이클립스에서 만든 프로젝트도 </a:t>
+            </a:r>
+            <a:r>
+              <a:rPr lang="en-US" altLang="ko-KR" sz="2000" dirty="0"/>
+              <a:t>import </a:t>
+            </a:r>
+            <a:r>
+              <a:rPr lang="ko-KR" altLang="en-US" sz="2000" dirty="0"/>
+              <a:t>시킬 수 있음</a:t>
+            </a:r>
+            <a:r>
+              <a:rPr lang="en-US" altLang="ko-KR" sz="2000" dirty="0"/>
+              <a:t>.</a:t>
+            </a:r>
+          </a:p>
+          <a:p>
+            <a:pPr marL="342900" indent="-342900">
+              <a:lnSpc>
+                <a:spcPct val="250000"/>
+              </a:lnSpc>
+              <a:buFont typeface="Arial" panose="020B0604020202020204" pitchFamily="34" charset="0"/>
+              <a:buChar char="•"/>
+            </a:pPr>
+            <a:r>
+              <a:rPr lang="en-US" altLang="ko-KR" sz="2000" dirty="0"/>
+              <a:t>IDE </a:t>
+            </a:r>
+            <a:r>
+              <a:rPr lang="ko-KR" altLang="en-US" sz="2000" dirty="0"/>
+              <a:t>내에 별도의 터미널이 존재</a:t>
+            </a:r>
+            <a:r>
+              <a:rPr lang="en-US" altLang="ko-KR" sz="2000" dirty="0"/>
+              <a:t>.</a:t>
+            </a:r>
+          </a:p>
+          <a:p>
+            <a:pPr marL="342900" indent="-342900">
+              <a:lnSpc>
+                <a:spcPct val="250000"/>
+              </a:lnSpc>
+              <a:buFont typeface="Arial" panose="020B0604020202020204" pitchFamily="34" charset="0"/>
+              <a:buChar char="•"/>
+            </a:pPr>
+            <a:r>
+              <a:rPr lang="ko-KR" altLang="en-US" sz="2000" dirty="0"/>
+              <a:t>이클립스처럼 과도하게 플러그인에 의존적이지 않음</a:t>
+            </a:r>
+            <a:r>
+              <a:rPr lang="en-US" altLang="ko-KR" sz="2000" dirty="0"/>
+              <a:t>.</a:t>
+            </a:r>
+          </a:p>
+          <a:p>
+            <a:pPr marL="342900" indent="-342900">
+              <a:lnSpc>
+                <a:spcPct val="250000"/>
+              </a:lnSpc>
+              <a:buFont typeface="Arial" panose="020B0604020202020204" pitchFamily="34" charset="0"/>
+              <a:buChar char="•"/>
+            </a:pPr>
+            <a:endParaRPr lang="en-US" altLang="ko-KR" sz="2000" dirty="0"/>
+          </a:p>
+        </p:txBody>
+      </p:sp>
     </p:spTree>
     <p:extLst>
       <p:ext uri="{BB962C8B-B14F-4D97-AF65-F5344CB8AC3E}">
@@ -10882,6 +10490,146 @@
   <p:clrMapOvr>
     <a:masterClrMapping/>
   </p:clrMapOvr>
+  <p:timing>
+    <p:tnLst>
+      <p:par>
+        <p:cTn id="1" dur="indefinite" restart="never" nodeType="tmRoot">
+          <p:childTnLst>
+            <p:seq concurrent="1" nextAc="seek">
+              <p:cTn id="2" dur="indefinite" nodeType="mainSeq">
+                <p:childTnLst>
+                  <p:par>
+                    <p:cTn id="3" fill="hold">
+                      <p:stCondLst>
+                        <p:cond delay="indefinite"/>
+                      </p:stCondLst>
+                      <p:childTnLst>
+                        <p:par>
+                          <p:cTn id="4" fill="hold">
+                            <p:stCondLst>
+                              <p:cond delay="0"/>
+                            </p:stCondLst>
+                            <p:childTnLst>
+                              <p:par>
+                                <p:cTn id="5" presetID="10" presetClass="entr" presetSubtype="0" fill="hold" grpId="0" nodeType="clickEffect">
+                                  <p:stCondLst>
+                                    <p:cond delay="0"/>
+                                  </p:stCondLst>
+                                  <p:childTnLst>
+                                    <p:set>
+                                      <p:cBhvr>
+                                        <p:cTn id="6" dur="1" fill="hold">
+                                          <p:stCondLst>
+                                            <p:cond delay="0"/>
+                                          </p:stCondLst>
+                                        </p:cTn>
+                                        <p:tgtEl>
+                                          <p:spTgt spid="8"/>
+                                        </p:tgtEl>
+                                        <p:attrNameLst>
+                                          <p:attrName>style.visibility</p:attrName>
+                                        </p:attrNameLst>
+                                      </p:cBhvr>
+                                      <p:to>
+                                        <p:strVal val="visible"/>
+                                      </p:to>
+                                    </p:set>
+                                    <p:animEffect transition="in" filter="fade">
+                                      <p:cBhvr>
+                                        <p:cTn id="7" dur="500"/>
+                                        <p:tgtEl>
+                                          <p:spTgt spid="8"/>
+                                        </p:tgtEl>
+                                      </p:cBhvr>
+                                    </p:animEffect>
+                                  </p:childTnLst>
+                                </p:cTn>
+                              </p:par>
+                            </p:childTnLst>
+                          </p:cTn>
+                        </p:par>
+                      </p:childTnLst>
+                    </p:cTn>
+                  </p:par>
+                  <p:par>
+                    <p:cTn id="8" fill="hold">
+                      <p:stCondLst>
+                        <p:cond delay="indefinite"/>
+                      </p:stCondLst>
+                      <p:childTnLst>
+                        <p:par>
+                          <p:cTn id="9" fill="hold">
+                            <p:stCondLst>
+                              <p:cond delay="0"/>
+                            </p:stCondLst>
+                            <p:childTnLst>
+                              <p:par>
+                                <p:cTn id="10" presetID="10" presetClass="entr" presetSubtype="0" fill="hold" grpId="0" nodeType="clickEffect">
+                                  <p:stCondLst>
+                                    <p:cond delay="0"/>
+                                  </p:stCondLst>
+                                  <p:childTnLst>
+                                    <p:set>
+                                      <p:cBhvr>
+                                        <p:cTn id="11" dur="1" fill="hold">
+                                          <p:stCondLst>
+                                            <p:cond delay="0"/>
+                                          </p:stCondLst>
+                                        </p:cTn>
+                                        <p:tgtEl>
+                                          <p:spTgt spid="10"/>
+                                        </p:tgtEl>
+                                        <p:attrNameLst>
+                                          <p:attrName>style.visibility</p:attrName>
+                                        </p:attrNameLst>
+                                      </p:cBhvr>
+                                      <p:to>
+                                        <p:strVal val="visible"/>
+                                      </p:to>
+                                    </p:set>
+                                    <p:animEffect transition="in" filter="fade">
+                                      <p:cBhvr>
+                                        <p:cTn id="12" dur="500"/>
+                                        <p:tgtEl>
+                                          <p:spTgt spid="10"/>
+                                        </p:tgtEl>
+                                      </p:cBhvr>
+                                    </p:animEffect>
+                                  </p:childTnLst>
+                                </p:cTn>
+                              </p:par>
+                            </p:childTnLst>
+                          </p:cTn>
+                        </p:par>
+                      </p:childTnLst>
+                    </p:cTn>
+                  </p:par>
+                </p:childTnLst>
+              </p:cTn>
+              <p:prevCondLst>
+                <p:cond evt="onPrev" delay="0">
+                  <p:tgtEl>
+                    <p:sldTgt/>
+                  </p:tgtEl>
+                </p:cond>
+              </p:prevCondLst>
+              <p:nextCondLst>
+                <p:cond evt="onNext" delay="0">
+                  <p:tgtEl>
+                    <p:sldTgt/>
+                  </p:tgtEl>
+                </p:cond>
+              </p:nextCondLst>
+            </p:seq>
+          </p:childTnLst>
+        </p:cTn>
+      </p:par>
+    </p:tnLst>
+    <p:bldLst>
+      <p:bldP spid="10" grpId="0"/>
+      <p:bldP spid="8" grpId="0"/>
+    </p:bldLst>
+  </p:timing>
 </p:sld>
 </file>
 

--- a/Study/IntelliJ.pptx
+++ b/Study/IntelliJ.pptx
@@ -207,7 +207,7 @@
           <a:p>
             <a:fld id="{860F6261-D752-47FA-9360-477C4FC813A0}" type="datetimeFigureOut">
               <a:rPr lang="ko-KR" altLang="en-US" smtClean="0"/>
-              <a:t>2018-12-06</a:t>
+              <a:t>2018-12-07</a:t>
             </a:fld>
             <a:endParaRPr lang="ko-KR" altLang="en-US"/>
           </a:p>
@@ -723,712 +723,16 @@
           <a:lstStyle/>
           <a:p>
             <a:r>
-              <a:rPr lang="ko-KR" altLang="en-US" sz="1200" b="0" i="0" kern="1200" dirty="0">
-                <a:solidFill>
-                  <a:schemeClr val="tx1"/>
-                </a:solidFill>
-                <a:effectLst/>
-                <a:latin typeface="+mn-lt"/>
-                <a:ea typeface="+mn-ea"/>
-                <a:cs typeface="+mn-cs"/>
-              </a:rPr>
-              <a:t>저는 처음 자바 </a:t>
-            </a:r>
-            <a:r>
-              <a:rPr lang="en-US" altLang="ko-KR" sz="1200" b="0" i="0" kern="1200" dirty="0">
-                <a:solidFill>
-                  <a:schemeClr val="tx1"/>
-                </a:solidFill>
-                <a:effectLst/>
-                <a:latin typeface="+mn-lt"/>
-                <a:ea typeface="+mn-ea"/>
-                <a:cs typeface="+mn-cs"/>
-              </a:rPr>
-              <a:t>IDE</a:t>
-            </a:r>
-            <a:r>
-              <a:rPr lang="ko-KR" altLang="en-US" sz="1200" b="0" i="0" kern="1200" dirty="0">
-                <a:solidFill>
-                  <a:schemeClr val="tx1"/>
-                </a:solidFill>
-                <a:effectLst/>
-                <a:latin typeface="+mn-lt"/>
-                <a:ea typeface="+mn-ea"/>
-                <a:cs typeface="+mn-cs"/>
-              </a:rPr>
-              <a:t>를 이클립스로 </a:t>
-            </a:r>
-            <a:r>
-              <a:rPr lang="ko-KR" altLang="en-US" sz="1200" b="0" i="0" kern="1200" dirty="0" err="1">
-                <a:solidFill>
-                  <a:schemeClr val="tx1"/>
-                </a:solidFill>
-                <a:effectLst/>
-                <a:latin typeface="+mn-lt"/>
-                <a:ea typeface="+mn-ea"/>
-                <a:cs typeface="+mn-cs"/>
-              </a:rPr>
-              <a:t>시작했었습니다</a:t>
-            </a:r>
-            <a:r>
-              <a:rPr lang="en-US" altLang="ko-KR" sz="1200" b="0" i="0" kern="1200" dirty="0">
-                <a:solidFill>
-                  <a:schemeClr val="tx1"/>
-                </a:solidFill>
-                <a:effectLst/>
-                <a:latin typeface="+mn-lt"/>
-                <a:ea typeface="+mn-ea"/>
-                <a:cs typeface="+mn-cs"/>
-              </a:rPr>
-              <a:t>. </a:t>
-            </a:r>
-            <a:r>
-              <a:rPr lang="ko-KR" altLang="en-US" sz="1200" b="0" i="0" kern="1200" dirty="0">
-                <a:solidFill>
-                  <a:schemeClr val="tx1"/>
-                </a:solidFill>
-                <a:effectLst/>
-                <a:latin typeface="+mn-lt"/>
-                <a:ea typeface="+mn-ea"/>
-                <a:cs typeface="+mn-cs"/>
-              </a:rPr>
-              <a:t>그래서 비교도 이클립스로 주로 </a:t>
-            </a:r>
-            <a:r>
-              <a:rPr lang="ko-KR" altLang="en-US" sz="1200" b="0" i="0" kern="1200" dirty="0" err="1">
-                <a:solidFill>
-                  <a:schemeClr val="tx1"/>
-                </a:solidFill>
-                <a:effectLst/>
-                <a:latin typeface="+mn-lt"/>
-                <a:ea typeface="+mn-ea"/>
-                <a:cs typeface="+mn-cs"/>
-              </a:rPr>
-              <a:t>했구요</a:t>
-            </a:r>
-            <a:r>
-              <a:rPr lang="en-US" altLang="ko-KR" sz="1200" b="0" i="0" kern="1200" dirty="0">
-                <a:solidFill>
-                  <a:schemeClr val="tx1"/>
-                </a:solidFill>
-                <a:effectLst/>
-                <a:latin typeface="+mn-lt"/>
-                <a:ea typeface="+mn-ea"/>
-                <a:cs typeface="+mn-cs"/>
-              </a:rPr>
-              <a:t>.</a:t>
-            </a:r>
-          </a:p>
-          <a:p>
-            <a:r>
-              <a:rPr lang="ko-KR" altLang="en-US" sz="1200" b="0" i="0" kern="1200" dirty="0">
-                <a:solidFill>
-                  <a:schemeClr val="tx1"/>
-                </a:solidFill>
-                <a:effectLst/>
-                <a:latin typeface="+mn-lt"/>
-                <a:ea typeface="+mn-ea"/>
-                <a:cs typeface="+mn-cs"/>
-              </a:rPr>
-              <a:t>그러다가 작년 여름 </a:t>
-            </a:r>
-            <a:r>
-              <a:rPr lang="ko-KR" altLang="en-US" sz="1200" b="0" i="0" kern="1200" dirty="0" err="1">
-                <a:solidFill>
-                  <a:schemeClr val="tx1"/>
-                </a:solidFill>
-                <a:effectLst/>
-                <a:latin typeface="+mn-lt"/>
-                <a:ea typeface="+mn-ea"/>
-                <a:cs typeface="+mn-cs"/>
-              </a:rPr>
-              <a:t>쯤에</a:t>
-            </a:r>
-            <a:r>
-              <a:rPr lang="ko-KR" altLang="en-US" sz="1200" b="0" i="0" kern="1200" dirty="0">
-                <a:solidFill>
-                  <a:schemeClr val="tx1"/>
-                </a:solidFill>
-                <a:effectLst/>
-                <a:latin typeface="+mn-lt"/>
-                <a:ea typeface="+mn-ea"/>
-                <a:cs typeface="+mn-cs"/>
-              </a:rPr>
-              <a:t> 인텔리</a:t>
-            </a:r>
-            <a:r>
-              <a:rPr lang="en-US" altLang="ko-KR" sz="1200" b="0" i="0" kern="1200" dirty="0">
-                <a:solidFill>
-                  <a:schemeClr val="tx1"/>
-                </a:solidFill>
-                <a:effectLst/>
-                <a:latin typeface="+mn-lt"/>
-                <a:ea typeface="+mn-ea"/>
-                <a:cs typeface="+mn-cs"/>
-              </a:rPr>
-              <a:t>j</a:t>
-            </a:r>
-            <a:r>
-              <a:rPr lang="ko-KR" altLang="en-US" sz="1200" b="0" i="0" kern="1200" dirty="0">
-                <a:solidFill>
-                  <a:schemeClr val="tx1"/>
-                </a:solidFill>
-                <a:effectLst/>
-                <a:latin typeface="+mn-lt"/>
-                <a:ea typeface="+mn-ea"/>
-                <a:cs typeface="+mn-cs"/>
-              </a:rPr>
-              <a:t>를 처음 써봤었는데요</a:t>
-            </a:r>
-            <a:r>
-              <a:rPr lang="en-US" altLang="ko-KR" sz="1200" b="0" i="0" kern="1200" dirty="0">
-                <a:solidFill>
-                  <a:schemeClr val="tx1"/>
-                </a:solidFill>
-                <a:effectLst/>
-                <a:latin typeface="+mn-lt"/>
-                <a:ea typeface="+mn-ea"/>
-                <a:cs typeface="+mn-cs"/>
-              </a:rPr>
-              <a:t>. </a:t>
-            </a:r>
-            <a:r>
-              <a:rPr lang="ko-KR" altLang="en-US" sz="1200" b="0" i="0" kern="1200" dirty="0">
-                <a:solidFill>
-                  <a:schemeClr val="tx1"/>
-                </a:solidFill>
-                <a:effectLst/>
-                <a:latin typeface="+mn-lt"/>
-                <a:ea typeface="+mn-ea"/>
-                <a:cs typeface="+mn-cs"/>
-              </a:rPr>
-              <a:t>적응이 너무 안됐습니다</a:t>
-            </a:r>
-            <a:r>
-              <a:rPr lang="en-US" altLang="ko-KR" sz="1200" b="0" i="0" kern="1200" dirty="0">
-                <a:solidFill>
-                  <a:schemeClr val="tx1"/>
-                </a:solidFill>
-                <a:effectLst/>
-                <a:latin typeface="+mn-lt"/>
-                <a:ea typeface="+mn-ea"/>
-                <a:cs typeface="+mn-cs"/>
-              </a:rPr>
-              <a:t>.</a:t>
-            </a:r>
-          </a:p>
-          <a:p>
-            <a:r>
-              <a:rPr lang="ko-KR" altLang="en-US" sz="1200" b="0" i="0" kern="1200" dirty="0">
-                <a:solidFill>
-                  <a:schemeClr val="tx1"/>
-                </a:solidFill>
-                <a:effectLst/>
-                <a:latin typeface="+mn-lt"/>
-                <a:ea typeface="+mn-ea"/>
-                <a:cs typeface="+mn-cs"/>
-              </a:rPr>
-              <a:t>프로젝트의 구조도 다르고 단축키도 다르고 빌드하는 과정도</a:t>
-            </a:r>
-            <a:r>
-              <a:rPr lang="en-US" altLang="ko-KR" sz="1200" b="0" i="0" kern="1200" dirty="0">
-                <a:solidFill>
-                  <a:schemeClr val="tx1"/>
-                </a:solidFill>
-                <a:effectLst/>
-                <a:latin typeface="+mn-lt"/>
-                <a:ea typeface="+mn-ea"/>
-                <a:cs typeface="+mn-cs"/>
-              </a:rPr>
-              <a:t>..</a:t>
-            </a:r>
-            <a:r>
-              <a:rPr lang="ko-KR" altLang="en-US" sz="1200" b="0" i="0" kern="1200" dirty="0">
-                <a:solidFill>
-                  <a:schemeClr val="tx1"/>
-                </a:solidFill>
-                <a:effectLst/>
-                <a:latin typeface="+mn-lt"/>
-                <a:ea typeface="+mn-ea"/>
-                <a:cs typeface="+mn-cs"/>
-              </a:rPr>
-              <a:t> 아예 처음부터 다 다시 시작하는 </a:t>
-            </a:r>
-            <a:r>
-              <a:rPr lang="ko-KR" altLang="en-US" sz="1200" b="0" i="0" kern="1200" dirty="0" err="1">
-                <a:solidFill>
-                  <a:schemeClr val="tx1"/>
-                </a:solidFill>
-                <a:effectLst/>
-                <a:latin typeface="+mn-lt"/>
-                <a:ea typeface="+mn-ea"/>
-                <a:cs typeface="+mn-cs"/>
-              </a:rPr>
-              <a:t>기분이였습니다</a:t>
-            </a:r>
-            <a:r>
-              <a:rPr lang="en-US" altLang="ko-KR" sz="1200" b="0" i="0" kern="1200" dirty="0">
-                <a:solidFill>
-                  <a:schemeClr val="tx1"/>
-                </a:solidFill>
-                <a:effectLst/>
-                <a:latin typeface="+mn-lt"/>
-                <a:ea typeface="+mn-ea"/>
-                <a:cs typeface="+mn-cs"/>
-              </a:rPr>
-              <a:t>.</a:t>
-            </a:r>
-          </a:p>
-          <a:p>
-            <a:r>
-              <a:rPr lang="ko-KR" altLang="en-US" sz="1200" b="0" i="0" kern="1200" dirty="0">
-                <a:solidFill>
-                  <a:schemeClr val="tx1"/>
-                </a:solidFill>
-                <a:effectLst/>
-                <a:latin typeface="+mn-lt"/>
-                <a:ea typeface="+mn-ea"/>
-                <a:cs typeface="+mn-cs"/>
-              </a:rPr>
-              <a:t>조금이라도 익숙해지고 싶어서 일부러 프로젝트를 인텔리를 이용해서 </a:t>
-            </a:r>
-            <a:r>
-              <a:rPr lang="ko-KR" altLang="en-US" sz="1200" b="0" i="0" kern="1200" dirty="0" err="1">
-                <a:solidFill>
-                  <a:schemeClr val="tx1"/>
-                </a:solidFill>
-                <a:effectLst/>
-                <a:latin typeface="+mn-lt"/>
-                <a:ea typeface="+mn-ea"/>
-                <a:cs typeface="+mn-cs"/>
-              </a:rPr>
-              <a:t>한다던지</a:t>
-            </a:r>
-            <a:r>
-              <a:rPr lang="ko-KR" altLang="en-US" sz="1200" b="0" i="0" kern="1200" dirty="0">
-                <a:solidFill>
-                  <a:schemeClr val="tx1"/>
-                </a:solidFill>
-                <a:effectLst/>
-                <a:latin typeface="+mn-lt"/>
-                <a:ea typeface="+mn-ea"/>
-                <a:cs typeface="+mn-cs"/>
-              </a:rPr>
-              <a:t> </a:t>
-            </a:r>
-            <a:r>
-              <a:rPr lang="ko-KR" altLang="en-US" sz="1200" b="0" i="0" kern="1200" dirty="0" err="1">
-                <a:solidFill>
-                  <a:schemeClr val="tx1"/>
-                </a:solidFill>
-                <a:effectLst/>
-                <a:latin typeface="+mn-lt"/>
-                <a:ea typeface="+mn-ea"/>
-                <a:cs typeface="+mn-cs"/>
-              </a:rPr>
-              <a:t>제트브레인사의</a:t>
-            </a:r>
-            <a:endParaRPr lang="en-US" altLang="ko-KR" sz="1200" b="0" i="0" kern="1200" dirty="0">
-              <a:solidFill>
-                <a:schemeClr val="tx1"/>
-              </a:solidFill>
-              <a:effectLst/>
-              <a:latin typeface="+mn-lt"/>
-              <a:ea typeface="+mn-ea"/>
-              <a:cs typeface="+mn-cs"/>
-            </a:endParaRPr>
-          </a:p>
-          <a:p>
-            <a:r>
-              <a:rPr lang="ko-KR" altLang="en-US" sz="1200" b="0" i="0" kern="1200" dirty="0">
-                <a:solidFill>
-                  <a:schemeClr val="tx1"/>
-                </a:solidFill>
-                <a:effectLst/>
-                <a:latin typeface="+mn-lt"/>
-                <a:ea typeface="+mn-ea"/>
-                <a:cs typeface="+mn-cs"/>
-              </a:rPr>
-              <a:t>다른 </a:t>
-            </a:r>
-            <a:r>
-              <a:rPr lang="en-US" altLang="ko-KR" sz="1200" b="0" i="0" kern="1200" dirty="0">
-                <a:solidFill>
-                  <a:schemeClr val="tx1"/>
-                </a:solidFill>
-                <a:effectLst/>
-                <a:latin typeface="+mn-lt"/>
-                <a:ea typeface="+mn-ea"/>
-                <a:cs typeface="+mn-cs"/>
-              </a:rPr>
-              <a:t>IDE</a:t>
-            </a:r>
-            <a:r>
-              <a:rPr lang="ko-KR" altLang="en-US" sz="1200" b="0" i="0" kern="1200" dirty="0">
-                <a:solidFill>
-                  <a:schemeClr val="tx1"/>
-                </a:solidFill>
-                <a:effectLst/>
-                <a:latin typeface="+mn-lt"/>
-                <a:ea typeface="+mn-ea"/>
-                <a:cs typeface="+mn-cs"/>
-              </a:rPr>
-              <a:t>도 여럿 써보면서 </a:t>
-            </a:r>
-            <a:r>
-              <a:rPr lang="ko-KR" altLang="en-US" sz="1200" b="0" i="0" kern="1200" dirty="0" err="1">
-                <a:solidFill>
-                  <a:schemeClr val="tx1"/>
-                </a:solidFill>
-                <a:effectLst/>
-                <a:latin typeface="+mn-lt"/>
-                <a:ea typeface="+mn-ea"/>
-                <a:cs typeface="+mn-cs"/>
-              </a:rPr>
-              <a:t>공부했었습니다</a:t>
-            </a:r>
-            <a:r>
-              <a:rPr lang="en-US" altLang="ko-KR" sz="1200" b="0" i="0" kern="1200" dirty="0">
-                <a:solidFill>
-                  <a:schemeClr val="tx1"/>
-                </a:solidFill>
-                <a:effectLst/>
-                <a:latin typeface="+mn-lt"/>
-                <a:ea typeface="+mn-ea"/>
-                <a:cs typeface="+mn-cs"/>
-              </a:rPr>
-              <a:t>.</a:t>
-            </a:r>
-          </a:p>
-          <a:p>
-            <a:r>
-              <a:rPr lang="ko-KR" altLang="en-US" sz="1200" b="0" i="0" kern="1200" dirty="0">
-                <a:solidFill>
-                  <a:schemeClr val="tx1"/>
-                </a:solidFill>
-                <a:effectLst/>
-                <a:latin typeface="+mn-lt"/>
-                <a:ea typeface="+mn-ea"/>
-                <a:cs typeface="+mn-cs"/>
-              </a:rPr>
-              <a:t>익숙해지고 나서</a:t>
-            </a:r>
-            <a:r>
-              <a:rPr lang="en-US" altLang="ko-KR" sz="1200" b="0" i="0" kern="1200" dirty="0">
-                <a:solidFill>
-                  <a:schemeClr val="tx1"/>
-                </a:solidFill>
-                <a:effectLst/>
-                <a:latin typeface="+mn-lt"/>
-                <a:ea typeface="+mn-ea"/>
-                <a:cs typeface="+mn-cs"/>
-              </a:rPr>
-              <a:t> </a:t>
-            </a:r>
-            <a:r>
-              <a:rPr lang="ko-KR" altLang="en-US" sz="1200" b="0" i="0" kern="1200" dirty="0">
-                <a:solidFill>
-                  <a:schemeClr val="tx1"/>
-                </a:solidFill>
-                <a:effectLst/>
-                <a:latin typeface="+mn-lt"/>
-                <a:ea typeface="+mn-ea"/>
-                <a:cs typeface="+mn-cs"/>
-              </a:rPr>
-              <a:t>왜 사람들이 </a:t>
-            </a:r>
-            <a:r>
-              <a:rPr lang="ko-KR" altLang="en-US" sz="1200" b="0" i="0" kern="1200" dirty="0" err="1">
-                <a:solidFill>
-                  <a:schemeClr val="tx1"/>
-                </a:solidFill>
-                <a:effectLst/>
-                <a:latin typeface="+mn-lt"/>
-                <a:ea typeface="+mn-ea"/>
-                <a:cs typeface="+mn-cs"/>
-              </a:rPr>
-              <a:t>제트브레인사에</a:t>
-            </a:r>
-            <a:r>
-              <a:rPr lang="ko-KR" altLang="en-US" sz="1200" b="0" i="0" kern="1200" dirty="0">
-                <a:solidFill>
-                  <a:schemeClr val="tx1"/>
-                </a:solidFill>
-                <a:effectLst/>
-                <a:latin typeface="+mn-lt"/>
-                <a:ea typeface="+mn-ea"/>
-                <a:cs typeface="+mn-cs"/>
-              </a:rPr>
-              <a:t> 열광하는지를 알겠구나 생각했습니다</a:t>
-            </a:r>
-            <a:r>
-              <a:rPr lang="en-US" altLang="ko-KR" sz="1200" b="0" i="0" kern="1200" dirty="0">
-                <a:solidFill>
-                  <a:schemeClr val="tx1"/>
-                </a:solidFill>
-                <a:effectLst/>
-                <a:latin typeface="+mn-lt"/>
-                <a:ea typeface="+mn-ea"/>
-                <a:cs typeface="+mn-cs"/>
-              </a:rPr>
-              <a:t>.</a:t>
-            </a:r>
-          </a:p>
-          <a:p>
-            <a:r>
-              <a:rPr lang="ko-KR" altLang="en-US" sz="1200" b="0" i="0" kern="1200" dirty="0">
-                <a:solidFill>
-                  <a:schemeClr val="tx1"/>
-                </a:solidFill>
-                <a:effectLst/>
-                <a:latin typeface="+mn-lt"/>
-                <a:ea typeface="+mn-ea"/>
-                <a:cs typeface="+mn-cs"/>
-              </a:rPr>
-              <a:t>기능들이 굉장히 세심하고 친절하고 완전하게 개발자 관점에서 만들었다고 느꼈었으니까요</a:t>
-            </a:r>
-            <a:r>
-              <a:rPr lang="en-US" altLang="ko-KR" sz="1200" b="0" i="0" kern="1200" dirty="0">
-                <a:solidFill>
-                  <a:schemeClr val="tx1"/>
-                </a:solidFill>
-                <a:effectLst/>
-                <a:latin typeface="+mn-lt"/>
-                <a:ea typeface="+mn-ea"/>
-                <a:cs typeface="+mn-cs"/>
-              </a:rPr>
-              <a:t>.</a:t>
-            </a:r>
-          </a:p>
-          <a:p>
-            <a:r>
-              <a:rPr lang="ko-KR" altLang="en-US" sz="1200" b="0" i="0" kern="1200" dirty="0">
-                <a:solidFill>
-                  <a:schemeClr val="tx1"/>
-                </a:solidFill>
-                <a:effectLst/>
-                <a:latin typeface="+mn-lt"/>
-                <a:ea typeface="+mn-ea"/>
-                <a:cs typeface="+mn-cs"/>
-              </a:rPr>
-              <a:t>지금도 그렇습니다</a:t>
-            </a:r>
-            <a:r>
-              <a:rPr lang="en-US" altLang="ko-KR" sz="1200" b="0" i="0" kern="1200" dirty="0">
-                <a:solidFill>
-                  <a:schemeClr val="tx1"/>
-                </a:solidFill>
-                <a:effectLst/>
-                <a:latin typeface="+mn-lt"/>
-                <a:ea typeface="+mn-ea"/>
-                <a:cs typeface="+mn-cs"/>
-              </a:rPr>
-              <a:t>. </a:t>
-            </a:r>
-            <a:r>
-              <a:rPr lang="ko-KR" altLang="en-US" sz="1200" b="0" i="0" kern="1200" dirty="0">
-                <a:solidFill>
-                  <a:schemeClr val="tx1"/>
-                </a:solidFill>
-                <a:effectLst/>
-                <a:latin typeface="+mn-lt"/>
-                <a:ea typeface="+mn-ea"/>
-                <a:cs typeface="+mn-cs"/>
-              </a:rPr>
-              <a:t>굉장히 매력적인 </a:t>
-            </a:r>
-            <a:r>
-              <a:rPr lang="en-US" altLang="ko-KR" sz="1200" b="0" i="0" kern="1200" dirty="0">
-                <a:solidFill>
-                  <a:schemeClr val="tx1"/>
-                </a:solidFill>
-                <a:effectLst/>
-                <a:latin typeface="+mn-lt"/>
-                <a:ea typeface="+mn-ea"/>
-                <a:cs typeface="+mn-cs"/>
-              </a:rPr>
-              <a:t>IDE</a:t>
-            </a:r>
-            <a:r>
-              <a:rPr lang="ko-KR" altLang="en-US" sz="1200" b="0" i="0" kern="1200" dirty="0">
-                <a:solidFill>
-                  <a:schemeClr val="tx1"/>
-                </a:solidFill>
-                <a:effectLst/>
-                <a:latin typeface="+mn-lt"/>
-                <a:ea typeface="+mn-ea"/>
-                <a:cs typeface="+mn-cs"/>
-              </a:rPr>
-              <a:t>고 좋은 </a:t>
-            </a:r>
-            <a:r>
-              <a:rPr lang="en-US" altLang="ko-KR" sz="1200" b="0" i="0" kern="1200" dirty="0">
-                <a:solidFill>
-                  <a:schemeClr val="tx1"/>
-                </a:solidFill>
-                <a:effectLst/>
-                <a:latin typeface="+mn-lt"/>
-                <a:ea typeface="+mn-ea"/>
-                <a:cs typeface="+mn-cs"/>
-              </a:rPr>
-              <a:t>IDE</a:t>
-            </a:r>
-            <a:r>
-              <a:rPr lang="ko-KR" altLang="en-US" sz="1200" b="0" i="0" kern="1200" dirty="0">
-                <a:solidFill>
-                  <a:schemeClr val="tx1"/>
-                </a:solidFill>
-                <a:effectLst/>
-                <a:latin typeface="+mn-lt"/>
-                <a:ea typeface="+mn-ea"/>
-                <a:cs typeface="+mn-cs"/>
-              </a:rPr>
-              <a:t>라고 생각합니다</a:t>
-            </a:r>
-            <a:r>
-              <a:rPr lang="en-US" altLang="ko-KR" sz="1200" b="0" i="0" kern="1200" dirty="0">
-                <a:solidFill>
-                  <a:schemeClr val="tx1"/>
-                </a:solidFill>
-                <a:effectLst/>
-                <a:latin typeface="+mn-lt"/>
-                <a:ea typeface="+mn-ea"/>
-                <a:cs typeface="+mn-cs"/>
-              </a:rPr>
-              <a:t>. </a:t>
-            </a:r>
-            <a:r>
-              <a:rPr lang="ko-KR" altLang="en-US" sz="1200" b="0" i="0" kern="1200" dirty="0">
-                <a:solidFill>
-                  <a:schemeClr val="tx1"/>
-                </a:solidFill>
-                <a:effectLst/>
-                <a:latin typeface="+mn-lt"/>
-                <a:ea typeface="+mn-ea"/>
-                <a:cs typeface="+mn-cs"/>
-              </a:rPr>
-              <a:t>개인용으로도 가격이 좀 </a:t>
-            </a:r>
-            <a:r>
-              <a:rPr lang="ko-KR" altLang="en-US" sz="1200" b="0" i="0" kern="1200" dirty="0" err="1">
-                <a:solidFill>
-                  <a:schemeClr val="tx1"/>
-                </a:solidFill>
-                <a:effectLst/>
-                <a:latin typeface="+mn-lt"/>
-                <a:ea typeface="+mn-ea"/>
-                <a:cs typeface="+mn-cs"/>
-              </a:rPr>
-              <a:t>쌔다는걸</a:t>
-            </a:r>
-            <a:r>
-              <a:rPr lang="ko-KR" altLang="en-US" sz="1200" b="0" i="0" kern="1200" dirty="0">
-                <a:solidFill>
-                  <a:schemeClr val="tx1"/>
-                </a:solidFill>
-                <a:effectLst/>
-                <a:latin typeface="+mn-lt"/>
-                <a:ea typeface="+mn-ea"/>
-                <a:cs typeface="+mn-cs"/>
-              </a:rPr>
-              <a:t> </a:t>
-            </a:r>
-            <a:r>
-              <a:rPr lang="ko-KR" altLang="en-US" sz="1200" b="0" i="0" kern="1200" dirty="0" err="1">
-                <a:solidFill>
-                  <a:schemeClr val="tx1"/>
-                </a:solidFill>
-                <a:effectLst/>
-                <a:latin typeface="+mn-lt"/>
-                <a:ea typeface="+mn-ea"/>
-                <a:cs typeface="+mn-cs"/>
-              </a:rPr>
-              <a:t>빼면요</a:t>
-            </a:r>
-            <a:r>
-              <a:rPr lang="en-US" altLang="ko-KR" sz="1200" b="0" i="0" kern="1200" dirty="0">
-                <a:solidFill>
-                  <a:schemeClr val="tx1"/>
-                </a:solidFill>
-                <a:effectLst/>
-                <a:latin typeface="+mn-lt"/>
-                <a:ea typeface="+mn-ea"/>
-                <a:cs typeface="+mn-cs"/>
-              </a:rPr>
-              <a:t>.</a:t>
-            </a:r>
-          </a:p>
-          <a:p>
-            <a:endParaRPr lang="en-US" altLang="ko-KR" sz="1200" b="0" i="0" kern="1200" dirty="0">
-              <a:solidFill>
-                <a:schemeClr val="tx1"/>
-              </a:solidFill>
-              <a:effectLst/>
-              <a:latin typeface="+mn-lt"/>
-              <a:ea typeface="+mn-ea"/>
-              <a:cs typeface="+mn-cs"/>
-            </a:endParaRPr>
-          </a:p>
-          <a:p>
-            <a:r>
-              <a:rPr lang="ko-KR" altLang="en-US" sz="1200" b="0" i="0" kern="1200" dirty="0">
-                <a:solidFill>
-                  <a:schemeClr val="tx1"/>
-                </a:solidFill>
-                <a:effectLst/>
-                <a:latin typeface="+mn-lt"/>
-                <a:ea typeface="+mn-ea"/>
-                <a:cs typeface="+mn-cs"/>
-              </a:rPr>
-              <a:t>발표 마치겠습니다</a:t>
-            </a:r>
-            <a:r>
-              <a:rPr lang="en-US" altLang="ko-KR" sz="1200" b="0" i="0" kern="1200" dirty="0">
-                <a:solidFill>
-                  <a:schemeClr val="tx1"/>
-                </a:solidFill>
-                <a:effectLst/>
-                <a:latin typeface="+mn-lt"/>
-                <a:ea typeface="+mn-ea"/>
-                <a:cs typeface="+mn-cs"/>
-              </a:rPr>
-              <a:t>. </a:t>
-            </a:r>
-            <a:r>
-              <a:rPr lang="ko-KR" altLang="en-US" sz="1200" b="0" i="0" kern="1200" dirty="0">
-                <a:solidFill>
-                  <a:schemeClr val="tx1"/>
-                </a:solidFill>
-                <a:effectLst/>
-                <a:latin typeface="+mn-lt"/>
-                <a:ea typeface="+mn-ea"/>
-                <a:cs typeface="+mn-cs"/>
-              </a:rPr>
-              <a:t>감사합니다</a:t>
-            </a:r>
-            <a:r>
-              <a:rPr lang="en-US" altLang="ko-KR" sz="1200" b="0" i="0" kern="1200" dirty="0">
-                <a:solidFill>
-                  <a:schemeClr val="tx1"/>
-                </a:solidFill>
-                <a:effectLst/>
-                <a:latin typeface="+mn-lt"/>
-                <a:ea typeface="+mn-ea"/>
-                <a:cs typeface="+mn-cs"/>
-              </a:rPr>
-              <a:t>.</a:t>
-            </a:r>
-          </a:p>
-          <a:p>
-            <a:endParaRPr lang="en-US" altLang="ko-KR" sz="1200" b="0" i="0" kern="1200" dirty="0">
-              <a:solidFill>
-                <a:schemeClr val="tx1"/>
-              </a:solidFill>
-              <a:effectLst/>
-              <a:latin typeface="+mn-lt"/>
-              <a:ea typeface="+mn-ea"/>
-              <a:cs typeface="+mn-cs"/>
-            </a:endParaRPr>
+              <a:rPr lang="ko-KR" altLang="en-US" sz="1200" dirty="0"/>
+              <a:t>https://lalwr.blogspot.com/2018/04/intellij.html</a:t>
+            </a:r>
+            <a:endParaRPr lang="en-US" altLang="ko-KR" sz="1200" dirty="0"/>
+          </a:p>
+          <a:p>
+            <a:r>
+              <a:rPr lang="ko-KR" altLang="en-US" sz="1200" dirty="0"/>
+              <a:t>단축키 목록</a:t>
+            </a:r>
           </a:p>
         </p:txBody>
       </p:sp>
@@ -1512,530 +816,6 @@
           <a:bodyPr/>
           <a:lstStyle/>
           <a:p>
-            <a:r>
-              <a:rPr lang="ko-KR" altLang="en-US" sz="1200" b="0" i="0" kern="1200" dirty="0">
-                <a:solidFill>
-                  <a:schemeClr val="tx1"/>
-                </a:solidFill>
-                <a:effectLst/>
-                <a:latin typeface="+mn-lt"/>
-                <a:ea typeface="+mn-ea"/>
-                <a:cs typeface="+mn-cs"/>
-              </a:rPr>
-              <a:t>하지만 자바로만 개발할 수 있는 것은 아닙니다</a:t>
-            </a:r>
-            <a:r>
-              <a:rPr lang="en-US" altLang="ko-KR" sz="1200" b="0" i="0" kern="1200" dirty="0">
-                <a:solidFill>
-                  <a:schemeClr val="tx1"/>
-                </a:solidFill>
-                <a:effectLst/>
-                <a:latin typeface="+mn-lt"/>
-                <a:ea typeface="+mn-ea"/>
-                <a:cs typeface="+mn-cs"/>
-              </a:rPr>
-              <a:t>.</a:t>
-            </a:r>
-          </a:p>
-          <a:p>
-            <a:r>
-              <a:rPr lang="ko-KR" altLang="en-US" sz="1200" b="0" i="0" kern="1200" dirty="0">
-                <a:solidFill>
-                  <a:schemeClr val="tx1"/>
-                </a:solidFill>
-                <a:effectLst/>
-                <a:latin typeface="+mn-lt"/>
-                <a:ea typeface="+mn-ea"/>
-                <a:cs typeface="+mn-cs"/>
-              </a:rPr>
-              <a:t>스칼라</a:t>
-            </a:r>
-            <a:r>
-              <a:rPr lang="en-US" altLang="ko-KR" sz="1200" b="0" i="0" kern="1200" dirty="0">
-                <a:solidFill>
-                  <a:schemeClr val="tx1"/>
-                </a:solidFill>
-                <a:effectLst/>
-                <a:latin typeface="+mn-lt"/>
-                <a:ea typeface="+mn-ea"/>
-                <a:cs typeface="+mn-cs"/>
-              </a:rPr>
-              <a:t>, </a:t>
-            </a:r>
-            <a:r>
-              <a:rPr lang="ko-KR" altLang="en-US" sz="1200" b="0" i="0" kern="1200" dirty="0" err="1">
-                <a:solidFill>
-                  <a:schemeClr val="tx1"/>
-                </a:solidFill>
-                <a:effectLst/>
-                <a:latin typeface="+mn-lt"/>
-                <a:ea typeface="+mn-ea"/>
-                <a:cs typeface="+mn-cs"/>
-              </a:rPr>
-              <a:t>코틀린</a:t>
-            </a:r>
-            <a:endParaRPr lang="en-US" altLang="ko-KR" sz="1200" b="0" i="0" kern="1200" dirty="0">
-              <a:solidFill>
-                <a:schemeClr val="tx1"/>
-              </a:solidFill>
-              <a:effectLst/>
-              <a:latin typeface="+mn-lt"/>
-              <a:ea typeface="+mn-ea"/>
-              <a:cs typeface="+mn-cs"/>
-            </a:endParaRPr>
-          </a:p>
-          <a:p>
-            <a:r>
-              <a:rPr lang="ko-KR" altLang="en-US" sz="1200" b="0" i="0" kern="1200" dirty="0">
-                <a:solidFill>
-                  <a:schemeClr val="tx1"/>
-                </a:solidFill>
-                <a:effectLst/>
-                <a:latin typeface="+mn-lt"/>
-                <a:ea typeface="+mn-ea"/>
-                <a:cs typeface="+mn-cs"/>
-              </a:rPr>
-              <a:t>웹개발에 있어서는 </a:t>
-            </a:r>
-            <a:r>
-              <a:rPr lang="en-US" altLang="ko-KR" sz="1200" b="0" i="0" kern="1200" dirty="0">
-                <a:solidFill>
-                  <a:schemeClr val="tx1"/>
-                </a:solidFill>
-                <a:effectLst/>
-                <a:latin typeface="+mn-lt"/>
-                <a:ea typeface="+mn-ea"/>
-                <a:cs typeface="+mn-cs"/>
-              </a:rPr>
-              <a:t>html </a:t>
-            </a:r>
-            <a:r>
-              <a:rPr lang="en-US" altLang="ko-KR" sz="1200" b="0" i="0" kern="1200" dirty="0" err="1">
-                <a:solidFill>
-                  <a:schemeClr val="tx1"/>
-                </a:solidFill>
-                <a:effectLst/>
-                <a:latin typeface="+mn-lt"/>
-                <a:ea typeface="+mn-ea"/>
-                <a:cs typeface="+mn-cs"/>
-              </a:rPr>
-              <a:t>css</a:t>
-            </a:r>
-            <a:r>
-              <a:rPr lang="ko-KR" altLang="en-US" sz="1200" b="0" i="0" kern="1200" dirty="0">
-                <a:solidFill>
-                  <a:schemeClr val="tx1"/>
-                </a:solidFill>
-                <a:effectLst/>
-                <a:latin typeface="+mn-lt"/>
-                <a:ea typeface="+mn-ea"/>
-                <a:cs typeface="+mn-cs"/>
-              </a:rPr>
-              <a:t>같은 </a:t>
-            </a:r>
-            <a:r>
-              <a:rPr lang="ko-KR" altLang="en-US" sz="1200" b="0" i="0" kern="1200" dirty="0" err="1">
-                <a:solidFill>
-                  <a:schemeClr val="tx1"/>
-                </a:solidFill>
-                <a:effectLst/>
-                <a:latin typeface="+mn-lt"/>
-                <a:ea typeface="+mn-ea"/>
-                <a:cs typeface="+mn-cs"/>
-              </a:rPr>
-              <a:t>마크업언어와</a:t>
-            </a:r>
-            <a:r>
-              <a:rPr lang="ko-KR" altLang="en-US" sz="1200" b="0" i="0" kern="1200" dirty="0">
-                <a:solidFill>
-                  <a:schemeClr val="tx1"/>
-                </a:solidFill>
-                <a:effectLst/>
-                <a:latin typeface="+mn-lt"/>
-                <a:ea typeface="+mn-ea"/>
-                <a:cs typeface="+mn-cs"/>
-              </a:rPr>
-              <a:t> </a:t>
-            </a:r>
-            <a:r>
-              <a:rPr lang="en-US" altLang="ko-KR" sz="1200" b="0" i="0" kern="1200" dirty="0" err="1">
-                <a:solidFill>
-                  <a:schemeClr val="tx1"/>
-                </a:solidFill>
-                <a:effectLst/>
-                <a:latin typeface="+mn-lt"/>
-                <a:ea typeface="+mn-ea"/>
-                <a:cs typeface="+mn-cs"/>
-              </a:rPr>
-              <a:t>jsp,php</a:t>
-            </a:r>
-            <a:r>
-              <a:rPr lang="en-US" altLang="ko-KR" sz="1200" b="0" i="0" kern="1200" dirty="0">
-                <a:solidFill>
-                  <a:schemeClr val="tx1"/>
-                </a:solidFill>
-                <a:effectLst/>
-                <a:latin typeface="+mn-lt"/>
-                <a:ea typeface="+mn-ea"/>
-                <a:cs typeface="+mn-cs"/>
-              </a:rPr>
-              <a:t> </a:t>
-            </a:r>
-            <a:r>
-              <a:rPr lang="ko-KR" altLang="en-US" sz="1200" b="0" i="0" kern="1200" dirty="0">
-                <a:solidFill>
-                  <a:schemeClr val="tx1"/>
-                </a:solidFill>
-                <a:effectLst/>
-                <a:latin typeface="+mn-lt"/>
-                <a:ea typeface="+mn-ea"/>
-                <a:cs typeface="+mn-cs"/>
-              </a:rPr>
-              <a:t>들도 인식해주고</a:t>
-            </a:r>
-            <a:endParaRPr lang="en-US" altLang="ko-KR" sz="1200" b="0" i="0" kern="1200" dirty="0">
-              <a:solidFill>
-                <a:schemeClr val="tx1"/>
-              </a:solidFill>
-              <a:effectLst/>
-              <a:latin typeface="+mn-lt"/>
-              <a:ea typeface="+mn-ea"/>
-              <a:cs typeface="+mn-cs"/>
-            </a:endParaRPr>
-          </a:p>
-          <a:p>
-            <a:r>
-              <a:rPr lang="en-US" altLang="ko-KR" sz="1200" b="0" i="0" kern="1200" dirty="0">
-                <a:solidFill>
-                  <a:schemeClr val="tx1"/>
-                </a:solidFill>
-                <a:effectLst/>
-                <a:latin typeface="+mn-lt"/>
-                <a:ea typeface="+mn-ea"/>
-                <a:cs typeface="+mn-cs"/>
-              </a:rPr>
-              <a:t>Go, </a:t>
-            </a:r>
-            <a:r>
-              <a:rPr lang="ko-KR" altLang="en-US" sz="1200" b="0" i="0" kern="1200" dirty="0">
-                <a:solidFill>
-                  <a:schemeClr val="tx1"/>
-                </a:solidFill>
-                <a:effectLst/>
-                <a:latin typeface="+mn-lt"/>
-                <a:ea typeface="+mn-ea"/>
-                <a:cs typeface="+mn-cs"/>
-              </a:rPr>
-              <a:t>자바스크립트</a:t>
-            </a:r>
-            <a:r>
-              <a:rPr lang="en-US" altLang="ko-KR" sz="1200" b="0" i="0" kern="1200" dirty="0">
-                <a:solidFill>
-                  <a:schemeClr val="tx1"/>
-                </a:solidFill>
-                <a:effectLst/>
-                <a:latin typeface="+mn-lt"/>
-                <a:ea typeface="+mn-ea"/>
-                <a:cs typeface="+mn-cs"/>
-              </a:rPr>
-              <a:t>, </a:t>
-            </a:r>
-            <a:r>
-              <a:rPr lang="ko-KR" altLang="en-US" sz="1200" b="0" i="0" kern="1200" dirty="0">
-                <a:solidFill>
-                  <a:schemeClr val="tx1"/>
-                </a:solidFill>
-                <a:effectLst/>
-                <a:latin typeface="+mn-lt"/>
-                <a:ea typeface="+mn-ea"/>
-                <a:cs typeface="+mn-cs"/>
-              </a:rPr>
-              <a:t>타입스크립트 심지어 </a:t>
-            </a:r>
-            <a:r>
-              <a:rPr lang="en-US" altLang="ko-KR" sz="1200" b="0" i="0" kern="1200" dirty="0">
-                <a:solidFill>
-                  <a:schemeClr val="tx1"/>
-                </a:solidFill>
-                <a:effectLst/>
-                <a:latin typeface="+mn-lt"/>
-                <a:ea typeface="+mn-ea"/>
-                <a:cs typeface="+mn-cs"/>
-              </a:rPr>
-              <a:t>SQL </a:t>
-            </a:r>
-            <a:r>
-              <a:rPr lang="ko-KR" altLang="en-US" sz="1200" b="0" i="0" kern="1200" dirty="0">
-                <a:solidFill>
-                  <a:schemeClr val="tx1"/>
-                </a:solidFill>
-                <a:effectLst/>
-                <a:latin typeface="+mn-lt"/>
-                <a:ea typeface="+mn-ea"/>
-                <a:cs typeface="+mn-cs"/>
-              </a:rPr>
-              <a:t>쿼리문까지 인식합니다</a:t>
-            </a:r>
-            <a:r>
-              <a:rPr lang="en-US" altLang="ko-KR" sz="1200" b="0" i="0" kern="1200" dirty="0">
-                <a:solidFill>
-                  <a:schemeClr val="tx1"/>
-                </a:solidFill>
-                <a:effectLst/>
-                <a:latin typeface="+mn-lt"/>
-                <a:ea typeface="+mn-ea"/>
-                <a:cs typeface="+mn-cs"/>
-              </a:rPr>
-              <a:t>.</a:t>
-            </a:r>
-          </a:p>
-          <a:p>
-            <a:endParaRPr lang="en-US" altLang="ko-KR" sz="1200" b="0" i="0" kern="1200" dirty="0">
-              <a:solidFill>
-                <a:schemeClr val="tx1"/>
-              </a:solidFill>
-              <a:effectLst/>
-              <a:latin typeface="+mn-lt"/>
-              <a:ea typeface="+mn-ea"/>
-              <a:cs typeface="+mn-cs"/>
-            </a:endParaRPr>
-          </a:p>
-          <a:p>
-            <a:pPr marL="0" indent="0">
-              <a:buNone/>
-            </a:pPr>
-            <a:r>
-              <a:rPr lang="ko-KR" altLang="en-US" sz="1200" b="0" i="0" kern="1200" dirty="0">
-                <a:solidFill>
-                  <a:schemeClr val="tx1"/>
-                </a:solidFill>
-                <a:effectLst/>
-                <a:latin typeface="+mn-lt"/>
-                <a:ea typeface="+mn-ea"/>
-                <a:cs typeface="+mn-cs"/>
-              </a:rPr>
-              <a:t>라이선스 같은 경우는 누구나 사용할 수 있는 커뮤니티 에디션과</a:t>
-            </a:r>
-            <a:endParaRPr lang="en-US" altLang="ko-KR" sz="1200" b="0" i="0" kern="1200" dirty="0">
-              <a:solidFill>
-                <a:schemeClr val="tx1"/>
-              </a:solidFill>
-              <a:effectLst/>
-              <a:latin typeface="+mn-lt"/>
-              <a:ea typeface="+mn-ea"/>
-              <a:cs typeface="+mn-cs"/>
-            </a:endParaRPr>
-          </a:p>
-          <a:p>
-            <a:pPr marL="0" indent="0">
-              <a:buNone/>
-            </a:pPr>
-            <a:r>
-              <a:rPr lang="ko-KR" altLang="en-US" sz="1200" b="0" i="0" kern="1200" dirty="0">
-                <a:solidFill>
-                  <a:schemeClr val="tx1"/>
-                </a:solidFill>
-                <a:effectLst/>
-                <a:latin typeface="+mn-lt"/>
-                <a:ea typeface="+mn-ea"/>
-                <a:cs typeface="+mn-cs"/>
-              </a:rPr>
-              <a:t>커뮤니티 에디션보다 훨씬 더 고도화된 기능들이 내장된 </a:t>
-            </a:r>
-            <a:r>
-              <a:rPr lang="ko-KR" altLang="en-US" sz="1200" b="0" i="0" kern="1200" dirty="0" err="1">
-                <a:solidFill>
-                  <a:schemeClr val="tx1"/>
-                </a:solidFill>
-                <a:effectLst/>
-                <a:latin typeface="+mn-lt"/>
-                <a:ea typeface="+mn-ea"/>
-                <a:cs typeface="+mn-cs"/>
-              </a:rPr>
-              <a:t>얼티메이트</a:t>
-            </a:r>
-            <a:r>
-              <a:rPr lang="ko-KR" altLang="en-US" sz="1200" b="0" i="0" kern="1200" dirty="0">
-                <a:solidFill>
-                  <a:schemeClr val="tx1"/>
-                </a:solidFill>
-                <a:effectLst/>
-                <a:latin typeface="+mn-lt"/>
-                <a:ea typeface="+mn-ea"/>
-                <a:cs typeface="+mn-cs"/>
-              </a:rPr>
-              <a:t> 에디션이 있습니다</a:t>
-            </a:r>
-            <a:r>
-              <a:rPr lang="en-US" altLang="ko-KR" sz="1200" b="0" i="0" kern="1200" dirty="0">
-                <a:solidFill>
-                  <a:schemeClr val="tx1"/>
-                </a:solidFill>
-                <a:effectLst/>
-                <a:latin typeface="+mn-lt"/>
-                <a:ea typeface="+mn-ea"/>
-                <a:cs typeface="+mn-cs"/>
-              </a:rPr>
-              <a:t>.</a:t>
-            </a:r>
-          </a:p>
-          <a:p>
-            <a:pPr marL="0" indent="0">
-              <a:buNone/>
-            </a:pPr>
-            <a:endParaRPr lang="en-US" altLang="ko-KR" sz="1200" b="0" i="0" kern="1200" dirty="0">
-              <a:solidFill>
-                <a:schemeClr val="tx1"/>
-              </a:solidFill>
-              <a:effectLst/>
-              <a:latin typeface="+mn-lt"/>
-              <a:ea typeface="+mn-ea"/>
-              <a:cs typeface="+mn-cs"/>
-            </a:endParaRPr>
-          </a:p>
-          <a:p>
-            <a:pPr marL="0" indent="0">
-              <a:buNone/>
-            </a:pPr>
-            <a:r>
-              <a:rPr lang="ko-KR" altLang="en-US" sz="1200" b="0" i="0" kern="1200" dirty="0">
-                <a:solidFill>
-                  <a:schemeClr val="tx1"/>
-                </a:solidFill>
-                <a:effectLst/>
-                <a:latin typeface="+mn-lt"/>
-                <a:ea typeface="+mn-ea"/>
-                <a:cs typeface="+mn-cs"/>
-              </a:rPr>
-              <a:t>커뮤니티 에디션은 아파치</a:t>
-            </a:r>
-            <a:r>
-              <a:rPr lang="en-US" altLang="ko-KR" sz="1200" b="0" i="0" kern="1200" dirty="0">
-                <a:solidFill>
-                  <a:schemeClr val="tx1"/>
-                </a:solidFill>
-                <a:effectLst/>
-                <a:latin typeface="+mn-lt"/>
-                <a:ea typeface="+mn-ea"/>
-                <a:cs typeface="+mn-cs"/>
-              </a:rPr>
-              <a:t>2.0</a:t>
-            </a:r>
-            <a:r>
-              <a:rPr lang="ko-KR" altLang="en-US" sz="1200" b="0" i="0" kern="1200" dirty="0">
-                <a:solidFill>
-                  <a:schemeClr val="tx1"/>
-                </a:solidFill>
-                <a:effectLst/>
-                <a:latin typeface="+mn-lt"/>
-                <a:ea typeface="+mn-ea"/>
-                <a:cs typeface="+mn-cs"/>
-              </a:rPr>
-              <a:t>라이센스를 </a:t>
-            </a:r>
-            <a:r>
-              <a:rPr lang="ko-KR" altLang="en-US" sz="1200" b="0" i="0" kern="1200" dirty="0" err="1">
-                <a:solidFill>
-                  <a:schemeClr val="tx1"/>
-                </a:solidFill>
-                <a:effectLst/>
-                <a:latin typeface="+mn-lt"/>
-                <a:ea typeface="+mn-ea"/>
-                <a:cs typeface="+mn-cs"/>
-              </a:rPr>
-              <a:t>따르기</a:t>
-            </a:r>
-            <a:r>
-              <a:rPr lang="ko-KR" altLang="en-US" sz="1200" b="0" i="0" kern="1200" dirty="0">
-                <a:solidFill>
-                  <a:schemeClr val="tx1"/>
-                </a:solidFill>
-                <a:effectLst/>
-                <a:latin typeface="+mn-lt"/>
-                <a:ea typeface="+mn-ea"/>
-                <a:cs typeface="+mn-cs"/>
-              </a:rPr>
-              <a:t> 때문에 개인에게도 무료이고 기업에게도 오픈소스에 한정하여 무료입니다</a:t>
-            </a:r>
-            <a:r>
-              <a:rPr lang="en-US" altLang="ko-KR" sz="1200" b="0" i="0" kern="1200" dirty="0">
-                <a:solidFill>
-                  <a:schemeClr val="tx1"/>
-                </a:solidFill>
-                <a:effectLst/>
-                <a:latin typeface="+mn-lt"/>
-                <a:ea typeface="+mn-ea"/>
-                <a:cs typeface="+mn-cs"/>
-              </a:rPr>
-              <a:t>.</a:t>
-            </a:r>
-          </a:p>
-          <a:p>
-            <a:pPr marL="0" indent="0">
-              <a:buNone/>
-            </a:pPr>
-            <a:r>
-              <a:rPr lang="ko-KR" altLang="en-US" sz="1200" b="0" i="0" kern="1200" dirty="0" err="1">
-                <a:solidFill>
-                  <a:schemeClr val="tx1"/>
-                </a:solidFill>
-                <a:effectLst/>
-                <a:latin typeface="+mn-lt"/>
-                <a:ea typeface="+mn-ea"/>
-                <a:cs typeface="+mn-cs"/>
-              </a:rPr>
-              <a:t>얼티메이트</a:t>
-            </a:r>
-            <a:r>
-              <a:rPr lang="ko-KR" altLang="en-US" sz="1200" b="0" i="0" kern="1200" dirty="0">
-                <a:solidFill>
-                  <a:schemeClr val="tx1"/>
-                </a:solidFill>
-                <a:effectLst/>
-                <a:latin typeface="+mn-lt"/>
-                <a:ea typeface="+mn-ea"/>
-                <a:cs typeface="+mn-cs"/>
-              </a:rPr>
-              <a:t> 에디션은 커뮤니티 에디션보다 더 많은 기능들이 있지만 개인에게도</a:t>
-            </a:r>
-            <a:r>
-              <a:rPr lang="en-US" altLang="ko-KR" sz="1200" b="0" i="0" kern="1200" dirty="0">
-                <a:solidFill>
-                  <a:schemeClr val="tx1"/>
-                </a:solidFill>
-                <a:effectLst/>
-                <a:latin typeface="+mn-lt"/>
-                <a:ea typeface="+mn-ea"/>
-                <a:cs typeface="+mn-cs"/>
-              </a:rPr>
-              <a:t>, </a:t>
-            </a:r>
-            <a:r>
-              <a:rPr lang="ko-KR" altLang="en-US" sz="1200" b="0" i="0" kern="1200" dirty="0">
-                <a:solidFill>
-                  <a:schemeClr val="tx1"/>
-                </a:solidFill>
-                <a:effectLst/>
-                <a:latin typeface="+mn-lt"/>
-                <a:ea typeface="+mn-ea"/>
-                <a:cs typeface="+mn-cs"/>
-              </a:rPr>
-              <a:t>기업에게도 전부 유료입니다</a:t>
-            </a:r>
-            <a:r>
-              <a:rPr lang="en-US" altLang="ko-KR" sz="1200" b="0" i="0" kern="1200" dirty="0">
-                <a:solidFill>
-                  <a:schemeClr val="tx1"/>
-                </a:solidFill>
-                <a:effectLst/>
-                <a:latin typeface="+mn-lt"/>
-                <a:ea typeface="+mn-ea"/>
-                <a:cs typeface="+mn-cs"/>
-              </a:rPr>
-              <a:t>.</a:t>
-            </a:r>
-          </a:p>
-          <a:p>
             <a:pPr marL="0" indent="0">
               <a:buNone/>
             </a:pPr>
@@ -2131,190 +911,8 @@
           <a:bodyPr/>
           <a:lstStyle/>
           <a:p>
-            <a:r>
-              <a:rPr lang="ko-KR" altLang="en-US" sz="1200" b="0" i="0" kern="1200" dirty="0">
-                <a:solidFill>
-                  <a:schemeClr val="tx1"/>
-                </a:solidFill>
-                <a:effectLst/>
-                <a:latin typeface="+mn-lt"/>
-                <a:ea typeface="+mn-ea"/>
-                <a:cs typeface="+mn-cs"/>
-              </a:rPr>
-              <a:t>저는</a:t>
-            </a:r>
-            <a:r>
-              <a:rPr lang="en-US" altLang="ko-KR" sz="1200" b="0" i="0" kern="1200" dirty="0">
-                <a:solidFill>
-                  <a:schemeClr val="tx1"/>
-                </a:solidFill>
-                <a:effectLst/>
-                <a:latin typeface="+mn-lt"/>
-                <a:ea typeface="+mn-ea"/>
-                <a:cs typeface="+mn-cs"/>
-              </a:rPr>
-              <a:t> IDE</a:t>
-            </a:r>
-            <a:r>
-              <a:rPr lang="ko-KR" altLang="en-US" sz="1200" b="0" i="0" kern="1200" dirty="0">
-                <a:solidFill>
-                  <a:schemeClr val="tx1"/>
-                </a:solidFill>
-                <a:effectLst/>
-                <a:latin typeface="+mn-lt"/>
-                <a:ea typeface="+mn-ea"/>
-                <a:cs typeface="+mn-cs"/>
-              </a:rPr>
-              <a:t>를 이용했을 때 개발 퍼포먼스가 </a:t>
-            </a:r>
-            <a:r>
-              <a:rPr lang="ko-KR" altLang="en-US" sz="1200" b="0" i="0" kern="1200" dirty="0" err="1">
-                <a:solidFill>
-                  <a:schemeClr val="tx1"/>
-                </a:solidFill>
-                <a:effectLst/>
-                <a:latin typeface="+mn-lt"/>
-                <a:ea typeface="+mn-ea"/>
-                <a:cs typeface="+mn-cs"/>
-              </a:rPr>
-              <a:t>향상된다던지</a:t>
-            </a:r>
-            <a:r>
-              <a:rPr lang="en-US" altLang="ko-KR" sz="1200" b="0" i="0" kern="1200" dirty="0">
-                <a:solidFill>
-                  <a:schemeClr val="tx1"/>
-                </a:solidFill>
-                <a:effectLst/>
-                <a:latin typeface="+mn-lt"/>
-                <a:ea typeface="+mn-ea"/>
-                <a:cs typeface="+mn-cs"/>
-              </a:rPr>
-              <a:t>, </a:t>
-            </a:r>
-            <a:r>
-              <a:rPr lang="ko-KR" altLang="en-US" sz="1200" b="0" i="0" kern="1200" dirty="0">
-                <a:solidFill>
-                  <a:schemeClr val="tx1"/>
-                </a:solidFill>
-                <a:effectLst/>
-                <a:latin typeface="+mn-lt"/>
-                <a:ea typeface="+mn-ea"/>
-                <a:cs typeface="+mn-cs"/>
-              </a:rPr>
-              <a:t>디버깅이 훨씬 </a:t>
-            </a:r>
-            <a:r>
-              <a:rPr lang="ko-KR" altLang="en-US" sz="1200" b="0" i="0" kern="1200" dirty="0" err="1">
-                <a:solidFill>
-                  <a:schemeClr val="tx1"/>
-                </a:solidFill>
-                <a:effectLst/>
-                <a:latin typeface="+mn-lt"/>
-                <a:ea typeface="+mn-ea"/>
-                <a:cs typeface="+mn-cs"/>
-              </a:rPr>
-              <a:t>수월하다던지</a:t>
-            </a:r>
-            <a:endParaRPr lang="en-US" altLang="ko-KR" sz="1200" b="0" i="0" kern="1200" dirty="0">
-              <a:solidFill>
-                <a:schemeClr val="tx1"/>
-              </a:solidFill>
-              <a:effectLst/>
-              <a:latin typeface="+mn-lt"/>
-              <a:ea typeface="+mn-ea"/>
-              <a:cs typeface="+mn-cs"/>
-            </a:endParaRPr>
-          </a:p>
-          <a:p>
-            <a:r>
-              <a:rPr lang="ko-KR" altLang="en-US" sz="1200" b="0" i="0" kern="1200" dirty="0">
-                <a:solidFill>
-                  <a:schemeClr val="tx1"/>
-                </a:solidFill>
-                <a:effectLst/>
-                <a:latin typeface="+mn-lt"/>
-                <a:ea typeface="+mn-ea"/>
-                <a:cs typeface="+mn-cs"/>
-              </a:rPr>
-              <a:t>이런 공통적인 내용은 담지 않았습니다</a:t>
-            </a:r>
-            <a:r>
-              <a:rPr lang="en-US" altLang="ko-KR" sz="1200" b="0" i="0" kern="1200" dirty="0">
-                <a:solidFill>
-                  <a:schemeClr val="tx1"/>
-                </a:solidFill>
-                <a:effectLst/>
-                <a:latin typeface="+mn-lt"/>
-                <a:ea typeface="+mn-ea"/>
-                <a:cs typeface="+mn-cs"/>
-              </a:rPr>
-              <a:t>.</a:t>
-            </a:r>
-          </a:p>
-          <a:p>
-            <a:r>
-              <a:rPr lang="ko-KR" altLang="en-US" sz="1200" b="0" i="0" kern="1200" dirty="0">
-                <a:solidFill>
-                  <a:schemeClr val="tx1"/>
-                </a:solidFill>
-                <a:effectLst/>
-                <a:latin typeface="+mn-lt"/>
-                <a:ea typeface="+mn-ea"/>
-                <a:cs typeface="+mn-cs"/>
-              </a:rPr>
-              <a:t>저는 인텔리</a:t>
-            </a:r>
-            <a:r>
-              <a:rPr lang="en-US" altLang="ko-KR" sz="1200" b="0" i="0" kern="1200" dirty="0">
-                <a:solidFill>
-                  <a:schemeClr val="tx1"/>
-                </a:solidFill>
-                <a:effectLst/>
-                <a:latin typeface="+mn-lt"/>
-                <a:ea typeface="+mn-ea"/>
-                <a:cs typeface="+mn-cs"/>
-              </a:rPr>
-              <a:t>J</a:t>
-            </a:r>
-            <a:r>
-              <a:rPr lang="ko-KR" altLang="en-US" sz="1200" b="0" i="0" kern="1200" dirty="0">
-                <a:solidFill>
-                  <a:schemeClr val="tx1"/>
-                </a:solidFill>
-                <a:effectLst/>
-                <a:latin typeface="+mn-lt"/>
-                <a:ea typeface="+mn-ea"/>
-                <a:cs typeface="+mn-cs"/>
-              </a:rPr>
-              <a:t>만의 차별화된 특징을 조사했습니다</a:t>
-            </a:r>
-            <a:r>
-              <a:rPr lang="en-US" altLang="ko-KR" sz="1200" b="0" i="0" kern="1200" dirty="0">
-                <a:solidFill>
-                  <a:schemeClr val="tx1"/>
-                </a:solidFill>
-                <a:effectLst/>
-                <a:latin typeface="+mn-lt"/>
-                <a:ea typeface="+mn-ea"/>
-                <a:cs typeface="+mn-cs"/>
-              </a:rPr>
-              <a:t>.</a:t>
-            </a:r>
-          </a:p>
-          <a:p>
-            <a:endParaRPr lang="en-US" altLang="ko-KR" sz="1200" b="0" i="0" kern="1200" dirty="0">
-              <a:solidFill>
-                <a:schemeClr val="tx1"/>
-              </a:solidFill>
-              <a:effectLst/>
-              <a:latin typeface="+mn-lt"/>
-              <a:ea typeface="+mn-ea"/>
-              <a:cs typeface="+mn-cs"/>
-            </a:endParaRPr>
-          </a:p>
-          <a:p>
-            <a:pPr marL="228600" indent="-228600">
-              <a:buAutoNum type="arabicPeriod"/>
+            <a:pPr marL="0" indent="0">
+              <a:buNone/>
             </a:pPr>
             <a:endParaRPr lang="en-US" altLang="ko-KR" sz="1200" b="0" i="0" kern="1200" dirty="0">
               <a:solidFill>
@@ -2408,195 +1006,15 @@
           <a:bodyPr/>
           <a:lstStyle/>
           <a:p>
-            <a:r>
-              <a:rPr lang="ko-KR" altLang="en-US" sz="1200" b="0" i="0" kern="1200" dirty="0">
-                <a:solidFill>
-                  <a:schemeClr val="tx1"/>
-                </a:solidFill>
-                <a:effectLst/>
-                <a:latin typeface="+mn-lt"/>
-                <a:ea typeface="+mn-ea"/>
-                <a:cs typeface="+mn-cs"/>
-              </a:rPr>
-              <a:t>인텔리</a:t>
-            </a:r>
-            <a:r>
-              <a:rPr lang="en-US" altLang="ko-KR" sz="1200" b="0" i="0" kern="1200" dirty="0">
-                <a:solidFill>
-                  <a:schemeClr val="tx1"/>
-                </a:solidFill>
-                <a:effectLst/>
-                <a:latin typeface="+mn-lt"/>
-                <a:ea typeface="+mn-ea"/>
-                <a:cs typeface="+mn-cs"/>
-              </a:rPr>
-              <a:t>J</a:t>
-            </a:r>
-            <a:r>
-              <a:rPr lang="ko-KR" altLang="en-US" sz="1200" b="0" i="0" kern="1200" dirty="0">
-                <a:solidFill>
-                  <a:schemeClr val="tx1"/>
-                </a:solidFill>
-                <a:effectLst/>
-                <a:latin typeface="+mn-lt"/>
-                <a:ea typeface="+mn-ea"/>
-                <a:cs typeface="+mn-cs"/>
-              </a:rPr>
-              <a:t>의 개발자들이 강조하는 문구입니다</a:t>
-            </a:r>
-            <a:r>
-              <a:rPr lang="en-US" altLang="ko-KR" sz="1200" b="0" i="0" kern="1200" dirty="0">
-                <a:solidFill>
-                  <a:schemeClr val="tx1"/>
-                </a:solidFill>
-                <a:effectLst/>
-                <a:latin typeface="+mn-lt"/>
-                <a:ea typeface="+mn-ea"/>
-                <a:cs typeface="+mn-cs"/>
-              </a:rPr>
-              <a:t>.</a:t>
-            </a:r>
-          </a:p>
-          <a:p>
-            <a:r>
-              <a:rPr lang="en-US" altLang="ko-KR" sz="1200" b="0" i="0" kern="1200" dirty="0">
-                <a:solidFill>
-                  <a:schemeClr val="tx1"/>
-                </a:solidFill>
-                <a:effectLst/>
-                <a:latin typeface="+mn-lt"/>
-                <a:ea typeface="+mn-ea"/>
-                <a:cs typeface="+mn-cs"/>
-              </a:rPr>
-              <a:t>Developer ergonomics.</a:t>
-            </a:r>
-          </a:p>
-          <a:p>
-            <a:r>
-              <a:rPr lang="ko-KR" altLang="en-US" sz="1200" b="0" i="0" kern="1200" dirty="0">
-                <a:solidFill>
-                  <a:schemeClr val="tx1"/>
-                </a:solidFill>
-                <a:effectLst/>
-                <a:latin typeface="+mn-lt"/>
-                <a:ea typeface="+mn-ea"/>
-                <a:cs typeface="+mn-cs"/>
-              </a:rPr>
-              <a:t>개발자 인체공학 이라는 말인데</a:t>
-            </a:r>
-            <a:r>
-              <a:rPr lang="en-US" altLang="ko-KR" sz="1200" b="0" i="0" kern="1200" dirty="0">
-                <a:solidFill>
-                  <a:schemeClr val="tx1"/>
-                </a:solidFill>
-                <a:effectLst/>
-                <a:latin typeface="+mn-lt"/>
-                <a:ea typeface="+mn-ea"/>
-                <a:cs typeface="+mn-cs"/>
-              </a:rPr>
-              <a:t> </a:t>
-            </a:r>
-            <a:r>
-              <a:rPr lang="ko-KR" altLang="en-US" sz="1200" b="0" i="0" kern="1200" dirty="0">
-                <a:solidFill>
-                  <a:schemeClr val="tx1"/>
-                </a:solidFill>
-                <a:effectLst/>
-                <a:latin typeface="+mn-lt"/>
-                <a:ea typeface="+mn-ea"/>
-                <a:cs typeface="+mn-cs"/>
-              </a:rPr>
-              <a:t>이 말이 설명하듯 인텔리</a:t>
-            </a:r>
-            <a:r>
-              <a:rPr lang="en-US" altLang="ko-KR" sz="1200" b="0" i="0" kern="1200" dirty="0">
-                <a:solidFill>
-                  <a:schemeClr val="tx1"/>
-                </a:solidFill>
-                <a:effectLst/>
-                <a:latin typeface="+mn-lt"/>
-                <a:ea typeface="+mn-ea"/>
-                <a:cs typeface="+mn-cs"/>
-              </a:rPr>
-              <a:t>J</a:t>
-            </a:r>
-            <a:r>
-              <a:rPr lang="ko-KR" altLang="en-US" sz="1200" b="0" i="0" kern="1200" dirty="0">
-                <a:solidFill>
-                  <a:schemeClr val="tx1"/>
-                </a:solidFill>
-                <a:effectLst/>
-                <a:latin typeface="+mn-lt"/>
-                <a:ea typeface="+mn-ea"/>
-                <a:cs typeface="+mn-cs"/>
-              </a:rPr>
-              <a:t>는 개발자의 편의성에 굉장히 많은 공을 들였습니다</a:t>
-            </a:r>
-            <a:r>
-              <a:rPr lang="en-US" altLang="ko-KR" sz="1200" b="0" i="0" kern="1200" dirty="0">
-                <a:solidFill>
-                  <a:schemeClr val="tx1"/>
-                </a:solidFill>
-                <a:effectLst/>
-                <a:latin typeface="+mn-lt"/>
-                <a:ea typeface="+mn-ea"/>
-                <a:cs typeface="+mn-cs"/>
-              </a:rPr>
-              <a:t>.</a:t>
-            </a:r>
-          </a:p>
-          <a:p>
-            <a:pPr marL="0" indent="0">
-              <a:buNone/>
-            </a:pPr>
-            <a:r>
-              <a:rPr lang="ko-KR" altLang="en-US" sz="1200" b="0" i="0" kern="1200" dirty="0">
-                <a:solidFill>
-                  <a:schemeClr val="tx1"/>
-                </a:solidFill>
-                <a:effectLst/>
-                <a:latin typeface="+mn-lt"/>
-                <a:ea typeface="+mn-ea"/>
-                <a:cs typeface="+mn-cs"/>
-              </a:rPr>
-              <a:t>저는 인텔리</a:t>
-            </a:r>
-            <a:r>
-              <a:rPr lang="en-US" altLang="ko-KR" sz="1200" b="0" i="0" kern="1200" dirty="0">
-                <a:solidFill>
-                  <a:schemeClr val="tx1"/>
-                </a:solidFill>
-                <a:effectLst/>
-                <a:latin typeface="+mn-lt"/>
-                <a:ea typeface="+mn-ea"/>
-                <a:cs typeface="+mn-cs"/>
-              </a:rPr>
-              <a:t>J</a:t>
-            </a:r>
-            <a:r>
-              <a:rPr lang="ko-KR" altLang="en-US" sz="1200" b="0" i="0" kern="1200" dirty="0">
-                <a:solidFill>
-                  <a:schemeClr val="tx1"/>
-                </a:solidFill>
-                <a:effectLst/>
-                <a:latin typeface="+mn-lt"/>
-                <a:ea typeface="+mn-ea"/>
-                <a:cs typeface="+mn-cs"/>
-              </a:rPr>
-              <a:t>가 개발자 인체공학적으로 만들었다고 생각하는 몇가지 특징에 대해 조사하였습니다</a:t>
-            </a:r>
-            <a:r>
-              <a:rPr lang="en-US" altLang="ko-KR" sz="1200" b="0" i="0" kern="1200" dirty="0">
-                <a:solidFill>
-                  <a:schemeClr val="tx1"/>
-                </a:solidFill>
-                <a:effectLst/>
-                <a:latin typeface="+mn-lt"/>
-                <a:ea typeface="+mn-ea"/>
-                <a:cs typeface="+mn-cs"/>
-              </a:rPr>
-              <a:t>.</a:t>
-            </a:r>
+            <a:endParaRPr lang="en-US" altLang="ko-KR" sz="1200" b="0" i="0" kern="1200" dirty="0">
+              <a:solidFill>
+                <a:schemeClr val="tx1"/>
+              </a:solidFill>
+              <a:effectLst/>
+              <a:latin typeface="+mn-lt"/>
+              <a:ea typeface="+mn-ea"/>
+              <a:cs typeface="+mn-cs"/>
+            </a:endParaRPr>
           </a:p>
         </p:txBody>
       </p:sp>
@@ -2985,359 +1403,6 @@
               <a:t>.</a:t>
             </a:r>
           </a:p>
-          <a:p>
-            <a:r>
-              <a:rPr lang="ko-KR" altLang="en-US" sz="1200" b="0" i="0" kern="1200" dirty="0">
-                <a:solidFill>
-                  <a:schemeClr val="tx1"/>
-                </a:solidFill>
-                <a:effectLst/>
-                <a:latin typeface="+mn-lt"/>
-                <a:ea typeface="+mn-ea"/>
-                <a:cs typeface="+mn-cs"/>
-              </a:rPr>
-              <a:t>이는 저도 공감하는 말입니다</a:t>
-            </a:r>
-            <a:r>
-              <a:rPr lang="en-US" altLang="ko-KR" sz="1200" b="0" i="0" kern="1200" dirty="0">
-                <a:solidFill>
-                  <a:schemeClr val="tx1"/>
-                </a:solidFill>
-                <a:effectLst/>
-                <a:latin typeface="+mn-lt"/>
-                <a:ea typeface="+mn-ea"/>
-                <a:cs typeface="+mn-cs"/>
-              </a:rPr>
-              <a:t>. </a:t>
-            </a:r>
-            <a:r>
-              <a:rPr lang="ko-KR" altLang="en-US" sz="1200" b="0" i="0" kern="1200" dirty="0">
-                <a:solidFill>
-                  <a:schemeClr val="tx1"/>
-                </a:solidFill>
-                <a:effectLst/>
-                <a:latin typeface="+mn-lt"/>
-                <a:ea typeface="+mn-ea"/>
-                <a:cs typeface="+mn-cs"/>
-              </a:rPr>
-              <a:t>바쁘게 코딩하다가 다른 파일을 보고</a:t>
-            </a:r>
-            <a:r>
-              <a:rPr lang="en-US" altLang="ko-KR" sz="1200" b="0" i="0" kern="1200" dirty="0">
-                <a:solidFill>
-                  <a:schemeClr val="tx1"/>
-                </a:solidFill>
-                <a:effectLst/>
-                <a:latin typeface="+mn-lt"/>
-                <a:ea typeface="+mn-ea"/>
-                <a:cs typeface="+mn-cs"/>
-              </a:rPr>
-              <a:t>… </a:t>
-            </a:r>
-            <a:r>
-              <a:rPr lang="ko-KR" altLang="en-US" sz="1200" b="0" i="0" kern="1200" dirty="0">
-                <a:solidFill>
-                  <a:schemeClr val="tx1"/>
-                </a:solidFill>
-                <a:effectLst/>
-                <a:latin typeface="+mn-lt"/>
-                <a:ea typeface="+mn-ea"/>
-                <a:cs typeface="+mn-cs"/>
-              </a:rPr>
-              <a:t>다시 </a:t>
-            </a:r>
-            <a:r>
-              <a:rPr lang="ko-KR" altLang="en-US" sz="1200" b="0" i="0" kern="1200" dirty="0" err="1">
-                <a:solidFill>
-                  <a:schemeClr val="tx1"/>
-                </a:solidFill>
-                <a:effectLst/>
-                <a:latin typeface="+mn-lt"/>
-                <a:ea typeface="+mn-ea"/>
-                <a:cs typeface="+mn-cs"/>
-              </a:rPr>
-              <a:t>코딩을하고</a:t>
-            </a:r>
-            <a:r>
-              <a:rPr lang="en-US" altLang="ko-KR" sz="1200" b="0" i="0" kern="1200" dirty="0">
-                <a:solidFill>
-                  <a:schemeClr val="tx1"/>
-                </a:solidFill>
-                <a:effectLst/>
-                <a:latin typeface="+mn-lt"/>
-                <a:ea typeface="+mn-ea"/>
-                <a:cs typeface="+mn-cs"/>
-              </a:rPr>
-              <a:t>…</a:t>
-            </a:r>
-            <a:r>
-              <a:rPr lang="ko-KR" altLang="en-US" sz="1200" b="0" i="0" kern="1200" dirty="0">
-                <a:solidFill>
-                  <a:schemeClr val="tx1"/>
-                </a:solidFill>
-                <a:effectLst/>
-                <a:latin typeface="+mn-lt"/>
-                <a:ea typeface="+mn-ea"/>
-                <a:cs typeface="+mn-cs"/>
-              </a:rPr>
-              <a:t>코딩을 하는 과정 중에 마우스를 사용할 일은 굉장히 많습니다</a:t>
-            </a:r>
-            <a:r>
-              <a:rPr lang="en-US" altLang="ko-KR" sz="1200" b="0" i="0" kern="1200" dirty="0">
-                <a:solidFill>
-                  <a:schemeClr val="tx1"/>
-                </a:solidFill>
-                <a:effectLst/>
-                <a:latin typeface="+mn-lt"/>
-                <a:ea typeface="+mn-ea"/>
-                <a:cs typeface="+mn-cs"/>
-              </a:rPr>
-              <a:t>.</a:t>
-            </a:r>
-          </a:p>
-          <a:p>
-            <a:r>
-              <a:rPr lang="ko-KR" altLang="en-US" sz="1200" b="0" i="0" kern="1200" dirty="0">
-                <a:solidFill>
-                  <a:schemeClr val="tx1"/>
-                </a:solidFill>
-                <a:effectLst/>
-                <a:latin typeface="+mn-lt"/>
-                <a:ea typeface="+mn-ea"/>
-                <a:cs typeface="+mn-cs"/>
-              </a:rPr>
-              <a:t>인텔리</a:t>
-            </a:r>
-            <a:r>
-              <a:rPr lang="en-US" altLang="ko-KR" sz="1200" b="0" i="0" kern="1200" dirty="0">
-                <a:solidFill>
-                  <a:schemeClr val="tx1"/>
-                </a:solidFill>
-                <a:effectLst/>
-                <a:latin typeface="+mn-lt"/>
-                <a:ea typeface="+mn-ea"/>
-                <a:cs typeface="+mn-cs"/>
-              </a:rPr>
-              <a:t>J</a:t>
-            </a:r>
-            <a:r>
-              <a:rPr lang="ko-KR" altLang="en-US" sz="1200" b="0" i="0" kern="1200" dirty="0">
-                <a:solidFill>
-                  <a:schemeClr val="tx1"/>
-                </a:solidFill>
-                <a:effectLst/>
-                <a:latin typeface="+mn-lt"/>
-                <a:ea typeface="+mn-ea"/>
-                <a:cs typeface="+mn-cs"/>
-              </a:rPr>
-              <a:t>는 마우스에 손을 올릴 일을 현저히 줄여줍니다</a:t>
-            </a:r>
-            <a:r>
-              <a:rPr lang="en-US" altLang="ko-KR" sz="1200" b="0" i="0" kern="1200" dirty="0">
-                <a:solidFill>
-                  <a:schemeClr val="tx1"/>
-                </a:solidFill>
-                <a:effectLst/>
-                <a:latin typeface="+mn-lt"/>
-                <a:ea typeface="+mn-ea"/>
-                <a:cs typeface="+mn-cs"/>
-              </a:rPr>
-              <a:t>. </a:t>
-            </a:r>
-            <a:r>
-              <a:rPr lang="ko-KR" altLang="en-US" sz="1200" b="0" i="0" kern="1200" dirty="0">
-                <a:solidFill>
-                  <a:schemeClr val="tx1"/>
-                </a:solidFill>
-                <a:effectLst/>
-                <a:latin typeface="+mn-lt"/>
-                <a:ea typeface="+mn-ea"/>
-                <a:cs typeface="+mn-cs"/>
-              </a:rPr>
-              <a:t>모든 기능은 단축키로 사용할 수 있기 때문입니다</a:t>
-            </a:r>
-            <a:r>
-              <a:rPr lang="en-US" altLang="ko-KR" sz="1200" b="0" i="0" kern="1200" dirty="0">
-                <a:solidFill>
-                  <a:schemeClr val="tx1"/>
-                </a:solidFill>
-                <a:effectLst/>
-                <a:latin typeface="+mn-lt"/>
-                <a:ea typeface="+mn-ea"/>
-                <a:cs typeface="+mn-cs"/>
-              </a:rPr>
-              <a:t>.</a:t>
-            </a:r>
-            <a:r>
-              <a:rPr lang="ko-KR" altLang="en-US" sz="1200" b="0" i="0" kern="1200" dirty="0">
-                <a:solidFill>
-                  <a:schemeClr val="tx1"/>
-                </a:solidFill>
-                <a:effectLst/>
-                <a:latin typeface="+mn-lt"/>
-                <a:ea typeface="+mn-ea"/>
-                <a:cs typeface="+mn-cs"/>
-              </a:rPr>
-              <a:t> </a:t>
-            </a:r>
-            <a:r>
-              <a:rPr lang="en-US" altLang="ko-KR" sz="1200" b="0" i="0" kern="1200" dirty="0">
-                <a:solidFill>
-                  <a:schemeClr val="tx1"/>
-                </a:solidFill>
-                <a:effectLst/>
-                <a:latin typeface="+mn-lt"/>
-                <a:ea typeface="+mn-ea"/>
-                <a:cs typeface="+mn-cs"/>
-              </a:rPr>
-              <a:t>IDE</a:t>
-            </a:r>
-            <a:r>
-              <a:rPr lang="ko-KR" altLang="en-US" sz="1200" b="0" i="0" kern="1200" dirty="0">
-                <a:solidFill>
-                  <a:schemeClr val="tx1"/>
-                </a:solidFill>
-                <a:effectLst/>
-                <a:latin typeface="+mn-lt"/>
-                <a:ea typeface="+mn-ea"/>
-                <a:cs typeface="+mn-cs"/>
-              </a:rPr>
-              <a:t>의 </a:t>
-            </a:r>
-            <a:r>
-              <a:rPr lang="en-US" altLang="ko-KR" sz="1200" b="0" i="0" kern="1200" dirty="0">
-                <a:solidFill>
-                  <a:schemeClr val="tx1"/>
-                </a:solidFill>
-                <a:effectLst/>
-                <a:latin typeface="+mn-lt"/>
-                <a:ea typeface="+mn-ea"/>
-                <a:cs typeface="+mn-cs"/>
-              </a:rPr>
-              <a:t>GUI</a:t>
-            </a:r>
-            <a:r>
-              <a:rPr lang="ko-KR" altLang="en-US" sz="1200" b="0" i="0" kern="1200" dirty="0">
-                <a:solidFill>
-                  <a:schemeClr val="tx1"/>
-                </a:solidFill>
-                <a:effectLst/>
-                <a:latin typeface="+mn-lt"/>
-                <a:ea typeface="+mn-ea"/>
-                <a:cs typeface="+mn-cs"/>
-              </a:rPr>
-              <a:t>또한 이 점을 적극 반영합니다</a:t>
-            </a:r>
-            <a:r>
-              <a:rPr lang="en-US" altLang="ko-KR" sz="1200" b="0" i="0" kern="1200" dirty="0">
-                <a:solidFill>
-                  <a:schemeClr val="tx1"/>
-                </a:solidFill>
-                <a:effectLst/>
-                <a:latin typeface="+mn-lt"/>
-                <a:ea typeface="+mn-ea"/>
-                <a:cs typeface="+mn-cs"/>
-              </a:rPr>
-              <a:t>.</a:t>
-            </a:r>
-          </a:p>
-          <a:p>
-            <a:r>
-              <a:rPr lang="ko-KR" altLang="en-US" sz="1200" b="0" i="0" kern="1200" dirty="0">
-                <a:solidFill>
-                  <a:schemeClr val="tx1"/>
-                </a:solidFill>
-                <a:effectLst/>
-                <a:latin typeface="+mn-lt"/>
-                <a:ea typeface="+mn-ea"/>
-                <a:cs typeface="+mn-cs"/>
-              </a:rPr>
-              <a:t>새로운 창이 필요한 작업 시 마우스를 이용해야 하는 새 창 팝업 형식이 아닌 키보드로 바로 조종이 가능하고 닫을 수 있는 간이 팝업 형식으로 기능을 이용할 수 있어서</a:t>
-            </a:r>
-            <a:endParaRPr lang="en-US" altLang="ko-KR" sz="1200" b="0" i="0" kern="1200" dirty="0">
-              <a:solidFill>
-                <a:schemeClr val="tx1"/>
-              </a:solidFill>
-              <a:effectLst/>
-              <a:latin typeface="+mn-lt"/>
-              <a:ea typeface="+mn-ea"/>
-              <a:cs typeface="+mn-cs"/>
-            </a:endParaRPr>
-          </a:p>
-          <a:p>
-            <a:r>
-              <a:rPr lang="ko-KR" altLang="en-US" sz="1200" b="0" i="0" kern="1200" dirty="0">
-                <a:solidFill>
-                  <a:schemeClr val="tx1"/>
-                </a:solidFill>
-                <a:effectLst/>
-                <a:latin typeface="+mn-lt"/>
-                <a:ea typeface="+mn-ea"/>
-                <a:cs typeface="+mn-cs"/>
-              </a:rPr>
-              <a:t>익숙해지는 기간만 지나신다면 </a:t>
-            </a:r>
-            <a:r>
-              <a:rPr lang="en-US" altLang="ko-KR" sz="1200" b="0" i="0" kern="1200" dirty="0">
-                <a:solidFill>
-                  <a:schemeClr val="tx1"/>
-                </a:solidFill>
-                <a:effectLst/>
-                <a:latin typeface="+mn-lt"/>
-                <a:ea typeface="+mn-ea"/>
-                <a:cs typeface="+mn-cs"/>
-              </a:rPr>
-              <a:t>&lt;</a:t>
-            </a:r>
-            <a:r>
-              <a:rPr lang="ko-KR" altLang="en-US" sz="1200" b="0" i="0" kern="1200" dirty="0">
-                <a:solidFill>
-                  <a:schemeClr val="tx1"/>
-                </a:solidFill>
-                <a:effectLst/>
-                <a:latin typeface="+mn-lt"/>
-                <a:ea typeface="+mn-ea"/>
-                <a:cs typeface="+mn-cs"/>
-              </a:rPr>
-              <a:t>정말로</a:t>
-            </a:r>
-            <a:r>
-              <a:rPr lang="en-US" altLang="ko-KR" sz="1200" b="0" i="0" kern="1200" dirty="0">
-                <a:solidFill>
-                  <a:schemeClr val="tx1"/>
-                </a:solidFill>
-                <a:effectLst/>
-                <a:latin typeface="+mn-lt"/>
-                <a:ea typeface="+mn-ea"/>
-                <a:cs typeface="+mn-cs"/>
-              </a:rPr>
-              <a:t>&gt;</a:t>
-            </a:r>
-            <a:r>
-              <a:rPr lang="ko-KR" altLang="en-US" sz="1200" b="0" i="0" kern="1200" dirty="0">
-                <a:solidFill>
-                  <a:schemeClr val="tx1"/>
-                </a:solidFill>
-                <a:effectLst/>
-                <a:latin typeface="+mn-lt"/>
-                <a:ea typeface="+mn-ea"/>
-                <a:cs typeface="+mn-cs"/>
-              </a:rPr>
-              <a:t> 마우스에 손을 올릴 일이 많이 없어집니다</a:t>
-            </a:r>
-            <a:r>
-              <a:rPr lang="en-US" altLang="ko-KR" sz="1200" b="0" i="0" kern="1200" dirty="0">
-                <a:solidFill>
-                  <a:schemeClr val="tx1"/>
-                </a:solidFill>
-                <a:effectLst/>
-                <a:latin typeface="+mn-lt"/>
-                <a:ea typeface="+mn-ea"/>
-                <a:cs typeface="+mn-cs"/>
-              </a:rPr>
-              <a:t>.</a:t>
-            </a:r>
-          </a:p>
         </p:txBody>
       </p:sp>
       <p:sp>
@@ -3420,278 +1485,15 @@
           <a:bodyPr/>
           <a:lstStyle/>
           <a:p>
-            <a:r>
-              <a:rPr lang="ko-KR" altLang="en-US" sz="1200" b="0" i="0" kern="1200" dirty="0">
-                <a:solidFill>
-                  <a:schemeClr val="tx1"/>
-                </a:solidFill>
-                <a:effectLst/>
-                <a:latin typeface="+mn-lt"/>
-                <a:ea typeface="+mn-ea"/>
-                <a:cs typeface="+mn-cs"/>
-              </a:rPr>
-              <a:t>두 번째는 첫 번째와 약간 이어지는 내용인데요</a:t>
-            </a:r>
-            <a:r>
-              <a:rPr lang="en-US" altLang="ko-KR" sz="1200" b="0" i="0" kern="1200" dirty="0">
-                <a:solidFill>
-                  <a:schemeClr val="tx1"/>
-                </a:solidFill>
-                <a:effectLst/>
-                <a:latin typeface="+mn-lt"/>
-                <a:ea typeface="+mn-ea"/>
-                <a:cs typeface="+mn-cs"/>
-              </a:rPr>
-              <a:t>.</a:t>
-            </a:r>
-          </a:p>
-          <a:p>
-            <a:r>
-              <a:rPr lang="ko-KR" altLang="en-US" sz="1200" b="0" i="0" kern="1200" dirty="0">
-                <a:solidFill>
-                  <a:schemeClr val="tx1"/>
-                </a:solidFill>
-                <a:effectLst/>
-                <a:latin typeface="+mn-lt"/>
-                <a:ea typeface="+mn-ea"/>
-                <a:cs typeface="+mn-cs"/>
-              </a:rPr>
-              <a:t>모든 기능을 단축키를 통해 수행할 수 있다는 것은 좋은 점은 맞습니다</a:t>
-            </a:r>
-            <a:r>
-              <a:rPr lang="en-US" altLang="ko-KR" sz="1200" b="0" i="0" kern="1200" dirty="0">
-                <a:solidFill>
-                  <a:schemeClr val="tx1"/>
-                </a:solidFill>
-                <a:effectLst/>
-                <a:latin typeface="+mn-lt"/>
-                <a:ea typeface="+mn-ea"/>
-                <a:cs typeface="+mn-cs"/>
-              </a:rPr>
-              <a:t>. </a:t>
-            </a:r>
-            <a:r>
-              <a:rPr lang="ko-KR" altLang="en-US" sz="1200" b="0" i="0" kern="1200" dirty="0">
-                <a:solidFill>
-                  <a:schemeClr val="tx1"/>
-                </a:solidFill>
-                <a:effectLst/>
-                <a:latin typeface="+mn-lt"/>
-                <a:ea typeface="+mn-ea"/>
-                <a:cs typeface="+mn-cs"/>
-              </a:rPr>
-              <a:t>그렇다면 개발자 입장에서는 모든 단축키를 외워 둬야 할까요</a:t>
-            </a:r>
-            <a:r>
-              <a:rPr lang="en-US" altLang="ko-KR" sz="1200" b="0" i="0" kern="1200" dirty="0">
-                <a:solidFill>
-                  <a:schemeClr val="tx1"/>
-                </a:solidFill>
-                <a:effectLst/>
-                <a:latin typeface="+mn-lt"/>
-                <a:ea typeface="+mn-ea"/>
-                <a:cs typeface="+mn-cs"/>
-              </a:rPr>
-              <a:t>?</a:t>
-            </a:r>
-          </a:p>
-          <a:p>
-            <a:r>
-              <a:rPr lang="ko-KR" altLang="en-US" sz="1200" b="0" i="0" kern="1200" dirty="0">
-                <a:solidFill>
-                  <a:schemeClr val="tx1"/>
-                </a:solidFill>
-                <a:effectLst/>
-                <a:latin typeface="+mn-lt"/>
-                <a:ea typeface="+mn-ea"/>
-                <a:cs typeface="+mn-cs"/>
-              </a:rPr>
-              <a:t>그럴 필요는 없습니다</a:t>
-            </a:r>
-            <a:r>
-              <a:rPr lang="en-US" altLang="ko-KR" sz="1200" b="0" i="0" kern="1200" dirty="0">
-                <a:solidFill>
-                  <a:schemeClr val="tx1"/>
-                </a:solidFill>
-                <a:effectLst/>
-                <a:latin typeface="+mn-lt"/>
-                <a:ea typeface="+mn-ea"/>
-                <a:cs typeface="+mn-cs"/>
-              </a:rPr>
-              <a:t>. </a:t>
-            </a:r>
-            <a:r>
-              <a:rPr lang="ko-KR" altLang="en-US" sz="1200" b="0" i="0" kern="1200" dirty="0">
-                <a:solidFill>
-                  <a:schemeClr val="tx1"/>
-                </a:solidFill>
-                <a:effectLst/>
-                <a:latin typeface="+mn-lt"/>
-                <a:ea typeface="+mn-ea"/>
-                <a:cs typeface="+mn-cs"/>
-              </a:rPr>
-              <a:t>바로 인텔리</a:t>
-            </a:r>
-            <a:r>
-              <a:rPr lang="en-US" altLang="ko-KR" sz="1200" b="0" i="0" kern="1200" dirty="0">
-                <a:solidFill>
-                  <a:schemeClr val="tx1"/>
-                </a:solidFill>
-                <a:effectLst/>
-                <a:latin typeface="+mn-lt"/>
-                <a:ea typeface="+mn-ea"/>
-                <a:cs typeface="+mn-cs"/>
-              </a:rPr>
-              <a:t>J</a:t>
-            </a:r>
-            <a:r>
-              <a:rPr lang="ko-KR" altLang="en-US" sz="1200" b="0" i="0" kern="1200" dirty="0">
-                <a:solidFill>
-                  <a:schemeClr val="tx1"/>
-                </a:solidFill>
-                <a:effectLst/>
-                <a:latin typeface="+mn-lt"/>
-                <a:ea typeface="+mn-ea"/>
-                <a:cs typeface="+mn-cs"/>
-              </a:rPr>
-              <a:t>에서 제공하는 </a:t>
-            </a:r>
-            <a:r>
-              <a:rPr lang="en-US" altLang="ko-KR" sz="1200" b="0" i="0" kern="1200" dirty="0">
-                <a:solidFill>
-                  <a:schemeClr val="tx1"/>
-                </a:solidFill>
-                <a:effectLst/>
-                <a:latin typeface="+mn-lt"/>
-                <a:ea typeface="+mn-ea"/>
-                <a:cs typeface="+mn-cs"/>
-              </a:rPr>
-              <a:t>Find Action</a:t>
-            </a:r>
-            <a:r>
-              <a:rPr lang="ko-KR" altLang="en-US" sz="1200" b="0" i="0" kern="1200" dirty="0">
-                <a:solidFill>
-                  <a:schemeClr val="tx1"/>
-                </a:solidFill>
-                <a:effectLst/>
-                <a:latin typeface="+mn-lt"/>
-                <a:ea typeface="+mn-ea"/>
-                <a:cs typeface="+mn-cs"/>
-              </a:rPr>
-              <a:t>이라는 기능 덕인데요</a:t>
-            </a:r>
-            <a:r>
-              <a:rPr lang="en-US" altLang="ko-KR" sz="1200" b="0" i="0" kern="1200" dirty="0">
-                <a:solidFill>
-                  <a:schemeClr val="tx1"/>
-                </a:solidFill>
-                <a:effectLst/>
-                <a:latin typeface="+mn-lt"/>
-                <a:ea typeface="+mn-ea"/>
-                <a:cs typeface="+mn-cs"/>
-              </a:rPr>
-              <a:t>.</a:t>
-            </a:r>
-          </a:p>
-          <a:p>
-            <a:r>
-              <a:rPr lang="ko-KR" altLang="en-US" sz="1200" b="0" i="0" kern="1200" dirty="0">
-                <a:solidFill>
-                  <a:schemeClr val="tx1"/>
-                </a:solidFill>
-                <a:effectLst/>
-                <a:latin typeface="+mn-lt"/>
-                <a:ea typeface="+mn-ea"/>
-                <a:cs typeface="+mn-cs"/>
-              </a:rPr>
-              <a:t>간단하게 설명하자면 기능 그 자체를 검색하는 기능입니다</a:t>
-            </a:r>
-            <a:r>
-              <a:rPr lang="en-US" altLang="ko-KR" sz="1200" b="0" i="0" kern="1200" dirty="0">
-                <a:solidFill>
-                  <a:schemeClr val="tx1"/>
-                </a:solidFill>
-                <a:effectLst/>
-                <a:latin typeface="+mn-lt"/>
-                <a:ea typeface="+mn-ea"/>
-                <a:cs typeface="+mn-cs"/>
-              </a:rPr>
-              <a:t>. (</a:t>
-            </a:r>
-            <a:r>
-              <a:rPr lang="en-US" altLang="ko-KR" sz="1200" b="0" i="0" kern="1200" dirty="0" err="1">
-                <a:solidFill>
-                  <a:schemeClr val="tx1"/>
-                </a:solidFill>
-                <a:effectLst/>
-                <a:latin typeface="+mn-lt"/>
-                <a:ea typeface="+mn-ea"/>
-                <a:cs typeface="+mn-cs"/>
-              </a:rPr>
-              <a:t>Ctrl+Shift+A</a:t>
-            </a:r>
-            <a:r>
-              <a:rPr lang="en-US" altLang="ko-KR" sz="1200" b="0" i="0" kern="1200" dirty="0">
-                <a:solidFill>
-                  <a:schemeClr val="tx1"/>
-                </a:solidFill>
-                <a:effectLst/>
-                <a:latin typeface="+mn-lt"/>
-                <a:ea typeface="+mn-ea"/>
-                <a:cs typeface="+mn-cs"/>
-              </a:rPr>
-              <a:t>)</a:t>
-            </a:r>
-          </a:p>
-          <a:p>
-            <a:r>
-              <a:rPr lang="ko-KR" altLang="en-US" sz="1200" b="0" i="0" kern="1200" dirty="0">
-                <a:solidFill>
-                  <a:schemeClr val="tx1"/>
-                </a:solidFill>
-                <a:effectLst/>
-                <a:latin typeface="+mn-lt"/>
-                <a:ea typeface="+mn-ea"/>
-                <a:cs typeface="+mn-cs"/>
-              </a:rPr>
-              <a:t>검색은 단어 단위가 아닌 알파벳 단위로 이루어지고 </a:t>
-            </a:r>
-            <a:r>
-              <a:rPr lang="ko-KR" altLang="en-US" sz="1200" b="0" i="0" kern="1200" dirty="0" err="1">
-                <a:solidFill>
-                  <a:schemeClr val="tx1"/>
-                </a:solidFill>
-                <a:effectLst/>
-                <a:latin typeface="+mn-lt"/>
-                <a:ea typeface="+mn-ea"/>
-                <a:cs typeface="+mn-cs"/>
-              </a:rPr>
-              <a:t>비연결</a:t>
-            </a:r>
-            <a:r>
-              <a:rPr lang="ko-KR" altLang="en-US" sz="1200" b="0" i="0" kern="1200" dirty="0">
-                <a:solidFill>
-                  <a:schemeClr val="tx1"/>
-                </a:solidFill>
-                <a:effectLst/>
-                <a:latin typeface="+mn-lt"/>
-                <a:ea typeface="+mn-ea"/>
-                <a:cs typeface="+mn-cs"/>
-              </a:rPr>
-              <a:t> 문자열도 인식하기 때문에 훨씬 더 수월하게 찾을 수 있습니다</a:t>
-            </a:r>
-            <a:r>
-              <a:rPr lang="en-US" altLang="ko-KR" sz="1200" b="0" i="0" kern="1200" dirty="0">
-                <a:solidFill>
-                  <a:schemeClr val="tx1"/>
-                </a:solidFill>
-                <a:effectLst/>
-                <a:latin typeface="+mn-lt"/>
-                <a:ea typeface="+mn-ea"/>
-                <a:cs typeface="+mn-cs"/>
-              </a:rPr>
-              <a:t>.</a:t>
-            </a:r>
+            <a:endParaRPr lang="en-US" altLang="ko-KR" sz="1200" b="0" i="0" kern="1200" dirty="0">
+              <a:solidFill>
+                <a:schemeClr val="tx1"/>
+              </a:solidFill>
+              <a:effectLst/>
+              <a:latin typeface="+mn-lt"/>
+              <a:ea typeface="+mn-ea"/>
+              <a:cs typeface="+mn-cs"/>
+            </a:endParaRPr>
           </a:p>
         </p:txBody>
       </p:sp>
@@ -3774,330 +1576,6 @@
         <p:txBody>
           <a:bodyPr/>
           <a:lstStyle/>
-          <a:p>
-            <a:r>
-              <a:rPr lang="ko-KR" altLang="en-US" sz="1200" b="0" i="0" kern="1200" dirty="0">
-                <a:solidFill>
-                  <a:schemeClr val="tx1"/>
-                </a:solidFill>
-                <a:effectLst/>
-                <a:latin typeface="+mn-lt"/>
-                <a:ea typeface="+mn-ea"/>
-                <a:cs typeface="+mn-cs"/>
-              </a:rPr>
-              <a:t>세 번째로 인텔리 </a:t>
-            </a:r>
-            <a:r>
-              <a:rPr lang="en-US" altLang="ko-KR" sz="1200" b="0" i="0" kern="1200" dirty="0">
-                <a:solidFill>
-                  <a:schemeClr val="tx1"/>
-                </a:solidFill>
-                <a:effectLst/>
-                <a:latin typeface="+mn-lt"/>
-                <a:ea typeface="+mn-ea"/>
-                <a:cs typeface="+mn-cs"/>
-              </a:rPr>
-              <a:t>J</a:t>
-            </a:r>
-            <a:r>
-              <a:rPr lang="ko-KR" altLang="en-US" sz="1200" b="0" i="0" kern="1200" dirty="0">
-                <a:solidFill>
-                  <a:schemeClr val="tx1"/>
-                </a:solidFill>
-                <a:effectLst/>
-                <a:latin typeface="+mn-lt"/>
-                <a:ea typeface="+mn-ea"/>
-                <a:cs typeface="+mn-cs"/>
-              </a:rPr>
-              <a:t>만의 스마트한 자동완성 기능이 있습니다</a:t>
-            </a:r>
-            <a:r>
-              <a:rPr lang="en-US" altLang="ko-KR" sz="1200" b="0" i="0" kern="1200" dirty="0">
-                <a:solidFill>
-                  <a:schemeClr val="tx1"/>
-                </a:solidFill>
-                <a:effectLst/>
-                <a:latin typeface="+mn-lt"/>
-                <a:ea typeface="+mn-ea"/>
-                <a:cs typeface="+mn-cs"/>
-              </a:rPr>
-              <a:t>. </a:t>
-            </a:r>
-            <a:r>
-              <a:rPr lang="ko-KR" altLang="en-US" sz="1200" b="0" i="0" kern="1200" dirty="0">
-                <a:solidFill>
-                  <a:schemeClr val="tx1"/>
-                </a:solidFill>
-                <a:effectLst/>
-                <a:latin typeface="+mn-lt"/>
-                <a:ea typeface="+mn-ea"/>
-                <a:cs typeface="+mn-cs"/>
-              </a:rPr>
-              <a:t>자동완성 기능은 이클립스</a:t>
-            </a:r>
-            <a:r>
-              <a:rPr lang="en-US" altLang="ko-KR" sz="1200" b="0" i="0" kern="1200" dirty="0">
-                <a:solidFill>
-                  <a:schemeClr val="tx1"/>
-                </a:solidFill>
-                <a:effectLst/>
-                <a:latin typeface="+mn-lt"/>
-                <a:ea typeface="+mn-ea"/>
-                <a:cs typeface="+mn-cs"/>
-              </a:rPr>
-              <a:t>, </a:t>
-            </a:r>
-            <a:r>
-              <a:rPr lang="ko-KR" altLang="en-US" sz="1200" b="0" i="0" kern="1200" dirty="0" err="1">
-                <a:solidFill>
-                  <a:schemeClr val="tx1"/>
-                </a:solidFill>
-                <a:effectLst/>
-                <a:latin typeface="+mn-lt"/>
-                <a:ea typeface="+mn-ea"/>
-                <a:cs typeface="+mn-cs"/>
-              </a:rPr>
-              <a:t>넷빈즈</a:t>
-            </a:r>
-            <a:r>
-              <a:rPr lang="ko-KR" altLang="en-US" sz="1200" b="0" i="0" kern="1200" dirty="0">
-                <a:solidFill>
-                  <a:schemeClr val="tx1"/>
-                </a:solidFill>
-                <a:effectLst/>
-                <a:latin typeface="+mn-lt"/>
-                <a:ea typeface="+mn-ea"/>
-                <a:cs typeface="+mn-cs"/>
-              </a:rPr>
-              <a:t> 등 여타 다른 </a:t>
-            </a:r>
-            <a:r>
-              <a:rPr lang="en-US" altLang="ko-KR" sz="1200" b="0" i="0" kern="1200" dirty="0">
-                <a:solidFill>
-                  <a:schemeClr val="tx1"/>
-                </a:solidFill>
-                <a:effectLst/>
-                <a:latin typeface="+mn-lt"/>
-                <a:ea typeface="+mn-ea"/>
-                <a:cs typeface="+mn-cs"/>
-              </a:rPr>
-              <a:t>IDE</a:t>
-            </a:r>
-            <a:r>
-              <a:rPr lang="ko-KR" altLang="en-US" sz="1200" b="0" i="0" kern="1200" dirty="0">
-                <a:solidFill>
-                  <a:schemeClr val="tx1"/>
-                </a:solidFill>
-                <a:effectLst/>
-                <a:latin typeface="+mn-lt"/>
-                <a:ea typeface="+mn-ea"/>
-                <a:cs typeface="+mn-cs"/>
-              </a:rPr>
-              <a:t>들에서도 볼 수 있는 기능이지만</a:t>
-            </a:r>
-            <a:endParaRPr lang="en-US" altLang="ko-KR" sz="1200" b="0" i="0" kern="1200" dirty="0">
-              <a:solidFill>
-                <a:schemeClr val="tx1"/>
-              </a:solidFill>
-              <a:effectLst/>
-              <a:latin typeface="+mn-lt"/>
-              <a:ea typeface="+mn-ea"/>
-              <a:cs typeface="+mn-cs"/>
-            </a:endParaRPr>
-          </a:p>
-          <a:p>
-            <a:r>
-              <a:rPr lang="ko-KR" altLang="en-US" sz="1200" b="0" i="0" kern="1200" dirty="0">
-                <a:solidFill>
-                  <a:schemeClr val="tx1"/>
-                </a:solidFill>
-                <a:effectLst/>
-                <a:latin typeface="+mn-lt"/>
-                <a:ea typeface="+mn-ea"/>
-                <a:cs typeface="+mn-cs"/>
-              </a:rPr>
-              <a:t>인텔리</a:t>
-            </a:r>
-            <a:r>
-              <a:rPr lang="en-US" altLang="ko-KR" sz="1200" b="0" i="0" kern="1200" dirty="0">
-                <a:solidFill>
-                  <a:schemeClr val="tx1"/>
-                </a:solidFill>
-                <a:effectLst/>
-                <a:latin typeface="+mn-lt"/>
-                <a:ea typeface="+mn-ea"/>
-                <a:cs typeface="+mn-cs"/>
-              </a:rPr>
-              <a:t>J</a:t>
-            </a:r>
-            <a:r>
-              <a:rPr lang="ko-KR" altLang="en-US" sz="1200" b="0" i="0" kern="1200" dirty="0">
-                <a:solidFill>
-                  <a:schemeClr val="tx1"/>
-                </a:solidFill>
-                <a:effectLst/>
-                <a:latin typeface="+mn-lt"/>
-                <a:ea typeface="+mn-ea"/>
-                <a:cs typeface="+mn-cs"/>
-              </a:rPr>
-              <a:t>의 자동완성은 조금 더 특별합니다</a:t>
-            </a:r>
-            <a:r>
-              <a:rPr lang="en-US" altLang="ko-KR" sz="1200" b="0" i="0" kern="1200" dirty="0">
-                <a:solidFill>
-                  <a:schemeClr val="tx1"/>
-                </a:solidFill>
-                <a:effectLst/>
-                <a:latin typeface="+mn-lt"/>
-                <a:ea typeface="+mn-ea"/>
-                <a:cs typeface="+mn-cs"/>
-              </a:rPr>
-              <a:t>. </a:t>
-            </a:r>
-            <a:r>
-              <a:rPr lang="ko-KR" altLang="en-US" sz="1200" b="0" i="0" kern="1200" dirty="0">
-                <a:solidFill>
-                  <a:schemeClr val="tx1"/>
-                </a:solidFill>
-                <a:effectLst/>
-                <a:latin typeface="+mn-lt"/>
-                <a:ea typeface="+mn-ea"/>
-                <a:cs typeface="+mn-cs"/>
-              </a:rPr>
-              <a:t>알파벳 순이나 사용데이터를 기반으로 활용 빈도를 체크하여 완성시켜주는 것이 아닌</a:t>
-            </a:r>
-            <a:r>
-              <a:rPr lang="en-US" altLang="ko-KR" sz="1200" b="0" i="0" kern="1200" dirty="0">
-                <a:solidFill>
-                  <a:schemeClr val="tx1"/>
-                </a:solidFill>
-                <a:effectLst/>
-                <a:latin typeface="+mn-lt"/>
-                <a:ea typeface="+mn-ea"/>
-                <a:cs typeface="+mn-cs"/>
-              </a:rPr>
-              <a:t>, </a:t>
-            </a:r>
-            <a:r>
-              <a:rPr lang="ko-KR" altLang="en-US" sz="1200" b="0" i="0" kern="1200" dirty="0">
-                <a:solidFill>
-                  <a:schemeClr val="tx1"/>
-                </a:solidFill>
-                <a:effectLst/>
-                <a:latin typeface="+mn-lt"/>
-                <a:ea typeface="+mn-ea"/>
-                <a:cs typeface="+mn-cs"/>
-              </a:rPr>
-              <a:t>현재 자신이 작성중인 코드의 히스토리를</a:t>
-            </a:r>
-            <a:endParaRPr lang="en-US" altLang="ko-KR" sz="1200" b="0" i="0" kern="1200" dirty="0">
-              <a:solidFill>
-                <a:schemeClr val="tx1"/>
-              </a:solidFill>
-              <a:effectLst/>
-              <a:latin typeface="+mn-lt"/>
-              <a:ea typeface="+mn-ea"/>
-              <a:cs typeface="+mn-cs"/>
-            </a:endParaRPr>
-          </a:p>
-          <a:p>
-            <a:r>
-              <a:rPr lang="ko-KR" altLang="en-US" sz="1200" b="0" i="0" kern="1200" dirty="0">
-                <a:solidFill>
-                  <a:schemeClr val="tx1"/>
-                </a:solidFill>
-                <a:effectLst/>
-                <a:latin typeface="+mn-lt"/>
-                <a:ea typeface="+mn-ea"/>
-                <a:cs typeface="+mn-cs"/>
-              </a:rPr>
-              <a:t>기반으로 자동 완성을 시켜줍니다</a:t>
-            </a:r>
-            <a:r>
-              <a:rPr lang="en-US" altLang="ko-KR" sz="1200" b="0" i="0" kern="1200" dirty="0">
-                <a:solidFill>
-                  <a:schemeClr val="tx1"/>
-                </a:solidFill>
-                <a:effectLst/>
-                <a:latin typeface="+mn-lt"/>
-                <a:ea typeface="+mn-ea"/>
-                <a:cs typeface="+mn-cs"/>
-              </a:rPr>
-              <a:t>. </a:t>
-            </a:r>
-            <a:r>
-              <a:rPr lang="ko-KR" altLang="en-US" sz="1200" b="0" i="0" kern="1200" dirty="0">
-                <a:solidFill>
-                  <a:schemeClr val="tx1"/>
-                </a:solidFill>
-                <a:effectLst/>
-                <a:latin typeface="+mn-lt"/>
-                <a:ea typeface="+mn-ea"/>
-                <a:cs typeface="+mn-cs"/>
-              </a:rPr>
-              <a:t>또한 언어를 가리지 않습니다</a:t>
-            </a:r>
-            <a:r>
-              <a:rPr lang="en-US" altLang="ko-KR" sz="1200" b="0" i="0" kern="1200" dirty="0">
-                <a:solidFill>
-                  <a:schemeClr val="tx1"/>
-                </a:solidFill>
-                <a:effectLst/>
-                <a:latin typeface="+mn-lt"/>
-                <a:ea typeface="+mn-ea"/>
-                <a:cs typeface="+mn-cs"/>
-              </a:rPr>
-              <a:t>. </a:t>
-            </a:r>
-            <a:r>
-              <a:rPr lang="ko-KR" altLang="en-US" sz="1200" b="0" i="0" kern="1200" dirty="0">
-                <a:solidFill>
-                  <a:schemeClr val="tx1"/>
-                </a:solidFill>
-                <a:effectLst/>
-                <a:latin typeface="+mn-lt"/>
-                <a:ea typeface="+mn-ea"/>
-                <a:cs typeface="+mn-cs"/>
-              </a:rPr>
-              <a:t>지원되는 수많은 </a:t>
-            </a:r>
-            <a:r>
-              <a:rPr lang="ko-KR" altLang="en-US" sz="1200" b="0" i="0" kern="1200" dirty="0" err="1">
-                <a:solidFill>
-                  <a:schemeClr val="tx1"/>
-                </a:solidFill>
-                <a:effectLst/>
-                <a:latin typeface="+mn-lt"/>
-                <a:ea typeface="+mn-ea"/>
-                <a:cs typeface="+mn-cs"/>
-              </a:rPr>
-              <a:t>언어중</a:t>
-            </a:r>
-            <a:r>
-              <a:rPr lang="ko-KR" altLang="en-US" sz="1200" b="0" i="0" kern="1200" dirty="0">
-                <a:solidFill>
-                  <a:schemeClr val="tx1"/>
-                </a:solidFill>
-                <a:effectLst/>
-                <a:latin typeface="+mn-lt"/>
-                <a:ea typeface="+mn-ea"/>
-                <a:cs typeface="+mn-cs"/>
-              </a:rPr>
-              <a:t> 하나이기만 하면 동일하게 자동 완성 기능을 사용할 수 있습니다</a:t>
-            </a:r>
-            <a:r>
-              <a:rPr lang="en-US" altLang="ko-KR" sz="1200" b="0" i="0" kern="1200" dirty="0">
-                <a:solidFill>
-                  <a:schemeClr val="tx1"/>
-                </a:solidFill>
-                <a:effectLst/>
-                <a:latin typeface="+mn-lt"/>
-                <a:ea typeface="+mn-ea"/>
-                <a:cs typeface="+mn-cs"/>
-              </a:rPr>
-              <a:t>.</a:t>
-            </a:r>
-          </a:p>
           <a:p>
             <a:endParaRPr lang="en-US" altLang="ko-KR" sz="1200" b="0" i="0" kern="1200" dirty="0">
               <a:solidFill>
@@ -4478,7 +1956,7 @@
           <a:p>
             <a:fld id="{7375CF92-EF9A-4E7C-8197-9037C088131F}" type="datetimeFigureOut">
               <a:rPr lang="ko-KR" altLang="en-US" smtClean="0"/>
-              <a:t>2018-12-06</a:t>
+              <a:t>2018-12-07</a:t>
             </a:fld>
             <a:endParaRPr lang="ko-KR" altLang="en-US"/>
           </a:p>
@@ -4676,7 +2154,7 @@
           <a:p>
             <a:fld id="{7375CF92-EF9A-4E7C-8197-9037C088131F}" type="datetimeFigureOut">
               <a:rPr lang="ko-KR" altLang="en-US" smtClean="0"/>
-              <a:t>2018-12-06</a:t>
+              <a:t>2018-12-07</a:t>
             </a:fld>
             <a:endParaRPr lang="ko-KR" altLang="en-US"/>
           </a:p>
@@ -4884,7 +2362,7 @@
           <a:p>
             <a:fld id="{7375CF92-EF9A-4E7C-8197-9037C088131F}" type="datetimeFigureOut">
               <a:rPr lang="ko-KR" altLang="en-US" smtClean="0"/>
-              <a:t>2018-12-06</a:t>
+              <a:t>2018-12-07</a:t>
             </a:fld>
             <a:endParaRPr lang="ko-KR" altLang="en-US"/>
           </a:p>
@@ -5082,7 +2560,7 @@
           <a:p>
             <a:fld id="{7375CF92-EF9A-4E7C-8197-9037C088131F}" type="datetimeFigureOut">
               <a:rPr lang="ko-KR" altLang="en-US" smtClean="0"/>
-              <a:t>2018-12-06</a:t>
+              <a:t>2018-12-07</a:t>
             </a:fld>
             <a:endParaRPr lang="ko-KR" altLang="en-US"/>
           </a:p>
@@ -5357,7 +2835,7 @@
           <a:p>
             <a:fld id="{7375CF92-EF9A-4E7C-8197-9037C088131F}" type="datetimeFigureOut">
               <a:rPr lang="ko-KR" altLang="en-US" smtClean="0"/>
-              <a:t>2018-12-06</a:t>
+              <a:t>2018-12-07</a:t>
             </a:fld>
             <a:endParaRPr lang="ko-KR" altLang="en-US"/>
           </a:p>
@@ -5622,7 +3100,7 @@
           <a:p>
             <a:fld id="{7375CF92-EF9A-4E7C-8197-9037C088131F}" type="datetimeFigureOut">
               <a:rPr lang="ko-KR" altLang="en-US" smtClean="0"/>
-              <a:t>2018-12-06</a:t>
+              <a:t>2018-12-07</a:t>
             </a:fld>
             <a:endParaRPr lang="ko-KR" altLang="en-US"/>
           </a:p>
@@ -6034,7 +3512,7 @@
           <a:p>
             <a:fld id="{7375CF92-EF9A-4E7C-8197-9037C088131F}" type="datetimeFigureOut">
               <a:rPr lang="ko-KR" altLang="en-US" smtClean="0"/>
-              <a:t>2018-12-06</a:t>
+              <a:t>2018-12-07</a:t>
             </a:fld>
             <a:endParaRPr lang="ko-KR" altLang="en-US"/>
           </a:p>
@@ -6175,7 +3653,7 @@
           <a:p>
             <a:fld id="{7375CF92-EF9A-4E7C-8197-9037C088131F}" type="datetimeFigureOut">
               <a:rPr lang="ko-KR" altLang="en-US" smtClean="0"/>
-              <a:t>2018-12-06</a:t>
+              <a:t>2018-12-07</a:t>
             </a:fld>
             <a:endParaRPr lang="ko-KR" altLang="en-US"/>
           </a:p>
@@ -6288,7 +3766,7 @@
           <a:p>
             <a:fld id="{7375CF92-EF9A-4E7C-8197-9037C088131F}" type="datetimeFigureOut">
               <a:rPr lang="ko-KR" altLang="en-US" smtClean="0"/>
-              <a:t>2018-12-06</a:t>
+              <a:t>2018-12-07</a:t>
             </a:fld>
             <a:endParaRPr lang="ko-KR" altLang="en-US"/>
           </a:p>
@@ -6599,7 +4077,7 @@
           <a:p>
             <a:fld id="{7375CF92-EF9A-4E7C-8197-9037C088131F}" type="datetimeFigureOut">
               <a:rPr lang="ko-KR" altLang="en-US" smtClean="0"/>
-              <a:t>2018-12-06</a:t>
+              <a:t>2018-12-07</a:t>
             </a:fld>
             <a:endParaRPr lang="ko-KR" altLang="en-US"/>
           </a:p>
@@ -6887,7 +4365,7 @@
           <a:p>
             <a:fld id="{7375CF92-EF9A-4E7C-8197-9037C088131F}" type="datetimeFigureOut">
               <a:rPr lang="ko-KR" altLang="en-US" smtClean="0"/>
-              <a:t>2018-12-06</a:t>
+              <a:t>2018-12-07</a:t>
             </a:fld>
             <a:endParaRPr lang="ko-KR" altLang="en-US"/>
           </a:p>
@@ -7128,7 +4606,7 @@
           <a:p>
             <a:fld id="{7375CF92-EF9A-4E7C-8197-9037C088131F}" type="datetimeFigureOut">
               <a:rPr lang="ko-KR" altLang="en-US" smtClean="0"/>
-              <a:t>2018-12-06</a:t>
+              <a:t>2018-12-07</a:t>
             </a:fld>
             <a:endParaRPr lang="ko-KR" altLang="en-US"/>
           </a:p>
@@ -7787,8 +5265,8 @@
         </p:nvSpPr>
         <p:spPr>
           <a:xfrm>
-            <a:off x="3249433" y="3429000"/>
-            <a:ext cx="7868478" cy="2264210"/>
+            <a:off x="1957388" y="3429000"/>
+            <a:ext cx="9160523" cy="1494768"/>
           </a:xfrm>
           <a:prstGeom prst="rect">
             <a:avLst/>
@@ -7810,19 +5288,19 @@
             </a:pPr>
             <a:r>
               <a:rPr lang="ko-KR" altLang="en-US" sz="2000" dirty="0"/>
-              <a:t>진입 장벽이 높음</a:t>
+              <a:t>프로젝트 구조가 조금씩 다르기 때문에 협업 시 </a:t>
             </a:r>
             <a:r>
               <a:rPr lang="en-US" altLang="ko-KR" sz="2000" dirty="0"/>
-              <a:t>. (</a:t>
+              <a:t>IDE</a:t>
             </a:r>
             <a:r>
               <a:rPr lang="ko-KR" altLang="en-US" sz="2000" dirty="0"/>
-              <a:t>개인적</a:t>
+              <a:t>를 통일해야 함</a:t>
             </a:r>
             <a:r>
               <a:rPr lang="en-US" altLang="ko-KR" sz="2000" dirty="0"/>
-              <a:t>)</a:t>
+              <a:t>.</a:t>
             </a:r>
           </a:p>
           <a:p>
@@ -7835,15 +5313,7 @@
             </a:pPr>
             <a:r>
               <a:rPr lang="ko-KR" altLang="en-US" sz="2000" dirty="0"/>
-              <a:t>편의</a:t>
-            </a:r>
-            <a:r>
-              <a:rPr lang="en-US" altLang="ko-KR" sz="2000" dirty="0"/>
-              <a:t>, </a:t>
-            </a:r>
-            <a:r>
-              <a:rPr lang="ko-KR" altLang="en-US" sz="2000" dirty="0"/>
-              <a:t>커스텀 플러그인이 많지 않음</a:t>
+              <a:t>진입 장벽이 높음</a:t>
             </a:r>
             <a:r>
               <a:rPr lang="en-US" altLang="ko-KR" sz="2000" dirty="0"/>
@@ -7857,16 +5327,6 @@
               <a:rPr lang="en-US" altLang="ko-KR" sz="2000" dirty="0"/>
               <a:t>)</a:t>
             </a:r>
-          </a:p>
-          <a:p>
-            <a:pPr marL="342900" indent="-342900">
-              <a:lnSpc>
-                <a:spcPct val="250000"/>
-              </a:lnSpc>
-              <a:buFont typeface="Arial" panose="020B0604020202020204" pitchFamily="34" charset="0"/>
-              <a:buChar char="•"/>
-            </a:pPr>
-            <a:endParaRPr lang="en-US" altLang="ko-KR" sz="2000" dirty="0"/>
           </a:p>
         </p:txBody>
       </p:sp>
@@ -7930,8 +5390,8 @@
         </p:nvSpPr>
         <p:spPr>
           <a:xfrm>
-            <a:off x="3249433" y="1846693"/>
-            <a:ext cx="7868478" cy="2264210"/>
+            <a:off x="1957388" y="1846693"/>
+            <a:ext cx="9160523" cy="2264210"/>
           </a:xfrm>
           <a:prstGeom prst="rect">
             <a:avLst/>
@@ -8454,8 +5914,8 @@
         </p:nvSpPr>
         <p:spPr>
           <a:xfrm>
-            <a:off x="3755459" y="3228945"/>
-            <a:ext cx="4681090" cy="523220"/>
+            <a:off x="4357382" y="4532308"/>
+            <a:ext cx="3477234" cy="523220"/>
           </a:xfrm>
           <a:prstGeom prst="rect">
             <a:avLst/>
@@ -8469,18 +5929,6 @@
           <a:lstStyle/>
           <a:p>
             <a:pPr algn="ctr"/>
-            <a:r>
-              <a:rPr lang="ko-KR" altLang="en-US" sz="2800" dirty="0"/>
-              <a:t>자바</a:t>
-            </a:r>
-            <a:r>
-              <a:rPr lang="en-US" altLang="ko-KR" sz="2800" dirty="0"/>
-              <a:t>	</a:t>
-            </a:r>
-            <a:r>
-              <a:rPr lang="ko-KR" altLang="en-US" sz="2800" dirty="0"/>
-              <a:t>의 </a:t>
-            </a:r>
             <a:r>
               <a:rPr lang="en-US" altLang="ko-KR" sz="2800" dirty="0"/>
               <a:t>IDE (</a:t>
@@ -8543,6 +5991,42 @@
           </a:p>
         </p:txBody>
       </p:sp>
+      <p:pic>
+        <p:nvPicPr>
+          <p:cNvPr id="8" name="그림 7">
+            <a:extLst>
+              <a:ext uri="{FF2B5EF4-FFF2-40B4-BE49-F238E27FC236}">
+                <a16:creationId xmlns:a16="http://schemas.microsoft.com/office/drawing/2014/main" id="{ED7A5CC3-E610-40BE-9D43-F5E717ED3908}"/>
+              </a:ext>
+            </a:extLst>
+          </p:cNvPr>
+          <p:cNvPicPr>
+            <a:picLocks noChangeAspect="1"/>
+          </p:cNvPicPr>
+          <p:nvPr/>
+        </p:nvPicPr>
+        <p:blipFill>
+          <a:blip r:embed="rId3">
+            <a:extLst>
+              <a:ext uri="{28A0092B-C50C-407E-A947-70E740481C1C}">
+                <a14:useLocalDpi xmlns:a14="http://schemas.microsoft.com/office/drawing/2010/main" val="0"/>
+              </a:ext>
+            </a:extLst>
+          </a:blip>
+          <a:stretch>
+            <a:fillRect/>
+          </a:stretch>
+        </p:blipFill>
+        <p:spPr>
+          <a:xfrm>
+            <a:off x="4625008" y="2468601"/>
+            <a:ext cx="2941983" cy="1520687"/>
+          </a:xfrm>
+          <a:prstGeom prst="rect">
+            <a:avLst/>
+          </a:prstGeom>
+        </p:spPr>
+      </p:pic>
     </p:spTree>
     <p:extLst>
       <p:ext uri="{BB962C8B-B14F-4D97-AF65-F5344CB8AC3E}">
@@ -8670,7 +6154,7 @@
           <p:nvPr>
             <p:extLst>
               <p:ext uri="{D42A27DB-BD31-4B8C-83A1-F6EECF244321}">
-                <p14:modId xmlns:p14="http://schemas.microsoft.com/office/powerpoint/2010/main" val="2007664454"/>
+                <p14:modId xmlns:p14="http://schemas.microsoft.com/office/powerpoint/2010/main" val="3981330889"/>
               </p:ext>
             </p:extLst>
           </p:nvPr>
@@ -8771,6 +6255,14 @@
                     <a:lstStyle/>
                     <a:p>
                       <a:pPr latinLnBrk="1"/>
+                      <a:endParaRPr lang="en-US" altLang="ko-KR" dirty="0"/>
+                    </a:p>
+                    <a:p>
+                      <a:pPr latinLnBrk="1">
+                        <a:lnSpc>
+                          <a:spcPct val="150000"/>
+                        </a:lnSpc>
+                      </a:pPr>
                       <a:r>
                         <a:rPr lang="ko-KR" altLang="en-US" dirty="0"/>
                         <a:t>지원 언어</a:t>
@@ -8859,6 +6351,14 @@
                     <a:lstStyle/>
                     <a:p>
                       <a:pPr latinLnBrk="1"/>
+                      <a:endParaRPr lang="en-US" altLang="ko-KR" dirty="0"/>
+                    </a:p>
+                    <a:p>
+                      <a:pPr latinLnBrk="1"/>
+                      <a:endParaRPr lang="en-US" altLang="ko-KR" dirty="0"/>
+                    </a:p>
+                    <a:p>
+                      <a:pPr latinLnBrk="1"/>
                       <a:r>
                         <a:rPr lang="ko-KR" altLang="en-US" dirty="0"/>
                         <a:t>지원 프레임워크</a:t>
@@ -8936,7 +6436,11 @@
                     <a:bodyPr/>
                     <a:lstStyle/>
                     <a:p>
-                      <a:pPr latinLnBrk="1"/>
+                      <a:pPr latinLnBrk="1">
+                        <a:lnSpc>
+                          <a:spcPct val="200000"/>
+                        </a:lnSpc>
+                      </a:pPr>
                       <a:r>
                         <a:rPr lang="ko-KR" altLang="en-US" dirty="0"/>
                         <a:t>지원 빌드 도구</a:t>
@@ -9547,6 +7051,42 @@
           <a:chExt cx="0" cy="0"/>
         </a:xfrm>
       </p:grpSpPr>
+      <p:pic>
+        <p:nvPicPr>
+          <p:cNvPr id="20" name="그림 19">
+            <a:extLst>
+              <a:ext uri="{FF2B5EF4-FFF2-40B4-BE49-F238E27FC236}">
+                <a16:creationId xmlns:a16="http://schemas.microsoft.com/office/drawing/2014/main" id="{724C4EF3-0FAC-427B-81F2-DE19412147B2}"/>
+              </a:ext>
+            </a:extLst>
+          </p:cNvPr>
+          <p:cNvPicPr>
+            <a:picLocks noChangeAspect="1"/>
+          </p:cNvPicPr>
+          <p:nvPr/>
+        </p:nvPicPr>
+        <p:blipFill>
+          <a:blip r:embed="rId3">
+            <a:extLst>
+              <a:ext uri="{28A0092B-C50C-407E-A947-70E740481C1C}">
+                <a14:useLocalDpi xmlns:a14="http://schemas.microsoft.com/office/drawing/2010/main" val="0"/>
+              </a:ext>
+            </a:extLst>
+          </a:blip>
+          <a:stretch>
+            <a:fillRect/>
+          </a:stretch>
+        </p:blipFill>
+        <p:spPr>
+          <a:xfrm>
+            <a:off x="3469942" y="1067142"/>
+            <a:ext cx="5500688" cy="4723716"/>
+          </a:xfrm>
+          <a:prstGeom prst="rect">
+            <a:avLst/>
+          </a:prstGeom>
+        </p:spPr>
+      </p:pic>
       <p:sp>
         <p:nvSpPr>
           <p:cNvPr id="5" name="직사각형 4">
@@ -9608,7 +7148,7 @@
         <p:spPr>
           <a:xfrm>
             <a:off x="1704513" y="620822"/>
-            <a:ext cx="2814745" cy="400110"/>
+            <a:ext cx="3241144" cy="400110"/>
           </a:xfrm>
           <a:prstGeom prst="rect">
             <a:avLst/>
@@ -9623,48 +7163,12 @@
           <a:p>
             <a:r>
               <a:rPr lang="en-US" altLang="ko-KR" sz="2000" dirty="0"/>
-              <a:t>Developer ergonomics</a:t>
+              <a:t>Developer ergonomics - 1</a:t>
             </a:r>
             <a:endParaRPr lang="ko-KR" altLang="en-US" sz="2000" dirty="0"/>
           </a:p>
         </p:txBody>
       </p:sp>
-      <p:pic>
-        <p:nvPicPr>
-          <p:cNvPr id="3" name="그림 2">
-            <a:extLst>
-              <a:ext uri="{FF2B5EF4-FFF2-40B4-BE49-F238E27FC236}">
-                <a16:creationId xmlns:a16="http://schemas.microsoft.com/office/drawing/2014/main" id="{28A806F6-AE18-40E1-8DAC-FD9E7F381A8B}"/>
-              </a:ext>
-            </a:extLst>
-          </p:cNvPr>
-          <p:cNvPicPr>
-            <a:picLocks noChangeAspect="1"/>
-          </p:cNvPicPr>
-          <p:nvPr/>
-        </p:nvPicPr>
-        <p:blipFill>
-          <a:blip r:embed="rId3">
-            <a:extLst>
-              <a:ext uri="{28A0092B-C50C-407E-A947-70E740481C1C}">
-                <a14:useLocalDpi xmlns:a14="http://schemas.microsoft.com/office/drawing/2010/main" val="0"/>
-              </a:ext>
-            </a:extLst>
-          </a:blip>
-          <a:stretch>
-            <a:fillRect/>
-          </a:stretch>
-        </p:blipFill>
-        <p:spPr>
-          <a:xfrm>
-            <a:off x="2592391" y="1651860"/>
-            <a:ext cx="7007218" cy="4293639"/>
-          </a:xfrm>
-          <a:prstGeom prst="rect">
-            <a:avLst/>
-          </a:prstGeom>
-        </p:spPr>
-      </p:pic>
       <p:sp>
         <p:nvSpPr>
           <p:cNvPr id="7" name="직사각형 6">
@@ -9685,6 +7189,55 @@
           <a:prstGeom prst="rect">
             <a:avLst/>
           </a:prstGeom>
+        </p:spPr>
+        <p:style>
+          <a:lnRef idx="2">
+            <a:schemeClr val="accent1">
+              <a:shade val="50000"/>
+            </a:schemeClr>
+          </a:lnRef>
+          <a:fillRef idx="1">
+            <a:schemeClr val="accent1"/>
+          </a:fillRef>
+          <a:effectRef idx="0">
+            <a:schemeClr val="accent1"/>
+          </a:effectRef>
+          <a:fontRef idx="minor">
+            <a:schemeClr val="lt1"/>
+          </a:fontRef>
+        </p:style>
+        <p:txBody>
+          <a:bodyPr rtlCol="0" anchor="ctr"/>
+          <a:lstStyle/>
+          <a:p>
+            <a:pPr algn="ctr"/>
+            <a:endParaRPr lang="ko-KR" altLang="en-US"/>
+          </a:p>
+        </p:txBody>
+      </p:sp>
+      <p:sp>
+        <p:nvSpPr>
+          <p:cNvPr id="18" name="곱하기 기호 17">
+            <a:extLst>
+              <a:ext uri="{FF2B5EF4-FFF2-40B4-BE49-F238E27FC236}">
+                <a16:creationId xmlns:a16="http://schemas.microsoft.com/office/drawing/2014/main" id="{19D1AD4F-1120-4C3F-BC33-AEBDC69AC668}"/>
+              </a:ext>
+            </a:extLst>
+          </p:cNvPr>
+          <p:cNvSpPr/>
+          <p:nvPr/>
+        </p:nvSpPr>
+        <p:spPr>
+          <a:xfrm>
+            <a:off x="4918471" y="2096041"/>
+            <a:ext cx="2353867" cy="2665918"/>
+          </a:xfrm>
+          <a:prstGeom prst="mathMultiply">
+            <a:avLst/>
+          </a:prstGeom>
+          <a:solidFill>
+            <a:srgbClr val="FF0000"/>
+          </a:solidFill>
         </p:spPr>
         <p:style>
           <a:lnRef idx="2">
@@ -9802,7 +7355,7 @@
         <p:spPr>
           <a:xfrm>
             <a:off x="1704513" y="620822"/>
-            <a:ext cx="2814745" cy="400110"/>
+            <a:ext cx="3241144" cy="400110"/>
           </a:xfrm>
           <a:prstGeom prst="rect">
             <a:avLst/>
@@ -9817,7 +7370,7 @@
           <a:p>
             <a:r>
               <a:rPr lang="en-US" altLang="ko-KR" sz="2000" dirty="0"/>
-              <a:t>Developer ergonomics</a:t>
+              <a:t>Developer ergonomics - 2</a:t>
             </a:r>
             <a:endParaRPr lang="ko-KR" altLang="en-US" sz="2000" dirty="0"/>
           </a:p>
@@ -9851,8 +7404,8 @@
         </p:blipFill>
         <p:spPr>
           <a:xfrm>
-            <a:off x="2757487" y="1784980"/>
-            <a:ext cx="6677025" cy="4052088"/>
+            <a:off x="3259931" y="1707874"/>
+            <a:ext cx="5672138" cy="3442252"/>
           </a:xfrm>
           <a:prstGeom prst="rect">
             <a:avLst/>
@@ -9902,6 +7455,41 @@
           <a:p>
             <a:pPr algn="ctr"/>
             <a:endParaRPr lang="ko-KR" altLang="en-US"/>
+          </a:p>
+        </p:txBody>
+      </p:sp>
+      <p:sp>
+        <p:nvSpPr>
+          <p:cNvPr id="2" name="직사각형 1">
+            <a:extLst>
+              <a:ext uri="{FF2B5EF4-FFF2-40B4-BE49-F238E27FC236}">
+                <a16:creationId xmlns:a16="http://schemas.microsoft.com/office/drawing/2014/main" id="{15BD8ED6-42BF-4BA6-A154-21229773DA78}"/>
+              </a:ext>
+            </a:extLst>
+          </p:cNvPr>
+          <p:cNvSpPr/>
+          <p:nvPr/>
+        </p:nvSpPr>
+        <p:spPr>
+          <a:xfrm>
+            <a:off x="5113359" y="5451281"/>
+            <a:ext cx="1965282" cy="369332"/>
+          </a:xfrm>
+          <a:prstGeom prst="rect">
+            <a:avLst/>
+          </a:prstGeom>
+        </p:spPr>
+        <p:txBody>
+          <a:bodyPr wrap="none">
+            <a:spAutoFit/>
+          </a:bodyPr>
+          <a:lstStyle/>
+          <a:p>
+            <a:pPr algn="ctr"/>
+            <a:r>
+              <a:rPr lang="en-US" altLang="ko-KR" dirty="0"/>
+              <a:t>(Ctrl + Shift + A)</a:t>
+            </a:r>
           </a:p>
         </p:txBody>
       </p:sp>
@@ -9996,7 +7584,7 @@
         <p:spPr>
           <a:xfrm>
             <a:off x="1704513" y="620822"/>
-            <a:ext cx="2814745" cy="400110"/>
+            <a:ext cx="3241144" cy="400110"/>
           </a:xfrm>
           <a:prstGeom prst="rect">
             <a:avLst/>
@@ -10011,7 +7599,7 @@
           <a:p>
             <a:r>
               <a:rPr lang="en-US" altLang="ko-KR" sz="2000" dirty="0"/>
-              <a:t>Developer ergonomics</a:t>
+              <a:t>Developer ergonomics - 3</a:t>
             </a:r>
             <a:endParaRPr lang="ko-KR" altLang="en-US" sz="2000" dirty="0"/>
           </a:p>
@@ -10045,8 +7633,8 @@
         </p:blipFill>
         <p:spPr>
           <a:xfrm>
-            <a:off x="2622881" y="1536451"/>
-            <a:ext cx="6946238" cy="4215465"/>
+            <a:off x="3171240" y="1651860"/>
+            <a:ext cx="5849519" cy="3549899"/>
           </a:xfrm>
           <a:prstGeom prst="rect">
             <a:avLst/>
@@ -10096,6 +7684,41 @@
           <a:p>
             <a:pPr algn="ctr"/>
             <a:endParaRPr lang="ko-KR" altLang="en-US"/>
+          </a:p>
+        </p:txBody>
+      </p:sp>
+      <p:sp>
+        <p:nvSpPr>
+          <p:cNvPr id="8" name="직사각형 7">
+            <a:extLst>
+              <a:ext uri="{FF2B5EF4-FFF2-40B4-BE49-F238E27FC236}">
+                <a16:creationId xmlns:a16="http://schemas.microsoft.com/office/drawing/2014/main" id="{5E46A613-C8F6-42C9-A76A-3F21EF509D8E}"/>
+              </a:ext>
+            </a:extLst>
+          </p:cNvPr>
+          <p:cNvSpPr/>
+          <p:nvPr/>
+        </p:nvSpPr>
+        <p:spPr>
+          <a:xfrm>
+            <a:off x="5009890" y="5467736"/>
+            <a:ext cx="2420791" cy="369332"/>
+          </a:xfrm>
+          <a:prstGeom prst="rect">
+            <a:avLst/>
+          </a:prstGeom>
+        </p:spPr>
+        <p:txBody>
+          <a:bodyPr wrap="none">
+            <a:spAutoFit/>
+          </a:bodyPr>
+          <a:lstStyle/>
+          <a:p>
+            <a:pPr algn="ctr"/>
+            <a:r>
+              <a:rPr lang="en-US" altLang="ko-KR" dirty="0"/>
+              <a:t>(Ctrl + Shift+ Space)</a:t>
+            </a:r>
           </a:p>
         </p:txBody>
       </p:sp>
@@ -10415,7 +8038,7 @@
             </a:pPr>
             <a:r>
               <a:rPr lang="ko-KR" altLang="en-US" sz="2000" dirty="0"/>
-              <a:t>이클립스에서 만든 프로젝트도 </a:t>
+              <a:t>이클립스에서 만든 아카이브 파일도 </a:t>
             </a:r>
             <a:r>
               <a:rPr lang="en-US" altLang="ko-KR" sz="2000" dirty="0"/>
@@ -10461,7 +8084,7 @@
             </a:pPr>
             <a:r>
               <a:rPr lang="ko-KR" altLang="en-US" sz="2000" dirty="0"/>
-              <a:t>이클립스처럼 과도하게 플러그인에 의존적이지 않음</a:t>
+              <a:t>과도하게 플러그인에 의존적이지 않음</a:t>
             </a:r>
             <a:r>
               <a:rPr lang="en-US" altLang="ko-KR" sz="2000" dirty="0"/>
